--- a/documents/GJ_DataTrial_Presentation_Deck.pptx
+++ b/documents/GJ_DataTrial_Presentation_Deck.pptx
@@ -6,12 +6,14 @@
   </p:sldMasterIdLst>
   <p:sldIdLst>
     <p:sldId id="256" r:id="rId2"/>
-    <p:sldId id="258" r:id="rId3"/>
-    <p:sldId id="259" r:id="rId4"/>
-    <p:sldId id="257" r:id="rId5"/>
-    <p:sldId id="264" r:id="rId6"/>
-    <p:sldId id="266" r:id="rId7"/>
-    <p:sldId id="267" r:id="rId8"/>
+    <p:sldId id="268" r:id="rId3"/>
+    <p:sldId id="258" r:id="rId4"/>
+    <p:sldId id="269" r:id="rId5"/>
+    <p:sldId id="259" r:id="rId6"/>
+    <p:sldId id="257" r:id="rId7"/>
+    <p:sldId id="264" r:id="rId8"/>
+    <p:sldId id="266" r:id="rId9"/>
+    <p:sldId id="267" r:id="rId10"/>
   </p:sldIdLst>
   <p:sldSz cx="12192000" cy="6858000"/>
   <p:notesSz cx="6858000" cy="9144000"/>
@@ -265,7 +267,7 @@
           <a:p>
             <a:fld id="{2E53BD6B-04E8-4CC6-8CE7-D926D063E6A9}" type="datetimeFigureOut">
               <a:rPr lang="en-US" smtClean="0"/>
-              <a:t>3/12/2024</a:t>
+              <a:t>3/13/2024</a:t>
             </a:fld>
             <a:endParaRPr lang="en-US"/>
           </a:p>
@@ -463,7 +465,7 @@
           <a:p>
             <a:fld id="{2E53BD6B-04E8-4CC6-8CE7-D926D063E6A9}" type="datetimeFigureOut">
               <a:rPr lang="en-US" smtClean="0"/>
-              <a:t>3/12/2024</a:t>
+              <a:t>3/13/2024</a:t>
             </a:fld>
             <a:endParaRPr lang="en-US"/>
           </a:p>
@@ -671,7 +673,7 @@
           <a:p>
             <a:fld id="{2E53BD6B-04E8-4CC6-8CE7-D926D063E6A9}" type="datetimeFigureOut">
               <a:rPr lang="en-US" smtClean="0"/>
-              <a:t>3/12/2024</a:t>
+              <a:t>3/13/2024</a:t>
             </a:fld>
             <a:endParaRPr lang="en-US"/>
           </a:p>
@@ -869,7 +871,7 @@
           <a:p>
             <a:fld id="{2E53BD6B-04E8-4CC6-8CE7-D926D063E6A9}" type="datetimeFigureOut">
               <a:rPr lang="en-US" smtClean="0"/>
-              <a:t>3/12/2024</a:t>
+              <a:t>3/13/2024</a:t>
             </a:fld>
             <a:endParaRPr lang="en-US"/>
           </a:p>
@@ -1144,7 +1146,7 @@
           <a:p>
             <a:fld id="{2E53BD6B-04E8-4CC6-8CE7-D926D063E6A9}" type="datetimeFigureOut">
               <a:rPr lang="en-US" smtClean="0"/>
-              <a:t>3/12/2024</a:t>
+              <a:t>3/13/2024</a:t>
             </a:fld>
             <a:endParaRPr lang="en-US"/>
           </a:p>
@@ -1409,7 +1411,7 @@
           <a:p>
             <a:fld id="{2E53BD6B-04E8-4CC6-8CE7-D926D063E6A9}" type="datetimeFigureOut">
               <a:rPr lang="en-US" smtClean="0"/>
-              <a:t>3/12/2024</a:t>
+              <a:t>3/13/2024</a:t>
             </a:fld>
             <a:endParaRPr lang="en-US"/>
           </a:p>
@@ -1821,7 +1823,7 @@
           <a:p>
             <a:fld id="{2E53BD6B-04E8-4CC6-8CE7-D926D063E6A9}" type="datetimeFigureOut">
               <a:rPr lang="en-US" smtClean="0"/>
-              <a:t>3/12/2024</a:t>
+              <a:t>3/13/2024</a:t>
             </a:fld>
             <a:endParaRPr lang="en-US"/>
           </a:p>
@@ -1962,7 +1964,7 @@
           <a:p>
             <a:fld id="{2E53BD6B-04E8-4CC6-8CE7-D926D063E6A9}" type="datetimeFigureOut">
               <a:rPr lang="en-US" smtClean="0"/>
-              <a:t>3/12/2024</a:t>
+              <a:t>3/13/2024</a:t>
             </a:fld>
             <a:endParaRPr lang="en-US"/>
           </a:p>
@@ -2075,7 +2077,7 @@
           <a:p>
             <a:fld id="{2E53BD6B-04E8-4CC6-8CE7-D926D063E6A9}" type="datetimeFigureOut">
               <a:rPr lang="en-US" smtClean="0"/>
-              <a:t>3/12/2024</a:t>
+              <a:t>3/13/2024</a:t>
             </a:fld>
             <a:endParaRPr lang="en-US"/>
           </a:p>
@@ -2386,7 +2388,7 @@
           <a:p>
             <a:fld id="{2E53BD6B-04E8-4CC6-8CE7-D926D063E6A9}" type="datetimeFigureOut">
               <a:rPr lang="en-US" smtClean="0"/>
-              <a:t>3/12/2024</a:t>
+              <a:t>3/13/2024</a:t>
             </a:fld>
             <a:endParaRPr lang="en-US"/>
           </a:p>
@@ -2674,7 +2676,7 @@
           <a:p>
             <a:fld id="{2E53BD6B-04E8-4CC6-8CE7-D926D063E6A9}" type="datetimeFigureOut">
               <a:rPr lang="en-US" smtClean="0"/>
-              <a:t>3/12/2024</a:t>
+              <a:t>3/13/2024</a:t>
             </a:fld>
             <a:endParaRPr lang="en-US"/>
           </a:p>
@@ -2915,7 +2917,7 @@
           <a:p>
             <a:fld id="{2E53BD6B-04E8-4CC6-8CE7-D926D063E6A9}" type="datetimeFigureOut">
               <a:rPr lang="en-US" smtClean="0"/>
-              <a:t>3/12/2024</a:t>
+              <a:t>3/13/2024</a:t>
             </a:fld>
             <a:endParaRPr lang="en-US"/>
           </a:p>
@@ -3436,7 +3438,7 @@
           <p:cNvPr id="2" name="Title 1">
             <a:extLst>
               <a:ext uri="{FF2B5EF4-FFF2-40B4-BE49-F238E27FC236}">
-                <a16:creationId xmlns:a16="http://schemas.microsoft.com/office/drawing/2014/main" id="{969268BA-9BB1-06CF-93B5-8B999EC4F975}"/>
+                <a16:creationId xmlns:a16="http://schemas.microsoft.com/office/drawing/2014/main" id="{CCACB8C0-F8BD-2582-EA1C-E36EB8B23419}"/>
               </a:ext>
             </a:extLst>
           </p:cNvPr>
@@ -3449,1095 +3451,114 @@
         </p:nvSpPr>
         <p:spPr/>
         <p:txBody>
-          <a:bodyPr>
-            <a:normAutofit/>
-          </a:bodyPr>
+          <a:bodyPr/>
           <a:lstStyle/>
           <a:p>
             <a:r>
               <a:rPr lang="en-US" dirty="0"/>
-              <a:t>Exchange Order Book Data Pipeline Design</a:t>
-            </a:r>
-            <a:br>
+              <a:t>Design Considerations for this project</a:t>
+            </a:r>
+          </a:p>
+        </p:txBody>
+      </p:sp>
+      <p:sp>
+        <p:nvSpPr>
+          <p:cNvPr id="3" name="Content Placeholder 2">
+            <a:extLst>
+              <a:ext uri="{FF2B5EF4-FFF2-40B4-BE49-F238E27FC236}">
+                <a16:creationId xmlns:a16="http://schemas.microsoft.com/office/drawing/2014/main" id="{2F71B91C-B2F3-053D-9A77-02D7BD1C7DA0}"/>
+              </a:ext>
+            </a:extLst>
+          </p:cNvPr>
+          <p:cNvSpPr>
+            <a:spLocks noGrp="1"/>
+          </p:cNvSpPr>
+          <p:nvPr>
+            <p:ph idx="1"/>
+          </p:nvPr>
+        </p:nvSpPr>
+        <p:spPr/>
+        <p:txBody>
+          <a:bodyPr/>
+          <a:lstStyle/>
+          <a:p>
+            <a:pPr marL="0" indent="0">
+              <a:buNone/>
+            </a:pPr>
+            <a:r>
               <a:rPr lang="en-US" dirty="0"/>
-            </a:br>
-            <a:endParaRPr lang="en-US" dirty="0"/>
-          </a:p>
-        </p:txBody>
-      </p:sp>
-      <p:sp>
-        <p:nvSpPr>
-          <p:cNvPr id="4" name="Rectangle 3">
-            <a:extLst>
-              <a:ext uri="{FF2B5EF4-FFF2-40B4-BE49-F238E27FC236}">
-                <a16:creationId xmlns:a16="http://schemas.microsoft.com/office/drawing/2014/main" id="{5A233963-CEFE-A050-D149-05E8065CE6E1}"/>
-              </a:ext>
-            </a:extLst>
-          </p:cNvPr>
-          <p:cNvSpPr/>
-          <p:nvPr/>
-        </p:nvSpPr>
-        <p:spPr>
-          <a:xfrm>
-            <a:off x="887767" y="1526959"/>
-            <a:ext cx="1038687" cy="727969"/>
-          </a:xfrm>
-          <a:prstGeom prst="rect">
-            <a:avLst/>
-          </a:prstGeom>
-        </p:spPr>
-        <p:style>
-          <a:lnRef idx="2">
-            <a:schemeClr val="accent1">
-              <a:shade val="50000"/>
-            </a:schemeClr>
-          </a:lnRef>
-          <a:fillRef idx="1">
-            <a:schemeClr val="accent1"/>
-          </a:fillRef>
-          <a:effectRef idx="0">
-            <a:schemeClr val="accent1"/>
-          </a:effectRef>
-          <a:fontRef idx="minor">
-            <a:schemeClr val="lt1"/>
-          </a:fontRef>
-        </p:style>
-        <p:txBody>
-          <a:bodyPr rtlCol="0" anchor="ctr"/>
-          <a:lstStyle/>
-          <a:p>
-            <a:pPr algn="ctr"/>
-            <a:r>
-              <a:rPr lang="en-US" sz="1600" dirty="0" err="1"/>
-              <a:t>CoinBase</a:t>
-            </a:r>
-            <a:r>
-              <a:rPr lang="en-US" sz="1600" dirty="0"/>
-              <a:t> Exchange</a:t>
-            </a:r>
-          </a:p>
-        </p:txBody>
-      </p:sp>
-      <p:sp>
-        <p:nvSpPr>
-          <p:cNvPr id="5" name="Rectangle 4">
-            <a:extLst>
-              <a:ext uri="{FF2B5EF4-FFF2-40B4-BE49-F238E27FC236}">
-                <a16:creationId xmlns:a16="http://schemas.microsoft.com/office/drawing/2014/main" id="{7B493DFC-DF09-C3B0-1A38-2E84D9BF50C2}"/>
-              </a:ext>
-            </a:extLst>
-          </p:cNvPr>
-          <p:cNvSpPr/>
-          <p:nvPr/>
-        </p:nvSpPr>
-        <p:spPr>
-          <a:xfrm>
-            <a:off x="3390840" y="2474037"/>
-            <a:ext cx="1358284" cy="905523"/>
-          </a:xfrm>
-          <a:prstGeom prst="rect">
-            <a:avLst/>
-          </a:prstGeom>
-        </p:spPr>
-        <p:style>
-          <a:lnRef idx="2">
-            <a:schemeClr val="accent1">
-              <a:shade val="50000"/>
-            </a:schemeClr>
-          </a:lnRef>
-          <a:fillRef idx="1">
-            <a:schemeClr val="accent1"/>
-          </a:fillRef>
-          <a:effectRef idx="0">
-            <a:schemeClr val="accent1"/>
-          </a:effectRef>
-          <a:fontRef idx="minor">
-            <a:schemeClr val="lt1"/>
-          </a:fontRef>
-        </p:style>
-        <p:txBody>
-          <a:bodyPr rtlCol="0" anchor="ctr"/>
-          <a:lstStyle/>
-          <a:p>
-            <a:pPr algn="ctr"/>
+              <a:t>Latency</a:t>
+            </a:r>
+          </a:p>
+          <a:p>
+            <a:pPr marL="457200" lvl="1" indent="0">
+              <a:buNone/>
+            </a:pPr>
             <a:r>
               <a:rPr lang="en-US" dirty="0"/>
-              <a:t>Exchange </a:t>
-            </a:r>
-            <a:r>
-              <a:rPr lang="en-US" dirty="0" err="1"/>
-              <a:t>Pollers</a:t>
-            </a:r>
-            <a:endParaRPr lang="en-US" dirty="0"/>
-          </a:p>
-          <a:p>
-            <a:pPr algn="ctr"/>
-            <a:r>
-              <a:rPr lang="en-US" sz="1100" dirty="0"/>
-              <a:t>(AWS Lamba)</a:t>
-            </a:r>
-            <a:endParaRPr lang="en-US" sz="900" dirty="0"/>
-          </a:p>
-        </p:txBody>
-      </p:sp>
-      <p:cxnSp>
-        <p:nvCxnSpPr>
-          <p:cNvPr id="7" name="Connector: Elbow 6">
-            <a:extLst>
-              <a:ext uri="{FF2B5EF4-FFF2-40B4-BE49-F238E27FC236}">
-                <a16:creationId xmlns:a16="http://schemas.microsoft.com/office/drawing/2014/main" id="{9D350C43-3F3E-0FF9-FBC1-E6542333CE7F}"/>
-              </a:ext>
-            </a:extLst>
-          </p:cNvPr>
-          <p:cNvCxnSpPr>
-            <a:cxnSpLocks/>
-            <a:stCxn id="5" idx="3"/>
-            <a:endCxn id="47" idx="1"/>
-          </p:cNvCxnSpPr>
-          <p:nvPr/>
-        </p:nvCxnSpPr>
-        <p:spPr>
-          <a:xfrm flipV="1">
-            <a:off x="4749124" y="2078639"/>
-            <a:ext cx="397621" cy="848160"/>
-          </a:xfrm>
-          <a:prstGeom prst="bentConnector3">
-            <a:avLst/>
-          </a:prstGeom>
-          <a:ln>
-            <a:tailEnd type="triangle"/>
-          </a:ln>
-        </p:spPr>
-        <p:style>
-          <a:lnRef idx="1">
-            <a:schemeClr val="accent1"/>
-          </a:lnRef>
-          <a:fillRef idx="0">
-            <a:schemeClr val="accent1"/>
-          </a:fillRef>
-          <a:effectRef idx="0">
-            <a:schemeClr val="accent1"/>
-          </a:effectRef>
-          <a:fontRef idx="minor">
-            <a:schemeClr val="tx1"/>
-          </a:fontRef>
-        </p:style>
-      </p:cxnSp>
-      <p:sp>
-        <p:nvSpPr>
-          <p:cNvPr id="8" name="Rectangle 7">
-            <a:extLst>
-              <a:ext uri="{FF2B5EF4-FFF2-40B4-BE49-F238E27FC236}">
-                <a16:creationId xmlns:a16="http://schemas.microsoft.com/office/drawing/2014/main" id="{2A8D318F-C0D0-9B41-B66C-948CB973C623}"/>
-              </a:ext>
-            </a:extLst>
-          </p:cNvPr>
-          <p:cNvSpPr/>
-          <p:nvPr/>
-        </p:nvSpPr>
-        <p:spPr>
-          <a:xfrm>
-            <a:off x="7090340" y="2517205"/>
-            <a:ext cx="2739751" cy="1303501"/>
-          </a:xfrm>
-          <a:prstGeom prst="rect">
-            <a:avLst/>
-          </a:prstGeom>
-        </p:spPr>
-        <p:style>
-          <a:lnRef idx="2">
-            <a:schemeClr val="accent1">
-              <a:shade val="50000"/>
-            </a:schemeClr>
-          </a:lnRef>
-          <a:fillRef idx="1">
-            <a:schemeClr val="accent1"/>
-          </a:fillRef>
-          <a:effectRef idx="0">
-            <a:schemeClr val="accent1"/>
-          </a:effectRef>
-          <a:fontRef idx="minor">
-            <a:schemeClr val="lt1"/>
-          </a:fontRef>
-        </p:style>
-        <p:txBody>
-          <a:bodyPr rtlCol="0" anchor="ctr"/>
-          <a:lstStyle/>
-          <a:p>
-            <a:pPr algn="ctr"/>
-            <a:r>
-              <a:rPr lang="en-US" sz="1400" dirty="0"/>
-              <a:t>Processor</a:t>
-            </a:r>
-          </a:p>
-          <a:p>
-            <a:pPr algn="ctr"/>
-            <a:r>
-              <a:rPr lang="en-US" sz="1400" dirty="0"/>
-              <a:t>(Extract, Load, Transform)</a:t>
-            </a:r>
-          </a:p>
-          <a:p>
-            <a:pPr algn="ctr"/>
-            <a:r>
-              <a:rPr lang="en-US" sz="1100" dirty="0"/>
-              <a:t>(Databricks)</a:t>
-            </a:r>
-            <a:endParaRPr lang="en-US" sz="1400" dirty="0"/>
-          </a:p>
-        </p:txBody>
-      </p:sp>
-      <p:cxnSp>
-        <p:nvCxnSpPr>
-          <p:cNvPr id="9" name="Connector: Elbow 8">
-            <a:extLst>
-              <a:ext uri="{FF2B5EF4-FFF2-40B4-BE49-F238E27FC236}">
-                <a16:creationId xmlns:a16="http://schemas.microsoft.com/office/drawing/2014/main" id="{D493452F-1E01-DE6D-6BE5-CA4536E176AB}"/>
-              </a:ext>
-            </a:extLst>
-          </p:cNvPr>
-          <p:cNvCxnSpPr>
-            <a:cxnSpLocks/>
-            <a:stCxn id="47" idx="2"/>
-            <a:endCxn id="8" idx="1"/>
-          </p:cNvCxnSpPr>
-          <p:nvPr/>
-        </p:nvCxnSpPr>
-        <p:spPr>
-          <a:xfrm rot="16200000" flipH="1">
-            <a:off x="6074000" y="2152616"/>
-            <a:ext cx="787834" cy="1244846"/>
-          </a:xfrm>
-          <a:prstGeom prst="bentConnector2">
-            <a:avLst/>
-          </a:prstGeom>
-          <a:ln>
-            <a:tailEnd type="triangle"/>
-          </a:ln>
-        </p:spPr>
-        <p:style>
-          <a:lnRef idx="1">
-            <a:schemeClr val="accent1"/>
-          </a:lnRef>
-          <a:fillRef idx="0">
-            <a:schemeClr val="accent1"/>
-          </a:fillRef>
-          <a:effectRef idx="0">
-            <a:schemeClr val="accent1"/>
-          </a:effectRef>
-          <a:fontRef idx="minor">
-            <a:schemeClr val="tx1"/>
-          </a:fontRef>
-        </p:style>
-      </p:cxnSp>
-      <p:sp>
-        <p:nvSpPr>
-          <p:cNvPr id="12" name="TextBox 11">
-            <a:extLst>
-              <a:ext uri="{FF2B5EF4-FFF2-40B4-BE49-F238E27FC236}">
-                <a16:creationId xmlns:a16="http://schemas.microsoft.com/office/drawing/2014/main" id="{9A1BD988-6E84-5960-EA76-3A9F2E0D8995}"/>
-              </a:ext>
-            </a:extLst>
-          </p:cNvPr>
-          <p:cNvSpPr txBox="1"/>
-          <p:nvPr/>
-        </p:nvSpPr>
-        <p:spPr>
-          <a:xfrm>
-            <a:off x="5074487" y="2502719"/>
-            <a:ext cx="1838965" cy="253916"/>
-          </a:xfrm>
-          <a:prstGeom prst="rect">
-            <a:avLst/>
-          </a:prstGeom>
-          <a:noFill/>
-        </p:spPr>
-        <p:txBody>
-          <a:bodyPr wrap="none" rtlCol="0">
-            <a:spAutoFit/>
-          </a:bodyPr>
-          <a:lstStyle/>
-          <a:p>
-            <a:r>
-              <a:rPr lang="en-US" sz="1050" dirty="0"/>
-              <a:t>Raw </a:t>
-            </a:r>
-            <a:r>
-              <a:rPr lang="en-US" sz="1050" dirty="0" err="1"/>
-              <a:t>OrderBook</a:t>
-            </a:r>
-            <a:r>
-              <a:rPr lang="en-US" sz="1050" dirty="0"/>
-              <a:t> API response</a:t>
-            </a:r>
-          </a:p>
-        </p:txBody>
-      </p:sp>
-      <p:cxnSp>
-        <p:nvCxnSpPr>
-          <p:cNvPr id="14" name="Connector: Elbow 13">
-            <a:extLst>
-              <a:ext uri="{FF2B5EF4-FFF2-40B4-BE49-F238E27FC236}">
-                <a16:creationId xmlns:a16="http://schemas.microsoft.com/office/drawing/2014/main" id="{A85EDDA6-F05E-8565-BF10-4D83721810F9}"/>
-              </a:ext>
-            </a:extLst>
-          </p:cNvPr>
-          <p:cNvCxnSpPr>
-            <a:cxnSpLocks/>
-            <a:stCxn id="8" idx="3"/>
-            <a:endCxn id="59" idx="2"/>
-          </p:cNvCxnSpPr>
-          <p:nvPr/>
-        </p:nvCxnSpPr>
-        <p:spPr>
-          <a:xfrm flipV="1">
-            <a:off x="9830091" y="1884664"/>
-            <a:ext cx="882643" cy="1284292"/>
-          </a:xfrm>
-          <a:prstGeom prst="bentConnector3">
-            <a:avLst>
-              <a:gd name="adj1" fmla="val 50000"/>
-            </a:avLst>
-          </a:prstGeom>
-          <a:ln>
-            <a:tailEnd type="triangle"/>
-          </a:ln>
-        </p:spPr>
-        <p:style>
-          <a:lnRef idx="1">
-            <a:schemeClr val="accent1"/>
-          </a:lnRef>
-          <a:fillRef idx="0">
-            <a:schemeClr val="accent1"/>
-          </a:fillRef>
-          <a:effectRef idx="0">
-            <a:schemeClr val="accent1"/>
-          </a:effectRef>
-          <a:fontRef idx="minor">
-            <a:schemeClr val="tx1"/>
-          </a:fontRef>
-        </p:style>
-      </p:cxnSp>
-      <p:sp>
-        <p:nvSpPr>
-          <p:cNvPr id="16" name="Flowchart: Internal Storage 15">
-            <a:extLst>
-              <a:ext uri="{FF2B5EF4-FFF2-40B4-BE49-F238E27FC236}">
-                <a16:creationId xmlns:a16="http://schemas.microsoft.com/office/drawing/2014/main" id="{9B1D4DB2-EB5F-279C-6463-E11A0E64C8E9}"/>
-              </a:ext>
-            </a:extLst>
-          </p:cNvPr>
-          <p:cNvSpPr/>
-          <p:nvPr/>
-        </p:nvSpPr>
-        <p:spPr>
-          <a:xfrm>
-            <a:off x="9992542" y="5726656"/>
-            <a:ext cx="1399742" cy="798990"/>
-          </a:xfrm>
-          <a:prstGeom prst="flowChartInternalStorage">
-            <a:avLst/>
-          </a:prstGeom>
-          <a:solidFill>
-            <a:srgbClr val="7030A0"/>
-          </a:solidFill>
-        </p:spPr>
-        <p:style>
-          <a:lnRef idx="2">
-            <a:schemeClr val="accent1">
-              <a:shade val="50000"/>
-            </a:schemeClr>
-          </a:lnRef>
-          <a:fillRef idx="1">
-            <a:schemeClr val="accent1"/>
-          </a:fillRef>
-          <a:effectRef idx="0">
-            <a:schemeClr val="accent1"/>
-          </a:effectRef>
-          <a:fontRef idx="minor">
-            <a:schemeClr val="lt1"/>
-          </a:fontRef>
-        </p:style>
-        <p:txBody>
-          <a:bodyPr rtlCol="0" anchor="ctr"/>
-          <a:lstStyle/>
-          <a:p>
-            <a:pPr algn="ctr"/>
+              <a:t>Data refresh every minute</a:t>
+            </a:r>
+          </a:p>
+          <a:p>
+            <a:pPr marL="0" indent="0">
+              <a:buNone/>
+            </a:pPr>
             <a:r>
               <a:rPr lang="en-US" dirty="0"/>
-              <a:t>Dashboard</a:t>
-            </a:r>
-          </a:p>
-        </p:txBody>
-      </p:sp>
-      <p:cxnSp>
-        <p:nvCxnSpPr>
-          <p:cNvPr id="17" name="Connector: Elbow 16">
-            <a:extLst>
-              <a:ext uri="{FF2B5EF4-FFF2-40B4-BE49-F238E27FC236}">
-                <a16:creationId xmlns:a16="http://schemas.microsoft.com/office/drawing/2014/main" id="{FE7788A9-DAD1-1584-4E4D-EA63C593E2BA}"/>
-              </a:ext>
-            </a:extLst>
-          </p:cNvPr>
-          <p:cNvCxnSpPr>
-            <a:cxnSpLocks/>
-            <a:stCxn id="61" idx="3"/>
-            <a:endCxn id="16" idx="0"/>
-          </p:cNvCxnSpPr>
-          <p:nvPr/>
-        </p:nvCxnSpPr>
-        <p:spPr>
-          <a:xfrm rot="5400000">
-            <a:off x="10522480" y="5017057"/>
-            <a:ext cx="879533" cy="539665"/>
-          </a:xfrm>
-          <a:prstGeom prst="bentConnector3">
-            <a:avLst/>
-          </a:prstGeom>
-          <a:ln>
-            <a:tailEnd type="triangle"/>
-          </a:ln>
-        </p:spPr>
-        <p:style>
-          <a:lnRef idx="1">
-            <a:schemeClr val="accent1"/>
-          </a:lnRef>
-          <a:fillRef idx="0">
-            <a:schemeClr val="accent1"/>
-          </a:fillRef>
-          <a:effectRef idx="0">
-            <a:schemeClr val="accent1"/>
-          </a:effectRef>
-          <a:fontRef idx="minor">
-            <a:schemeClr val="tx1"/>
-          </a:fontRef>
-        </p:style>
-      </p:cxnSp>
-      <p:sp>
-        <p:nvSpPr>
-          <p:cNvPr id="18" name="Rectangle 17">
-            <a:extLst>
-              <a:ext uri="{FF2B5EF4-FFF2-40B4-BE49-F238E27FC236}">
-                <a16:creationId xmlns:a16="http://schemas.microsoft.com/office/drawing/2014/main" id="{D75B32BD-E280-CA81-9F71-05C8DDC149F3}"/>
-              </a:ext>
-            </a:extLst>
-          </p:cNvPr>
-          <p:cNvSpPr/>
-          <p:nvPr/>
-        </p:nvSpPr>
-        <p:spPr>
-          <a:xfrm>
-            <a:off x="881849" y="2600971"/>
-            <a:ext cx="1038687" cy="727969"/>
-          </a:xfrm>
-          <a:prstGeom prst="rect">
-            <a:avLst/>
-          </a:prstGeom>
-        </p:spPr>
-        <p:style>
-          <a:lnRef idx="2">
-            <a:schemeClr val="accent1">
-              <a:shade val="50000"/>
-            </a:schemeClr>
-          </a:lnRef>
-          <a:fillRef idx="1">
-            <a:schemeClr val="accent1"/>
-          </a:fillRef>
-          <a:effectRef idx="0">
-            <a:schemeClr val="accent1"/>
-          </a:effectRef>
-          <a:fontRef idx="minor">
-            <a:schemeClr val="lt1"/>
-          </a:fontRef>
-        </p:style>
-        <p:txBody>
-          <a:bodyPr rtlCol="0" anchor="ctr"/>
-          <a:lstStyle/>
-          <a:p>
-            <a:pPr algn="ctr"/>
-            <a:r>
-              <a:rPr lang="en-US" sz="1600" dirty="0"/>
-              <a:t>Kraken Exchange</a:t>
-            </a:r>
-          </a:p>
-        </p:txBody>
-      </p:sp>
-      <p:sp>
-        <p:nvSpPr>
-          <p:cNvPr id="19" name="Rectangle 18">
-            <a:extLst>
-              <a:ext uri="{FF2B5EF4-FFF2-40B4-BE49-F238E27FC236}">
-                <a16:creationId xmlns:a16="http://schemas.microsoft.com/office/drawing/2014/main" id="{544A3287-599E-ABA5-4E25-D3ADDBB41EDC}"/>
-              </a:ext>
-            </a:extLst>
-          </p:cNvPr>
-          <p:cNvSpPr/>
-          <p:nvPr/>
-        </p:nvSpPr>
-        <p:spPr>
-          <a:xfrm>
-            <a:off x="881848" y="3676523"/>
-            <a:ext cx="1038687" cy="727969"/>
-          </a:xfrm>
-          <a:prstGeom prst="rect">
-            <a:avLst/>
-          </a:prstGeom>
-        </p:spPr>
-        <p:style>
-          <a:lnRef idx="2">
-            <a:schemeClr val="accent1">
-              <a:shade val="50000"/>
-            </a:schemeClr>
-          </a:lnRef>
-          <a:fillRef idx="1">
-            <a:schemeClr val="accent1"/>
-          </a:fillRef>
-          <a:effectRef idx="0">
-            <a:schemeClr val="accent1"/>
-          </a:effectRef>
-          <a:fontRef idx="minor">
-            <a:schemeClr val="lt1"/>
-          </a:fontRef>
-        </p:style>
-        <p:txBody>
-          <a:bodyPr rtlCol="0" anchor="ctr"/>
-          <a:lstStyle/>
-          <a:p>
-            <a:pPr algn="ctr"/>
-            <a:r>
-              <a:rPr lang="en-US" sz="1600" dirty="0"/>
-              <a:t>Other Exchange</a:t>
-            </a:r>
-          </a:p>
-        </p:txBody>
-      </p:sp>
-      <p:cxnSp>
-        <p:nvCxnSpPr>
-          <p:cNvPr id="24" name="Connector: Elbow 23">
-            <a:extLst>
-              <a:ext uri="{FF2B5EF4-FFF2-40B4-BE49-F238E27FC236}">
-                <a16:creationId xmlns:a16="http://schemas.microsoft.com/office/drawing/2014/main" id="{003DEA1D-7D34-EC92-A87C-71F70613EE29}"/>
-              </a:ext>
-            </a:extLst>
-          </p:cNvPr>
-          <p:cNvCxnSpPr>
-            <a:cxnSpLocks/>
-            <a:stCxn id="4" idx="3"/>
-            <a:endCxn id="5" idx="1"/>
-          </p:cNvCxnSpPr>
-          <p:nvPr/>
-        </p:nvCxnSpPr>
-        <p:spPr>
-          <a:xfrm>
-            <a:off x="1926454" y="1890944"/>
-            <a:ext cx="1464386" cy="1035855"/>
-          </a:xfrm>
-          <a:prstGeom prst="bentConnector3">
-            <a:avLst/>
-          </a:prstGeom>
-          <a:ln>
-            <a:tailEnd type="triangle"/>
-          </a:ln>
-        </p:spPr>
-        <p:style>
-          <a:lnRef idx="1">
-            <a:schemeClr val="accent1"/>
-          </a:lnRef>
-          <a:fillRef idx="0">
-            <a:schemeClr val="accent1"/>
-          </a:fillRef>
-          <a:effectRef idx="0">
-            <a:schemeClr val="accent1"/>
-          </a:effectRef>
-          <a:fontRef idx="minor">
-            <a:schemeClr val="tx1"/>
-          </a:fontRef>
-        </p:style>
-      </p:cxnSp>
-      <p:cxnSp>
-        <p:nvCxnSpPr>
-          <p:cNvPr id="25" name="Connector: Elbow 24">
-            <a:extLst>
-              <a:ext uri="{FF2B5EF4-FFF2-40B4-BE49-F238E27FC236}">
-                <a16:creationId xmlns:a16="http://schemas.microsoft.com/office/drawing/2014/main" id="{C4D4DC5C-2691-CCB8-87B9-4A76F0EE4E1A}"/>
-              </a:ext>
-            </a:extLst>
-          </p:cNvPr>
-          <p:cNvCxnSpPr>
-            <a:cxnSpLocks/>
-            <a:stCxn id="18" idx="3"/>
-            <a:endCxn id="5" idx="1"/>
-          </p:cNvCxnSpPr>
-          <p:nvPr/>
-        </p:nvCxnSpPr>
-        <p:spPr>
-          <a:xfrm flipV="1">
-            <a:off x="1920536" y="2926799"/>
-            <a:ext cx="1470304" cy="38157"/>
-          </a:xfrm>
-          <a:prstGeom prst="bentConnector3">
-            <a:avLst/>
-          </a:prstGeom>
-          <a:ln>
-            <a:tailEnd type="triangle"/>
-          </a:ln>
-        </p:spPr>
-        <p:style>
-          <a:lnRef idx="1">
-            <a:schemeClr val="accent1"/>
-          </a:lnRef>
-          <a:fillRef idx="0">
-            <a:schemeClr val="accent1"/>
-          </a:fillRef>
-          <a:effectRef idx="0">
-            <a:schemeClr val="accent1"/>
-          </a:effectRef>
-          <a:fontRef idx="minor">
-            <a:schemeClr val="tx1"/>
-          </a:fontRef>
-        </p:style>
-      </p:cxnSp>
-      <p:cxnSp>
-        <p:nvCxnSpPr>
-          <p:cNvPr id="26" name="Connector: Elbow 25">
-            <a:extLst>
-              <a:ext uri="{FF2B5EF4-FFF2-40B4-BE49-F238E27FC236}">
-                <a16:creationId xmlns:a16="http://schemas.microsoft.com/office/drawing/2014/main" id="{887977C9-17A2-70B2-4093-7CC0452AF18F}"/>
-              </a:ext>
-            </a:extLst>
-          </p:cNvPr>
-          <p:cNvCxnSpPr>
-            <a:cxnSpLocks/>
-            <a:stCxn id="19" idx="3"/>
-            <a:endCxn id="5" idx="1"/>
-          </p:cNvCxnSpPr>
-          <p:nvPr/>
-        </p:nvCxnSpPr>
-        <p:spPr>
-          <a:xfrm flipV="1">
-            <a:off x="1920535" y="2926799"/>
-            <a:ext cx="1470305" cy="1113709"/>
-          </a:xfrm>
-          <a:prstGeom prst="bentConnector3">
-            <a:avLst/>
-          </a:prstGeom>
-          <a:ln>
-            <a:tailEnd type="triangle"/>
-          </a:ln>
-        </p:spPr>
-        <p:style>
-          <a:lnRef idx="1">
-            <a:schemeClr val="accent1"/>
-          </a:lnRef>
-          <a:fillRef idx="0">
-            <a:schemeClr val="accent1"/>
-          </a:fillRef>
-          <a:effectRef idx="0">
-            <a:schemeClr val="accent1"/>
-          </a:effectRef>
-          <a:fontRef idx="minor">
-            <a:schemeClr val="tx1"/>
-          </a:fontRef>
-        </p:style>
-      </p:cxnSp>
-      <p:sp>
-        <p:nvSpPr>
-          <p:cNvPr id="27" name="TextBox 26">
-            <a:extLst>
-              <a:ext uri="{FF2B5EF4-FFF2-40B4-BE49-F238E27FC236}">
-                <a16:creationId xmlns:a16="http://schemas.microsoft.com/office/drawing/2014/main" id="{2A2B8301-D517-1CEB-1CFD-BFBF3D2724EE}"/>
-              </a:ext>
-            </a:extLst>
-          </p:cNvPr>
-          <p:cNvSpPr txBox="1"/>
-          <p:nvPr/>
-        </p:nvSpPr>
-        <p:spPr>
-          <a:xfrm>
-            <a:off x="3336035" y="3432307"/>
-            <a:ext cx="1329210" cy="253916"/>
-          </a:xfrm>
-          <a:prstGeom prst="rect">
-            <a:avLst/>
-          </a:prstGeom>
-          <a:noFill/>
-        </p:spPr>
-        <p:txBody>
-          <a:bodyPr wrap="none" rtlCol="0">
-            <a:spAutoFit/>
-          </a:bodyPr>
-          <a:lstStyle/>
-          <a:p>
-            <a:r>
-              <a:rPr lang="en-US" sz="1050" dirty="0"/>
-              <a:t>Poll Order Book Data</a:t>
-            </a:r>
-          </a:p>
-        </p:txBody>
-      </p:sp>
-      <p:sp>
-        <p:nvSpPr>
-          <p:cNvPr id="47" name="Flowchart: Predefined Process 46">
-            <a:extLst>
-              <a:ext uri="{FF2B5EF4-FFF2-40B4-BE49-F238E27FC236}">
-                <a16:creationId xmlns:a16="http://schemas.microsoft.com/office/drawing/2014/main" id="{D1A79DD2-5E1C-C851-56C5-44F1F3D583A4}"/>
-              </a:ext>
-            </a:extLst>
-          </p:cNvPr>
-          <p:cNvSpPr/>
-          <p:nvPr/>
-        </p:nvSpPr>
-        <p:spPr>
-          <a:xfrm>
-            <a:off x="5146745" y="1776156"/>
-            <a:ext cx="1397497" cy="604966"/>
-          </a:xfrm>
-          <a:prstGeom prst="flowChartPredefinedProcess">
-            <a:avLst/>
-          </a:prstGeom>
-        </p:spPr>
-        <p:style>
-          <a:lnRef idx="2">
-            <a:schemeClr val="accent1">
-              <a:shade val="15000"/>
-            </a:schemeClr>
-          </a:lnRef>
-          <a:fillRef idx="1">
-            <a:schemeClr val="accent1"/>
-          </a:fillRef>
-          <a:effectRef idx="0">
-            <a:schemeClr val="accent1"/>
-          </a:effectRef>
-          <a:fontRef idx="minor">
-            <a:schemeClr val="lt1"/>
-          </a:fontRef>
-        </p:style>
-        <p:txBody>
-          <a:bodyPr rtlCol="0" anchor="ctr"/>
-          <a:lstStyle/>
-          <a:p>
-            <a:pPr algn="ctr"/>
-            <a:r>
-              <a:rPr lang="en-US" sz="1400" dirty="0"/>
-              <a:t>Ingest Data Store</a:t>
-            </a:r>
-          </a:p>
-          <a:p>
-            <a:pPr algn="ctr"/>
-            <a:r>
-              <a:rPr lang="en-US" sz="1050" dirty="0"/>
-              <a:t>(AWS S3)</a:t>
-            </a:r>
-            <a:endParaRPr lang="en-US" sz="1400" dirty="0"/>
-          </a:p>
-        </p:txBody>
-      </p:sp>
-      <p:sp>
-        <p:nvSpPr>
-          <p:cNvPr id="59" name="Cylinder 58">
-            <a:extLst>
-              <a:ext uri="{FF2B5EF4-FFF2-40B4-BE49-F238E27FC236}">
-                <a16:creationId xmlns:a16="http://schemas.microsoft.com/office/drawing/2014/main" id="{70A3C7FF-455D-A742-5B75-EC70E5BF6667}"/>
-              </a:ext>
-            </a:extLst>
-          </p:cNvPr>
-          <p:cNvSpPr/>
-          <p:nvPr/>
-        </p:nvSpPr>
-        <p:spPr>
-          <a:xfrm>
-            <a:off x="10712734" y="1461493"/>
-            <a:ext cx="1038687" cy="846341"/>
-          </a:xfrm>
-          <a:prstGeom prst="can">
-            <a:avLst/>
-          </a:prstGeom>
-          <a:solidFill>
-            <a:schemeClr val="accent2">
-              <a:lumMod val="75000"/>
-            </a:schemeClr>
-          </a:solidFill>
-        </p:spPr>
-        <p:style>
-          <a:lnRef idx="2">
-            <a:schemeClr val="accent1">
-              <a:shade val="50000"/>
-            </a:schemeClr>
-          </a:lnRef>
-          <a:fillRef idx="1">
-            <a:schemeClr val="accent1"/>
-          </a:fillRef>
-          <a:effectRef idx="0">
-            <a:schemeClr val="accent1"/>
-          </a:effectRef>
-          <a:fontRef idx="minor">
-            <a:schemeClr val="lt1"/>
-          </a:fontRef>
-        </p:style>
-        <p:txBody>
-          <a:bodyPr rtlCol="0" anchor="ctr"/>
-          <a:lstStyle/>
-          <a:p>
-            <a:pPr algn="ctr"/>
-            <a:r>
-              <a:rPr lang="en-US" sz="1100" dirty="0"/>
-              <a:t>Extract Ingested Data</a:t>
-            </a:r>
-          </a:p>
-          <a:p>
-            <a:pPr algn="ctr"/>
-            <a:r>
-              <a:rPr lang="en-US" sz="1100" dirty="0"/>
-              <a:t>(Bronze)</a:t>
-            </a:r>
-          </a:p>
-        </p:txBody>
-      </p:sp>
-      <p:sp>
-        <p:nvSpPr>
-          <p:cNvPr id="60" name="Cylinder 59">
-            <a:extLst>
-              <a:ext uri="{FF2B5EF4-FFF2-40B4-BE49-F238E27FC236}">
-                <a16:creationId xmlns:a16="http://schemas.microsoft.com/office/drawing/2014/main" id="{EDF03022-CB38-C32E-209B-BB34A008DA2E}"/>
-              </a:ext>
-            </a:extLst>
-          </p:cNvPr>
-          <p:cNvSpPr/>
-          <p:nvPr/>
-        </p:nvSpPr>
-        <p:spPr>
-          <a:xfrm>
-            <a:off x="10713216" y="2632995"/>
-            <a:ext cx="1038687" cy="846341"/>
-          </a:xfrm>
-          <a:prstGeom prst="can">
-            <a:avLst/>
-          </a:prstGeom>
-          <a:solidFill>
-            <a:schemeClr val="accent3">
-              <a:lumMod val="60000"/>
-              <a:lumOff val="40000"/>
-            </a:schemeClr>
-          </a:solidFill>
-        </p:spPr>
-        <p:style>
-          <a:lnRef idx="2">
-            <a:schemeClr val="accent1">
-              <a:shade val="50000"/>
-            </a:schemeClr>
-          </a:lnRef>
-          <a:fillRef idx="1">
-            <a:schemeClr val="accent1"/>
-          </a:fillRef>
-          <a:effectRef idx="0">
-            <a:schemeClr val="accent1"/>
-          </a:effectRef>
-          <a:fontRef idx="minor">
-            <a:schemeClr val="lt1"/>
-          </a:fontRef>
-        </p:style>
-        <p:txBody>
-          <a:bodyPr rtlCol="0" anchor="ctr"/>
-          <a:lstStyle/>
-          <a:p>
-            <a:pPr algn="ctr"/>
-            <a:r>
-              <a:rPr lang="en-US" sz="1100" dirty="0">
-                <a:solidFill>
-                  <a:schemeClr val="tx1"/>
-                </a:solidFill>
-              </a:rPr>
-              <a:t>Load and Clean Data</a:t>
-            </a:r>
-          </a:p>
-          <a:p>
-            <a:pPr algn="ctr"/>
-            <a:r>
-              <a:rPr lang="en-US" sz="1100" dirty="0">
-                <a:solidFill>
-                  <a:schemeClr val="tx1"/>
-                </a:solidFill>
-              </a:rPr>
-              <a:t>(Silver) </a:t>
-            </a:r>
-          </a:p>
-        </p:txBody>
-      </p:sp>
-      <p:sp>
-        <p:nvSpPr>
-          <p:cNvPr id="61" name="Cylinder 60">
-            <a:extLst>
-              <a:ext uri="{FF2B5EF4-FFF2-40B4-BE49-F238E27FC236}">
-                <a16:creationId xmlns:a16="http://schemas.microsoft.com/office/drawing/2014/main" id="{6F037509-FD5A-049E-6C4E-D34BB1F5A774}"/>
-              </a:ext>
-            </a:extLst>
-          </p:cNvPr>
-          <p:cNvSpPr/>
-          <p:nvPr/>
-        </p:nvSpPr>
-        <p:spPr>
-          <a:xfrm>
-            <a:off x="10712734" y="4000782"/>
-            <a:ext cx="1038687" cy="846341"/>
-          </a:xfrm>
-          <a:prstGeom prst="can">
-            <a:avLst/>
-          </a:prstGeom>
-          <a:solidFill>
-            <a:schemeClr val="accent4">
-              <a:lumMod val="60000"/>
-              <a:lumOff val="40000"/>
-            </a:schemeClr>
-          </a:solidFill>
-        </p:spPr>
-        <p:style>
-          <a:lnRef idx="2">
-            <a:schemeClr val="accent1">
-              <a:shade val="50000"/>
-            </a:schemeClr>
-          </a:lnRef>
-          <a:fillRef idx="1">
-            <a:schemeClr val="accent1"/>
-          </a:fillRef>
-          <a:effectRef idx="0">
-            <a:schemeClr val="accent1"/>
-          </a:effectRef>
-          <a:fontRef idx="minor">
-            <a:schemeClr val="lt1"/>
-          </a:fontRef>
-        </p:style>
-        <p:txBody>
-          <a:bodyPr rtlCol="0" anchor="ctr"/>
-          <a:lstStyle/>
-          <a:p>
-            <a:pPr algn="ctr"/>
-            <a:r>
-              <a:rPr lang="en-US" sz="1100" dirty="0">
-                <a:solidFill>
-                  <a:schemeClr val="tx1"/>
-                </a:solidFill>
-              </a:rPr>
-              <a:t>Transform</a:t>
-            </a:r>
-          </a:p>
-          <a:p>
-            <a:pPr algn="ctr"/>
-            <a:r>
-              <a:rPr lang="en-US" sz="1100" dirty="0">
-                <a:solidFill>
-                  <a:schemeClr val="tx1"/>
-                </a:solidFill>
-              </a:rPr>
-              <a:t>Star Schema</a:t>
-            </a:r>
-          </a:p>
-          <a:p>
-            <a:pPr algn="ctr"/>
-            <a:r>
-              <a:rPr lang="en-US" sz="1100" dirty="0">
-                <a:solidFill>
-                  <a:schemeClr val="tx1"/>
-                </a:solidFill>
-              </a:rPr>
-              <a:t>(Gold)</a:t>
-            </a:r>
-          </a:p>
-        </p:txBody>
-      </p:sp>
-      <p:cxnSp>
-        <p:nvCxnSpPr>
-          <p:cNvPr id="64" name="Connector: Elbow 63">
-            <a:extLst>
-              <a:ext uri="{FF2B5EF4-FFF2-40B4-BE49-F238E27FC236}">
-                <a16:creationId xmlns:a16="http://schemas.microsoft.com/office/drawing/2014/main" id="{C9A22003-AD64-F8B1-4977-2582D0035191}"/>
-              </a:ext>
-            </a:extLst>
-          </p:cNvPr>
-          <p:cNvCxnSpPr>
-            <a:cxnSpLocks/>
-            <a:stCxn id="8" idx="3"/>
-            <a:endCxn id="60" idx="2"/>
-          </p:cNvCxnSpPr>
-          <p:nvPr/>
-        </p:nvCxnSpPr>
-        <p:spPr>
-          <a:xfrm flipV="1">
-            <a:off x="9830091" y="3056166"/>
-            <a:ext cx="883125" cy="112790"/>
-          </a:xfrm>
-          <a:prstGeom prst="bentConnector3">
-            <a:avLst>
-              <a:gd name="adj1" fmla="val 50000"/>
-            </a:avLst>
-          </a:prstGeom>
-          <a:ln>
-            <a:tailEnd type="triangle"/>
-          </a:ln>
-        </p:spPr>
-        <p:style>
-          <a:lnRef idx="1">
-            <a:schemeClr val="accent1"/>
-          </a:lnRef>
-          <a:fillRef idx="0">
-            <a:schemeClr val="accent1"/>
-          </a:fillRef>
-          <a:effectRef idx="0">
-            <a:schemeClr val="accent1"/>
-          </a:effectRef>
-          <a:fontRef idx="minor">
-            <a:schemeClr val="tx1"/>
-          </a:fontRef>
-        </p:style>
-      </p:cxnSp>
-      <p:cxnSp>
-        <p:nvCxnSpPr>
-          <p:cNvPr id="67" name="Connector: Elbow 66">
-            <a:extLst>
-              <a:ext uri="{FF2B5EF4-FFF2-40B4-BE49-F238E27FC236}">
-                <a16:creationId xmlns:a16="http://schemas.microsoft.com/office/drawing/2014/main" id="{1F6C2CE1-28A2-B35F-F52A-0A5363E90217}"/>
-              </a:ext>
-            </a:extLst>
-          </p:cNvPr>
-          <p:cNvCxnSpPr>
-            <a:cxnSpLocks/>
-            <a:stCxn id="8" idx="3"/>
-            <a:endCxn id="61" idx="2"/>
-          </p:cNvCxnSpPr>
-          <p:nvPr/>
-        </p:nvCxnSpPr>
-        <p:spPr>
-          <a:xfrm>
-            <a:off x="9830091" y="3168956"/>
-            <a:ext cx="882643" cy="1254997"/>
-          </a:xfrm>
-          <a:prstGeom prst="bentConnector3">
-            <a:avLst>
-              <a:gd name="adj1" fmla="val 50000"/>
-            </a:avLst>
-          </a:prstGeom>
-          <a:ln>
-            <a:tailEnd type="triangle"/>
-          </a:ln>
-        </p:spPr>
-        <p:style>
-          <a:lnRef idx="1">
-            <a:schemeClr val="accent1"/>
-          </a:lnRef>
-          <a:fillRef idx="0">
-            <a:schemeClr val="accent1"/>
-          </a:fillRef>
-          <a:effectRef idx="0">
-            <a:schemeClr val="accent1"/>
-          </a:effectRef>
-          <a:fontRef idx="minor">
-            <a:schemeClr val="tx1"/>
-          </a:fontRef>
-        </p:style>
-      </p:cxnSp>
+              <a:t>Performance</a:t>
+            </a:r>
+          </a:p>
+          <a:p>
+            <a:pPr marL="457200" lvl="1" indent="0">
+              <a:buNone/>
+            </a:pPr>
+            <a:r>
+              <a:rPr lang="en-US" dirty="0"/>
+              <a:t>Should process data quickly as it arrives. Consider Incremental processing</a:t>
+            </a:r>
+          </a:p>
+          <a:p>
+            <a:pPr marL="0" indent="0">
+              <a:buNone/>
+            </a:pPr>
+            <a:r>
+              <a:rPr lang="en-US" dirty="0"/>
+              <a:t>Quality</a:t>
+            </a:r>
+          </a:p>
+          <a:p>
+            <a:pPr marL="457200" lvl="1" indent="0">
+              <a:buNone/>
+            </a:pPr>
+            <a:r>
+              <a:rPr lang="en-US" dirty="0"/>
+              <a:t>Data cleaning should occur in the early stages of the pipeline</a:t>
+            </a:r>
+          </a:p>
+          <a:p>
+            <a:pPr marL="0" indent="0">
+              <a:buNone/>
+            </a:pPr>
+            <a:r>
+              <a:rPr lang="en-US" dirty="0"/>
+              <a:t>Monitoring</a:t>
+            </a:r>
+          </a:p>
+          <a:p>
+            <a:pPr marL="457200" lvl="1" indent="0">
+              <a:buNone/>
+            </a:pPr>
+            <a:r>
+              <a:rPr lang="en-US" dirty="0"/>
+              <a:t>Tooling selected should enable monitoring of the pipeline with less effort </a:t>
+            </a:r>
+          </a:p>
+        </p:txBody>
+      </p:sp>
     </p:spTree>
     <p:extLst>
       <p:ext uri="{BB962C8B-B14F-4D97-AF65-F5344CB8AC3E}">
-        <p14:creationId xmlns:p14="http://schemas.microsoft.com/office/powerpoint/2010/main" val="2991249385"/>
+        <p14:creationId xmlns:p14="http://schemas.microsoft.com/office/powerpoint/2010/main" val="2636297923"/>
       </p:ext>
     </p:extLst>
   </p:cSld>
@@ -4566,10 +3587,80 @@
       </p:grpSpPr>
       <p:sp>
         <p:nvSpPr>
+          <p:cNvPr id="77" name="Rectangle 76">
+            <a:extLst>
+              <a:ext uri="{FF2B5EF4-FFF2-40B4-BE49-F238E27FC236}">
+                <a16:creationId xmlns:a16="http://schemas.microsoft.com/office/drawing/2014/main" id="{80221125-96A3-51C5-2E86-2758F35BDBA7}"/>
+              </a:ext>
+            </a:extLst>
+          </p:cNvPr>
+          <p:cNvSpPr/>
+          <p:nvPr/>
+        </p:nvSpPr>
+        <p:spPr>
+          <a:xfrm>
+            <a:off x="2943488" y="1626074"/>
+            <a:ext cx="3962769" cy="2299963"/>
+          </a:xfrm>
+          <a:prstGeom prst="rect">
+            <a:avLst/>
+          </a:prstGeom>
+          <a:solidFill>
+            <a:schemeClr val="bg1"/>
+          </a:solidFill>
+        </p:spPr>
+        <p:style>
+          <a:lnRef idx="2">
+            <a:schemeClr val="accent1">
+              <a:shade val="15000"/>
+            </a:schemeClr>
+          </a:lnRef>
+          <a:fillRef idx="1">
+            <a:schemeClr val="accent1"/>
+          </a:fillRef>
+          <a:effectRef idx="0">
+            <a:schemeClr val="accent1"/>
+          </a:effectRef>
+          <a:fontRef idx="minor">
+            <a:schemeClr val="lt1"/>
+          </a:fontRef>
+        </p:style>
+        <p:txBody>
+          <a:bodyPr rtlCol="0" anchor="t"/>
+          <a:lstStyle/>
+          <a:p>
+            <a:r>
+              <a:rPr lang="en-US" dirty="0">
+                <a:solidFill>
+                  <a:schemeClr val="tx1"/>
+                </a:solidFill>
+              </a:rPr>
+              <a:t>Ingestion</a:t>
+            </a:r>
+          </a:p>
+          <a:p>
+            <a:r>
+              <a:rPr lang="en-US" sz="800" dirty="0">
+                <a:solidFill>
+                  <a:schemeClr val="tx1"/>
+                </a:solidFill>
+              </a:rPr>
+              <a:t>Extract Data from external sources</a:t>
+            </a:r>
+            <a:endParaRPr lang="en-US" dirty="0">
+              <a:solidFill>
+                <a:schemeClr val="tx1"/>
+              </a:solidFill>
+            </a:endParaRPr>
+          </a:p>
+        </p:txBody>
+      </p:sp>
+      <p:sp>
+        <p:nvSpPr>
           <p:cNvPr id="2" name="Title 1">
             <a:extLst>
               <a:ext uri="{FF2B5EF4-FFF2-40B4-BE49-F238E27FC236}">
-                <a16:creationId xmlns:a16="http://schemas.microsoft.com/office/drawing/2014/main" id="{F313DD48-008B-1A9C-AAC8-5F15F3F9B8B1}"/>
+                <a16:creationId xmlns:a16="http://schemas.microsoft.com/office/drawing/2014/main" id="{969268BA-9BB1-06CF-93B5-8B999EC4F975}"/>
               </a:ext>
             </a:extLst>
           </p:cNvPr>
@@ -4582,27 +3673,28 @@
         </p:nvSpPr>
         <p:spPr/>
         <p:txBody>
-          <a:bodyPr/>
+          <a:bodyPr>
+            <a:normAutofit/>
+          </a:bodyPr>
           <a:lstStyle/>
           <a:p>
             <a:r>
               <a:rPr lang="en-US" dirty="0"/>
-              <a:t>Data Model </a:t>
-            </a:r>
-            <a:r>
-              <a:rPr lang="en-US" sz="1800" dirty="0"/>
-              <a:t>(Medallion arch)</a:t>
-            </a:r>
+              <a:t>Data Pipeline Architecture</a:t>
+            </a:r>
+            <a:br>
+              <a:rPr lang="en-US" dirty="0"/>
+            </a:br>
             <a:endParaRPr lang="en-US" dirty="0"/>
           </a:p>
         </p:txBody>
       </p:sp>
       <p:sp>
         <p:nvSpPr>
-          <p:cNvPr id="5" name="Rectangle 4">
-            <a:extLst>
-              <a:ext uri="{FF2B5EF4-FFF2-40B4-BE49-F238E27FC236}">
-                <a16:creationId xmlns:a16="http://schemas.microsoft.com/office/drawing/2014/main" id="{A8770932-899B-8090-FB41-0DE9B9E7CF0A}"/>
+          <p:cNvPr id="4" name="Rectangle 3">
+            <a:extLst>
+              <a:ext uri="{FF2B5EF4-FFF2-40B4-BE49-F238E27FC236}">
+                <a16:creationId xmlns:a16="http://schemas.microsoft.com/office/drawing/2014/main" id="{5A233963-CEFE-A050-D149-05E8065CE6E1}"/>
               </a:ext>
             </a:extLst>
           </p:cNvPr>
@@ -4611,18 +3703,12 @@
         </p:nvSpPr>
         <p:spPr>
           <a:xfrm>
-            <a:off x="3230503" y="1411710"/>
-            <a:ext cx="2584918" cy="2522726"/>
+            <a:off x="887767" y="1526959"/>
+            <a:ext cx="1038687" cy="727969"/>
           </a:xfrm>
           <a:prstGeom prst="rect">
             <a:avLst/>
           </a:prstGeom>
-          <a:solidFill>
-            <a:schemeClr val="tx2">
-              <a:lumMod val="40000"/>
-              <a:lumOff val="60000"/>
-            </a:schemeClr>
-          </a:solidFill>
         </p:spPr>
         <p:style>
           <a:lnRef idx="2">
@@ -4641,209 +3727,23 @@
           </a:fontRef>
         </p:style>
         <p:txBody>
-          <a:bodyPr rtlCol="0" anchor="t"/>
-          <a:lstStyle/>
-          <a:p>
-            <a:r>
-              <a:rPr lang="en-US" dirty="0">
-                <a:solidFill>
-                  <a:schemeClr val="tx1"/>
-                </a:solidFill>
-              </a:rPr>
-              <a:t>Order Book Silver</a:t>
-            </a:r>
-          </a:p>
-          <a:p>
-            <a:r>
-              <a:rPr lang="en-US" sz="1100" dirty="0">
-                <a:solidFill>
-                  <a:schemeClr val="tx1"/>
-                </a:solidFill>
-              </a:rPr>
-              <a:t>Format: Delta Table (Structured/Cleaned/Normalized)</a:t>
-            </a:r>
-          </a:p>
-          <a:p>
-            <a:endParaRPr lang="en-US" sz="1100" dirty="0">
-              <a:solidFill>
-                <a:schemeClr val="tx1"/>
-              </a:solidFill>
-            </a:endParaRPr>
-          </a:p>
-          <a:p>
-            <a:r>
-              <a:rPr lang="en-US" sz="1100" dirty="0">
-                <a:solidFill>
-                  <a:schemeClr val="tx1"/>
-                </a:solidFill>
-              </a:rPr>
-              <a:t>Exchange: String</a:t>
-            </a:r>
-          </a:p>
-          <a:p>
-            <a:r>
-              <a:rPr lang="en-US" sz="1100" dirty="0">
-                <a:solidFill>
-                  <a:schemeClr val="tx1"/>
-                </a:solidFill>
-              </a:rPr>
-              <a:t>Product: String</a:t>
-            </a:r>
-          </a:p>
-          <a:p>
-            <a:r>
-              <a:rPr lang="en-US" sz="1100" dirty="0">
-                <a:solidFill>
-                  <a:schemeClr val="tx1"/>
-                </a:solidFill>
-              </a:rPr>
-              <a:t>Time: </a:t>
-            </a:r>
-            <a:r>
-              <a:rPr lang="en-US" sz="1100" dirty="0" err="1">
-                <a:solidFill>
-                  <a:schemeClr val="tx1"/>
-                </a:solidFill>
-              </a:rPr>
-              <a:t>DateTime</a:t>
-            </a:r>
-            <a:endParaRPr lang="en-US" sz="1100" dirty="0">
-              <a:solidFill>
-                <a:schemeClr val="tx1"/>
-              </a:solidFill>
-            </a:endParaRPr>
-          </a:p>
-          <a:p>
-            <a:r>
-              <a:rPr lang="en-US" sz="1100" dirty="0">
-                <a:solidFill>
-                  <a:schemeClr val="tx1"/>
-                </a:solidFill>
-              </a:rPr>
-              <a:t>Bids: Array of</a:t>
-            </a:r>
-            <a:r>
-              <a:rPr lang="en-US" sz="1000" dirty="0">
-                <a:solidFill>
-                  <a:schemeClr val="tx1"/>
-                </a:solidFill>
-              </a:rPr>
-              <a:t> [Price, </a:t>
-            </a:r>
-            <a:r>
-              <a:rPr lang="en-US" sz="1000" dirty="0" err="1">
-                <a:solidFill>
-                  <a:schemeClr val="tx1"/>
-                </a:solidFill>
-              </a:rPr>
-              <a:t>TotalQty</a:t>
-            </a:r>
-            <a:r>
-              <a:rPr lang="en-US" sz="1000" dirty="0">
-                <a:solidFill>
-                  <a:schemeClr val="tx1"/>
-                </a:solidFill>
-              </a:rPr>
-              <a:t>, </a:t>
-            </a:r>
-            <a:r>
-              <a:rPr lang="en-US" sz="1000" dirty="0" err="1">
-                <a:solidFill>
-                  <a:schemeClr val="tx1"/>
-                </a:solidFill>
-              </a:rPr>
-              <a:t>NumOrders</a:t>
-            </a:r>
-            <a:r>
-              <a:rPr lang="en-US" sz="1000" dirty="0">
-                <a:solidFill>
-                  <a:schemeClr val="tx1"/>
-                </a:solidFill>
-              </a:rPr>
-              <a:t>]</a:t>
-            </a:r>
-            <a:endParaRPr lang="en-US" sz="1100" dirty="0">
-              <a:solidFill>
-                <a:schemeClr val="tx1"/>
-              </a:solidFill>
-            </a:endParaRPr>
-          </a:p>
-          <a:p>
-            <a:r>
-              <a:rPr lang="en-US" sz="1100" dirty="0">
-                <a:solidFill>
-                  <a:schemeClr val="tx1"/>
-                </a:solidFill>
-              </a:rPr>
-              <a:t>Asks: Array of</a:t>
-            </a:r>
-            <a:r>
-              <a:rPr lang="en-US" sz="1000" dirty="0">
-                <a:solidFill>
-                  <a:schemeClr val="tx1"/>
-                </a:solidFill>
-              </a:rPr>
-              <a:t> [Price, </a:t>
-            </a:r>
-            <a:r>
-              <a:rPr lang="en-US" sz="1000" dirty="0" err="1">
-                <a:solidFill>
-                  <a:schemeClr val="tx1"/>
-                </a:solidFill>
-              </a:rPr>
-              <a:t>TotalQty</a:t>
-            </a:r>
-            <a:r>
-              <a:rPr lang="en-US" sz="1000" dirty="0">
-                <a:solidFill>
-                  <a:schemeClr val="tx1"/>
-                </a:solidFill>
-              </a:rPr>
-              <a:t>, </a:t>
-            </a:r>
-            <a:r>
-              <a:rPr lang="en-US" sz="1000" dirty="0" err="1">
-                <a:solidFill>
-                  <a:schemeClr val="tx1"/>
-                </a:solidFill>
-              </a:rPr>
-              <a:t>NumOrders</a:t>
-            </a:r>
-            <a:r>
-              <a:rPr lang="en-US" sz="1000" dirty="0">
-                <a:solidFill>
-                  <a:schemeClr val="tx1"/>
-                </a:solidFill>
-              </a:rPr>
-              <a:t>]</a:t>
-            </a:r>
-            <a:endParaRPr lang="en-US" sz="1100" dirty="0">
-              <a:solidFill>
-                <a:schemeClr val="tx1"/>
-              </a:solidFill>
-            </a:endParaRPr>
-          </a:p>
-          <a:p>
-            <a:r>
-              <a:rPr lang="en-US" sz="1100" dirty="0">
-                <a:solidFill>
-                  <a:schemeClr val="tx1"/>
-                </a:solidFill>
-              </a:rPr>
-              <a:t>Sequence: Number</a:t>
-            </a:r>
-          </a:p>
-          <a:p>
-            <a:endParaRPr lang="en-US" sz="1100" dirty="0"/>
-          </a:p>
-        </p:txBody>
-      </p:sp>
-      <p:sp>
-        <p:nvSpPr>
-          <p:cNvPr id="6" name="Rectangle 5">
-            <a:extLst>
-              <a:ext uri="{FF2B5EF4-FFF2-40B4-BE49-F238E27FC236}">
-                <a16:creationId xmlns:a16="http://schemas.microsoft.com/office/drawing/2014/main" id="{D3E4DC4E-F724-C494-22E7-141EEB5B1BBE}"/>
+          <a:bodyPr rtlCol="0" anchor="ctr"/>
+          <a:lstStyle/>
+          <a:p>
+            <a:pPr algn="ctr"/>
+            <a:r>
+              <a:rPr lang="en-US" sz="1600" dirty="0"/>
+              <a:t>Exchange</a:t>
+            </a:r>
+          </a:p>
+        </p:txBody>
+      </p:sp>
+      <p:sp>
+        <p:nvSpPr>
+          <p:cNvPr id="5" name="Rectangle 4">
+            <a:extLst>
+              <a:ext uri="{FF2B5EF4-FFF2-40B4-BE49-F238E27FC236}">
+                <a16:creationId xmlns:a16="http://schemas.microsoft.com/office/drawing/2014/main" id="{7B493DFC-DF09-C3B0-1A38-2E84D9BF50C2}"/>
               </a:ext>
             </a:extLst>
           </p:cNvPr>
@@ -4852,17 +3752,12 @@
         </p:nvSpPr>
         <p:spPr>
           <a:xfrm>
-            <a:off x="6215112" y="1429013"/>
-            <a:ext cx="2238914" cy="2522726"/>
+            <a:off x="3390840" y="2474037"/>
+            <a:ext cx="1358284" cy="905523"/>
           </a:xfrm>
           <a:prstGeom prst="rect">
             <a:avLst/>
           </a:prstGeom>
-          <a:solidFill>
-            <a:schemeClr val="accent4">
-              <a:lumMod val="75000"/>
-            </a:schemeClr>
-          </a:solidFill>
         </p:spPr>
         <p:style>
           <a:lnRef idx="2">
@@ -4881,97 +3776,71 @@
           </a:fontRef>
         </p:style>
         <p:txBody>
-          <a:bodyPr rtlCol="0" anchor="t"/>
-          <a:lstStyle/>
-          <a:p>
+          <a:bodyPr rtlCol="0" anchor="ctr"/>
+          <a:lstStyle/>
+          <a:p>
+            <a:pPr algn="ctr"/>
             <a:r>
               <a:rPr lang="en-US" dirty="0"/>
-              <a:t>Fact Order Book Gold</a:t>
-            </a:r>
-          </a:p>
-          <a:p>
-            <a:r>
-              <a:rPr lang="en-US" sz="1100" dirty="0"/>
-              <a:t>Format: Delta Table (Structured/Cleaned/Expanded)</a:t>
-            </a:r>
-          </a:p>
-          <a:p>
-            <a:endParaRPr lang="en-US" sz="1100" dirty="0"/>
-          </a:p>
-          <a:p>
-            <a:r>
-              <a:rPr lang="en-US" sz="1100" dirty="0" err="1"/>
-              <a:t>ExchangeId</a:t>
-            </a:r>
-            <a:r>
-              <a:rPr lang="en-US" sz="1100" dirty="0"/>
-              <a:t>: UUID</a:t>
-            </a:r>
-          </a:p>
-          <a:p>
-            <a:r>
-              <a:rPr lang="en-US" sz="1100" dirty="0" err="1"/>
-              <a:t>ProductId</a:t>
-            </a:r>
-            <a:r>
-              <a:rPr lang="en-US" sz="1100" dirty="0"/>
-              <a:t>: UUID</a:t>
-            </a:r>
-          </a:p>
-          <a:p>
-            <a:r>
-              <a:rPr lang="en-US" sz="1100" dirty="0" err="1"/>
-              <a:t>OrderTypeId</a:t>
-            </a:r>
-            <a:r>
-              <a:rPr lang="en-US" sz="1100" dirty="0"/>
-              <a:t>: UUID </a:t>
-            </a:r>
-          </a:p>
-          <a:p>
-            <a:r>
-              <a:rPr lang="en-US" sz="1100" dirty="0" err="1"/>
-              <a:t>PollId</a:t>
-            </a:r>
-            <a:r>
-              <a:rPr lang="en-US" sz="1100" dirty="0"/>
-              <a:t>: UUID </a:t>
-            </a:r>
-          </a:p>
-          <a:p>
-            <a:r>
-              <a:rPr lang="en-US" sz="1100" dirty="0"/>
-              <a:t>Price: Number</a:t>
-            </a:r>
-          </a:p>
-          <a:p>
-            <a:r>
-              <a:rPr lang="en-US" sz="1100" dirty="0" err="1"/>
-              <a:t>TotalQty</a:t>
-            </a:r>
-            <a:r>
-              <a:rPr lang="en-US" sz="1100" dirty="0"/>
-              <a:t>: Number</a:t>
-            </a:r>
-          </a:p>
-          <a:p>
-            <a:r>
-              <a:rPr lang="en-US" sz="1100" dirty="0" err="1"/>
-              <a:t>NumOrders</a:t>
-            </a:r>
-            <a:r>
-              <a:rPr lang="en-US" sz="1100" dirty="0"/>
-              <a:t>: Number</a:t>
-            </a:r>
-          </a:p>
-        </p:txBody>
-      </p:sp>
-      <p:sp>
-        <p:nvSpPr>
-          <p:cNvPr id="3" name="Rectangle 2">
-            <a:extLst>
-              <a:ext uri="{FF2B5EF4-FFF2-40B4-BE49-F238E27FC236}">
-                <a16:creationId xmlns:a16="http://schemas.microsoft.com/office/drawing/2014/main" id="{31770DE5-0A0C-1ABC-8099-3FF089C400DC}"/>
+              <a:t>Exchange </a:t>
+            </a:r>
+            <a:r>
+              <a:rPr lang="en-US" dirty="0" err="1"/>
+              <a:t>Pollers</a:t>
+            </a:r>
+            <a:endParaRPr lang="en-US" dirty="0"/>
+          </a:p>
+        </p:txBody>
+      </p:sp>
+      <p:cxnSp>
+        <p:nvCxnSpPr>
+          <p:cNvPr id="7" name="Connector: Elbow 6">
+            <a:extLst>
+              <a:ext uri="{FF2B5EF4-FFF2-40B4-BE49-F238E27FC236}">
+                <a16:creationId xmlns:a16="http://schemas.microsoft.com/office/drawing/2014/main" id="{9D350C43-3F3E-0FF9-FBC1-E6542333CE7F}"/>
+              </a:ext>
+            </a:extLst>
+          </p:cNvPr>
+          <p:cNvCxnSpPr>
+            <a:cxnSpLocks/>
+            <a:stCxn id="5" idx="3"/>
+            <a:endCxn id="47" idx="1"/>
+          </p:cNvCxnSpPr>
+          <p:nvPr/>
+        </p:nvCxnSpPr>
+        <p:spPr>
+          <a:xfrm flipV="1">
+            <a:off x="4749124" y="2078639"/>
+            <a:ext cx="397621" cy="848160"/>
+          </a:xfrm>
+          <a:prstGeom prst="bentConnector3">
+            <a:avLst/>
+          </a:prstGeom>
+          <a:ln>
+            <a:tailEnd type="triangle"/>
+          </a:ln>
+        </p:spPr>
+        <p:style>
+          <a:lnRef idx="1">
+            <a:schemeClr val="accent1"/>
+          </a:lnRef>
+          <a:fillRef idx="0">
+            <a:schemeClr val="accent1"/>
+          </a:fillRef>
+          <a:effectRef idx="0">
+            <a:schemeClr val="accent1"/>
+          </a:effectRef>
+          <a:fontRef idx="minor">
+            <a:schemeClr val="tx1"/>
+          </a:fontRef>
+        </p:style>
+      </p:cxnSp>
+      <p:sp>
+        <p:nvSpPr>
+          <p:cNvPr id="8" name="Rectangle 7">
+            <a:extLst>
+              <a:ext uri="{FF2B5EF4-FFF2-40B4-BE49-F238E27FC236}">
+                <a16:creationId xmlns:a16="http://schemas.microsoft.com/office/drawing/2014/main" id="{2A8D318F-C0D0-9B41-B66C-948CB973C623}"/>
               </a:ext>
             </a:extLst>
           </p:cNvPr>
@@ -4980,15 +3849,12 @@
         </p:nvSpPr>
         <p:spPr>
           <a:xfrm>
-            <a:off x="838200" y="1411711"/>
-            <a:ext cx="2030835" cy="2522726"/>
+            <a:off x="7193647" y="1649634"/>
+            <a:ext cx="1358284" cy="915102"/>
           </a:xfrm>
           <a:prstGeom prst="rect">
             <a:avLst/>
           </a:prstGeom>
-          <a:solidFill>
-            <a:schemeClr val="accent2"/>
-          </a:solidFill>
         </p:spPr>
         <p:style>
           <a:lnRef idx="2">
@@ -5007,117 +3873,172 @@
           </a:fontRef>
         </p:style>
         <p:txBody>
-          <a:bodyPr rtlCol="0" anchor="t"/>
-          <a:lstStyle/>
-          <a:p>
-            <a:r>
-              <a:rPr lang="en-US" dirty="0"/>
-              <a:t>Order Book Bronze</a:t>
-            </a:r>
-          </a:p>
-          <a:p>
-            <a:r>
-              <a:rPr lang="en-US" sz="1100" dirty="0"/>
-              <a:t>Format: Delta Table (JSON)</a:t>
-            </a:r>
-          </a:p>
-          <a:p>
-            <a:endParaRPr lang="en-US" sz="1100" dirty="0"/>
-          </a:p>
-          <a:p>
-            <a:r>
-              <a:rPr lang="en-US" sz="1100" dirty="0"/>
-              <a:t>Exchange: String</a:t>
-            </a:r>
-          </a:p>
-          <a:p>
-            <a:r>
-              <a:rPr lang="en-US" sz="1100" dirty="0"/>
-              <a:t>Product: String</a:t>
-            </a:r>
-          </a:p>
-          <a:p>
-            <a:r>
-              <a:rPr lang="en-US" sz="1100" dirty="0"/>
-              <a:t>Asks: String (</a:t>
-            </a:r>
-            <a:r>
-              <a:rPr lang="en-US" sz="1100" dirty="0" err="1"/>
-              <a:t>json</a:t>
-            </a:r>
-            <a:r>
-              <a:rPr lang="en-US" sz="1100" dirty="0"/>
-              <a:t> array)</a:t>
-            </a:r>
-          </a:p>
-          <a:p>
-            <a:r>
-              <a:rPr lang="en-US" sz="1100" dirty="0"/>
-              <a:t>Auction: String</a:t>
-            </a:r>
-          </a:p>
-          <a:p>
-            <a:r>
-              <a:rPr lang="en-US" sz="1100" dirty="0" err="1"/>
-              <a:t>Auction_mode</a:t>
-            </a:r>
-            <a:r>
-              <a:rPr lang="en-US" sz="1100" dirty="0"/>
-              <a:t>: String</a:t>
-            </a:r>
-          </a:p>
-          <a:p>
-            <a:r>
-              <a:rPr lang="en-US" sz="1100" dirty="0"/>
-              <a:t>Bids: String (</a:t>
-            </a:r>
-            <a:r>
-              <a:rPr lang="en-US" sz="1100" dirty="0" err="1"/>
-              <a:t>json</a:t>
-            </a:r>
-            <a:r>
-              <a:rPr lang="en-US" sz="1100" dirty="0"/>
-              <a:t> array)</a:t>
-            </a:r>
-          </a:p>
-          <a:p>
-            <a:r>
-              <a:rPr lang="en-US" sz="1100" dirty="0"/>
-              <a:t>Sequence: String</a:t>
-            </a:r>
-          </a:p>
-          <a:p>
-            <a:r>
-              <a:rPr lang="en-US" sz="1100" dirty="0"/>
-              <a:t>Time: String</a:t>
-            </a:r>
-          </a:p>
-        </p:txBody>
-      </p:sp>
-      <p:sp>
-        <p:nvSpPr>
-          <p:cNvPr id="7" name="Rectangle 6">
-            <a:extLst>
-              <a:ext uri="{FF2B5EF4-FFF2-40B4-BE49-F238E27FC236}">
-                <a16:creationId xmlns:a16="http://schemas.microsoft.com/office/drawing/2014/main" id="{8EEB9D9B-4B3F-3DD7-94D6-262EDB1B844C}"/>
-              </a:ext>
-            </a:extLst>
-          </p:cNvPr>
-          <p:cNvSpPr/>
+          <a:bodyPr rtlCol="0" anchor="ctr"/>
+          <a:lstStyle/>
+          <a:p>
+            <a:pPr algn="ctr"/>
+            <a:r>
+              <a:rPr lang="en-US" sz="1400" dirty="0"/>
+              <a:t>Load</a:t>
+            </a:r>
+          </a:p>
+        </p:txBody>
+      </p:sp>
+      <p:cxnSp>
+        <p:nvCxnSpPr>
+          <p:cNvPr id="9" name="Connector: Elbow 8">
+            <a:extLst>
+              <a:ext uri="{FF2B5EF4-FFF2-40B4-BE49-F238E27FC236}">
+                <a16:creationId xmlns:a16="http://schemas.microsoft.com/office/drawing/2014/main" id="{D493452F-1E01-DE6D-6BE5-CA4536E176AB}"/>
+              </a:ext>
+            </a:extLst>
+          </p:cNvPr>
+          <p:cNvCxnSpPr>
+            <a:cxnSpLocks/>
+            <a:stCxn id="47" idx="3"/>
+            <a:endCxn id="8" idx="1"/>
+          </p:cNvCxnSpPr>
           <p:nvPr/>
-        </p:nvSpPr>
+        </p:nvCxnSpPr>
         <p:spPr>
           <a:xfrm>
-            <a:off x="5815421" y="4043494"/>
-            <a:ext cx="1519148" cy="972133"/>
+            <a:off x="6544242" y="2078639"/>
+            <a:ext cx="649405" cy="28546"/>
+          </a:xfrm>
+          <a:prstGeom prst="bentConnector3">
+            <a:avLst>
+              <a:gd name="adj1" fmla="val 50000"/>
+            </a:avLst>
+          </a:prstGeom>
+          <a:ln>
+            <a:tailEnd type="triangle"/>
+          </a:ln>
+        </p:spPr>
+        <p:style>
+          <a:lnRef idx="1">
+            <a:schemeClr val="accent1"/>
+          </a:lnRef>
+          <a:fillRef idx="0">
+            <a:schemeClr val="accent1"/>
+          </a:fillRef>
+          <a:effectRef idx="0">
+            <a:schemeClr val="accent1"/>
+          </a:effectRef>
+          <a:fontRef idx="minor">
+            <a:schemeClr val="tx1"/>
+          </a:fontRef>
+        </p:style>
+      </p:cxnSp>
+      <p:sp>
+        <p:nvSpPr>
+          <p:cNvPr id="12" name="TextBox 11">
+            <a:extLst>
+              <a:ext uri="{FF2B5EF4-FFF2-40B4-BE49-F238E27FC236}">
+                <a16:creationId xmlns:a16="http://schemas.microsoft.com/office/drawing/2014/main" id="{9A1BD988-6E84-5960-EA76-3A9F2E0D8995}"/>
+              </a:ext>
+            </a:extLst>
+          </p:cNvPr>
+          <p:cNvSpPr txBox="1"/>
+          <p:nvPr/>
+        </p:nvSpPr>
+        <p:spPr>
+          <a:xfrm>
+            <a:off x="5074487" y="2502719"/>
+            <a:ext cx="1838965" cy="253916"/>
           </a:xfrm>
           <a:prstGeom prst="rect">
             <a:avLst/>
           </a:prstGeom>
+          <a:noFill/>
+        </p:spPr>
+        <p:txBody>
+          <a:bodyPr wrap="none" rtlCol="0">
+            <a:spAutoFit/>
+          </a:bodyPr>
+          <a:lstStyle/>
+          <a:p>
+            <a:r>
+              <a:rPr lang="en-US" sz="1050" dirty="0"/>
+              <a:t>Raw </a:t>
+            </a:r>
+            <a:r>
+              <a:rPr lang="en-US" sz="1050" dirty="0" err="1"/>
+              <a:t>OrderBook</a:t>
+            </a:r>
+            <a:r>
+              <a:rPr lang="en-US" sz="1050" dirty="0"/>
+              <a:t> API response</a:t>
+            </a:r>
+          </a:p>
+        </p:txBody>
+      </p:sp>
+      <p:cxnSp>
+        <p:nvCxnSpPr>
+          <p:cNvPr id="14" name="Connector: Elbow 13">
+            <a:extLst>
+              <a:ext uri="{FF2B5EF4-FFF2-40B4-BE49-F238E27FC236}">
+                <a16:creationId xmlns:a16="http://schemas.microsoft.com/office/drawing/2014/main" id="{A85EDDA6-F05E-8565-BF10-4D83721810F9}"/>
+              </a:ext>
+            </a:extLst>
+          </p:cNvPr>
+          <p:cNvCxnSpPr>
+            <a:cxnSpLocks/>
+            <a:stCxn id="8" idx="2"/>
+            <a:endCxn id="59" idx="1"/>
+          </p:cNvCxnSpPr>
+          <p:nvPr/>
+        </p:nvCxnSpPr>
+        <p:spPr>
+          <a:xfrm rot="5400000">
+            <a:off x="7644681" y="2789248"/>
+            <a:ext cx="452621" cy="3597"/>
+          </a:xfrm>
+          <a:prstGeom prst="bentConnector3">
+            <a:avLst>
+              <a:gd name="adj1" fmla="val 50000"/>
+            </a:avLst>
+          </a:prstGeom>
+          <a:ln>
+            <a:tailEnd type="triangle"/>
+          </a:ln>
+        </p:spPr>
+        <p:style>
+          <a:lnRef idx="1">
+            <a:schemeClr val="accent1"/>
+          </a:lnRef>
+          <a:fillRef idx="0">
+            <a:schemeClr val="accent1"/>
+          </a:fillRef>
+          <a:effectRef idx="0">
+            <a:schemeClr val="accent1"/>
+          </a:effectRef>
+          <a:fontRef idx="minor">
+            <a:schemeClr val="tx1"/>
+          </a:fontRef>
+        </p:style>
+      </p:cxnSp>
+      <p:sp>
+        <p:nvSpPr>
+          <p:cNvPr id="16" name="Flowchart: Internal Storage 15">
+            <a:extLst>
+              <a:ext uri="{FF2B5EF4-FFF2-40B4-BE49-F238E27FC236}">
+                <a16:creationId xmlns:a16="http://schemas.microsoft.com/office/drawing/2014/main" id="{9B1D4DB2-EB5F-279C-6463-E11A0E64C8E9}"/>
+              </a:ext>
+            </a:extLst>
+          </p:cNvPr>
+          <p:cNvSpPr/>
+          <p:nvPr/>
+        </p:nvSpPr>
+        <p:spPr>
+          <a:xfrm>
+            <a:off x="10242958" y="4927667"/>
+            <a:ext cx="1561850" cy="798990"/>
+          </a:xfrm>
+          <a:prstGeom prst="flowChartInternalStorage">
+            <a:avLst/>
+          </a:prstGeom>
           <a:solidFill>
-            <a:schemeClr val="accent4">
-              <a:lumMod val="75000"/>
-            </a:schemeClr>
+            <a:srgbClr val="7030A0"/>
           </a:solidFill>
         </p:spPr>
         <p:style>
@@ -5137,47 +4058,66 @@
           </a:fontRef>
         </p:style>
         <p:txBody>
-          <a:bodyPr rtlCol="0" anchor="t"/>
-          <a:lstStyle/>
-          <a:p>
-            <a:r>
-              <a:rPr lang="en-US" sz="1200" dirty="0" err="1"/>
-              <a:t>DimExchange</a:t>
-            </a:r>
-            <a:r>
-              <a:rPr lang="en-US" sz="1200" dirty="0"/>
-              <a:t> Gold</a:t>
-            </a:r>
-          </a:p>
-          <a:p>
-            <a:r>
-              <a:rPr lang="en-US" sz="1000" dirty="0"/>
-              <a:t>Format: Delta Table</a:t>
-            </a:r>
-          </a:p>
-          <a:p>
-            <a:endParaRPr lang="en-US" sz="1000" dirty="0"/>
-          </a:p>
-          <a:p>
-            <a:r>
-              <a:rPr lang="en-US" sz="1000" dirty="0"/>
-              <a:t>Id: UUID</a:t>
-            </a:r>
-          </a:p>
-          <a:p>
-            <a:r>
-              <a:rPr lang="en-US" sz="1000" dirty="0"/>
-              <a:t>Name: String</a:t>
-            </a:r>
-          </a:p>
-        </p:txBody>
-      </p:sp>
-      <p:sp>
-        <p:nvSpPr>
-          <p:cNvPr id="8" name="Rectangle 7">
-            <a:extLst>
-              <a:ext uri="{FF2B5EF4-FFF2-40B4-BE49-F238E27FC236}">
-                <a16:creationId xmlns:a16="http://schemas.microsoft.com/office/drawing/2014/main" id="{CF3827E0-34B9-0197-F6C9-4AC1F183DFF4}"/>
+          <a:bodyPr rtlCol="0" anchor="ctr"/>
+          <a:lstStyle/>
+          <a:p>
+            <a:pPr algn="ctr"/>
+            <a:r>
+              <a:rPr lang="en-US" dirty="0"/>
+              <a:t>Dashboards</a:t>
+            </a:r>
+          </a:p>
+        </p:txBody>
+      </p:sp>
+      <p:cxnSp>
+        <p:nvCxnSpPr>
+          <p:cNvPr id="17" name="Connector: Elbow 16">
+            <a:extLst>
+              <a:ext uri="{FF2B5EF4-FFF2-40B4-BE49-F238E27FC236}">
+                <a16:creationId xmlns:a16="http://schemas.microsoft.com/office/drawing/2014/main" id="{FE7788A9-DAD1-1584-4E4D-EA63C593E2BA}"/>
+              </a:ext>
+            </a:extLst>
+          </p:cNvPr>
+          <p:cNvCxnSpPr>
+            <a:cxnSpLocks/>
+            <a:stCxn id="61" idx="3"/>
+            <a:endCxn id="16" idx="0"/>
+          </p:cNvCxnSpPr>
+          <p:nvPr/>
+        </p:nvCxnSpPr>
+        <p:spPr>
+          <a:xfrm rot="5400000">
+            <a:off x="10661642" y="4402750"/>
+            <a:ext cx="887159" cy="162675"/>
+          </a:xfrm>
+          <a:prstGeom prst="bentConnector3">
+            <a:avLst/>
+          </a:prstGeom>
+          <a:ln>
+            <a:tailEnd type="triangle"/>
+          </a:ln>
+        </p:spPr>
+        <p:style>
+          <a:lnRef idx="1">
+            <a:schemeClr val="accent1"/>
+          </a:lnRef>
+          <a:fillRef idx="0">
+            <a:schemeClr val="accent1"/>
+          </a:fillRef>
+          <a:effectRef idx="0">
+            <a:schemeClr val="accent1"/>
+          </a:effectRef>
+          <a:fontRef idx="minor">
+            <a:schemeClr val="tx1"/>
+          </a:fontRef>
+        </p:style>
+      </p:cxnSp>
+      <p:sp>
+        <p:nvSpPr>
+          <p:cNvPr id="18" name="Rectangle 17">
+            <a:extLst>
+              <a:ext uri="{FF2B5EF4-FFF2-40B4-BE49-F238E27FC236}">
+                <a16:creationId xmlns:a16="http://schemas.microsoft.com/office/drawing/2014/main" id="{D75B32BD-E280-CA81-9F71-05C8DDC149F3}"/>
               </a:ext>
             </a:extLst>
           </p:cNvPr>
@@ -5186,17 +4126,12 @@
         </p:nvSpPr>
         <p:spPr>
           <a:xfrm>
-            <a:off x="7638918" y="4043494"/>
-            <a:ext cx="1488304" cy="972133"/>
+            <a:off x="881849" y="2600971"/>
+            <a:ext cx="1038687" cy="727969"/>
           </a:xfrm>
           <a:prstGeom prst="rect">
             <a:avLst/>
           </a:prstGeom>
-          <a:solidFill>
-            <a:schemeClr val="accent4">
-              <a:lumMod val="75000"/>
-            </a:schemeClr>
-          </a:solidFill>
         </p:spPr>
         <p:style>
           <a:lnRef idx="2">
@@ -5215,47 +4150,23 @@
           </a:fontRef>
         </p:style>
         <p:txBody>
-          <a:bodyPr rtlCol="0" anchor="t"/>
-          <a:lstStyle/>
-          <a:p>
-            <a:r>
-              <a:rPr lang="en-US" sz="1400" dirty="0" err="1"/>
-              <a:t>DimProduct</a:t>
-            </a:r>
-            <a:r>
-              <a:rPr lang="en-US" sz="1400" dirty="0"/>
-              <a:t> Gold</a:t>
-            </a:r>
-          </a:p>
-          <a:p>
-            <a:r>
-              <a:rPr lang="en-US" sz="1000" dirty="0"/>
-              <a:t>Format: Delta Table</a:t>
-            </a:r>
-          </a:p>
-          <a:p>
-            <a:endParaRPr lang="en-US" sz="1000" dirty="0"/>
-          </a:p>
-          <a:p>
-            <a:r>
-              <a:rPr lang="en-US" sz="1000" dirty="0"/>
-              <a:t>Id: UUID</a:t>
-            </a:r>
-          </a:p>
-          <a:p>
-            <a:r>
-              <a:rPr lang="en-US" sz="1000" dirty="0"/>
-              <a:t>Name: String</a:t>
-            </a:r>
-          </a:p>
-        </p:txBody>
-      </p:sp>
-      <p:sp>
-        <p:nvSpPr>
-          <p:cNvPr id="9" name="Rectangle 8">
-            <a:extLst>
-              <a:ext uri="{FF2B5EF4-FFF2-40B4-BE49-F238E27FC236}">
-                <a16:creationId xmlns:a16="http://schemas.microsoft.com/office/drawing/2014/main" id="{70F88471-3460-0B34-0284-27928EBAB2FD}"/>
+          <a:bodyPr rtlCol="0" anchor="ctr"/>
+          <a:lstStyle/>
+          <a:p>
+            <a:pPr algn="ctr"/>
+            <a:r>
+              <a:rPr lang="en-US" sz="1600" dirty="0"/>
+              <a:t>Exchange</a:t>
+            </a:r>
+          </a:p>
+        </p:txBody>
+      </p:sp>
+      <p:sp>
+        <p:nvSpPr>
+          <p:cNvPr id="19" name="Rectangle 18">
+            <a:extLst>
+              <a:ext uri="{FF2B5EF4-FFF2-40B4-BE49-F238E27FC236}">
+                <a16:creationId xmlns:a16="http://schemas.microsoft.com/office/drawing/2014/main" id="{544A3287-599E-ABA5-4E25-D3ADDBB41EDC}"/>
               </a:ext>
             </a:extLst>
           </p:cNvPr>
@@ -5264,17 +4175,12 @@
         </p:nvSpPr>
         <p:spPr>
           <a:xfrm>
-            <a:off x="5815421" y="5124685"/>
-            <a:ext cx="1519148" cy="1088529"/>
+            <a:off x="881848" y="3676523"/>
+            <a:ext cx="1038687" cy="727969"/>
           </a:xfrm>
           <a:prstGeom prst="rect">
             <a:avLst/>
           </a:prstGeom>
-          <a:solidFill>
-            <a:schemeClr val="accent4">
-              <a:lumMod val="75000"/>
-            </a:schemeClr>
-          </a:solidFill>
         </p:spPr>
         <p:style>
           <a:lnRef idx="2">
@@ -5293,69 +4199,123 @@
           </a:fontRef>
         </p:style>
         <p:txBody>
-          <a:bodyPr rtlCol="0" anchor="t"/>
-          <a:lstStyle/>
-          <a:p>
-            <a:r>
-              <a:rPr lang="en-US" sz="1200" dirty="0" err="1"/>
-              <a:t>DimOrderType</a:t>
-            </a:r>
-            <a:r>
-              <a:rPr lang="en-US" sz="1200" dirty="0"/>
-              <a:t> Gold</a:t>
-            </a:r>
-          </a:p>
-          <a:p>
-            <a:r>
-              <a:rPr lang="en-US" sz="1000" dirty="0"/>
-              <a:t>Format: Delta Table</a:t>
-            </a:r>
-          </a:p>
-          <a:p>
-            <a:r>
-              <a:rPr lang="en-US" sz="1000" dirty="0"/>
-              <a:t>(Bid/Ask)</a:t>
-            </a:r>
-          </a:p>
-          <a:p>
-            <a:endParaRPr lang="en-US" sz="1000" dirty="0"/>
-          </a:p>
-          <a:p>
-            <a:r>
-              <a:rPr lang="en-US" sz="1000" dirty="0"/>
-              <a:t>Id: UUID</a:t>
-            </a:r>
-          </a:p>
-          <a:p>
-            <a:r>
-              <a:rPr lang="en-US" sz="1000" dirty="0"/>
-              <a:t>Type: String</a:t>
-            </a:r>
-          </a:p>
-        </p:txBody>
-      </p:sp>
-      <p:sp>
-        <p:nvSpPr>
-          <p:cNvPr id="10" name="Rectangle 9">
-            <a:extLst>
-              <a:ext uri="{FF2B5EF4-FFF2-40B4-BE49-F238E27FC236}">
-                <a16:creationId xmlns:a16="http://schemas.microsoft.com/office/drawing/2014/main" id="{0991B8DD-8BEA-BC0A-4000-947F2AC7CA15}"/>
-              </a:ext>
-            </a:extLst>
-          </p:cNvPr>
-          <p:cNvSpPr/>
+          <a:bodyPr rtlCol="0" anchor="ctr"/>
+          <a:lstStyle/>
+          <a:p>
+            <a:pPr algn="ctr"/>
+            <a:r>
+              <a:rPr lang="en-US" sz="1600" dirty="0"/>
+              <a:t>Exchange</a:t>
+            </a:r>
+          </a:p>
+        </p:txBody>
+      </p:sp>
+      <p:sp>
+        <p:nvSpPr>
+          <p:cNvPr id="27" name="TextBox 26">
+            <a:extLst>
+              <a:ext uri="{FF2B5EF4-FFF2-40B4-BE49-F238E27FC236}">
+                <a16:creationId xmlns:a16="http://schemas.microsoft.com/office/drawing/2014/main" id="{2A2B8301-D517-1CEB-1CFD-BFBF3D2724EE}"/>
+              </a:ext>
+            </a:extLst>
+          </p:cNvPr>
+          <p:cNvSpPr txBox="1"/>
           <p:nvPr/>
         </p:nvSpPr>
         <p:spPr>
           <a:xfrm>
-            <a:off x="7638918" y="5134384"/>
-            <a:ext cx="1488304" cy="1078830"/>
+            <a:off x="3336035" y="3432307"/>
+            <a:ext cx="1329210" cy="253916"/>
           </a:xfrm>
           <a:prstGeom prst="rect">
             <a:avLst/>
           </a:prstGeom>
+          <a:noFill/>
+        </p:spPr>
+        <p:txBody>
+          <a:bodyPr wrap="none" rtlCol="0">
+            <a:spAutoFit/>
+          </a:bodyPr>
+          <a:lstStyle/>
+          <a:p>
+            <a:r>
+              <a:rPr lang="en-US" sz="1050" dirty="0"/>
+              <a:t>Poll Order Book Data</a:t>
+            </a:r>
+          </a:p>
+        </p:txBody>
+      </p:sp>
+      <p:sp>
+        <p:nvSpPr>
+          <p:cNvPr id="47" name="Flowchart: Predefined Process 46">
+            <a:extLst>
+              <a:ext uri="{FF2B5EF4-FFF2-40B4-BE49-F238E27FC236}">
+                <a16:creationId xmlns:a16="http://schemas.microsoft.com/office/drawing/2014/main" id="{D1A79DD2-5E1C-C851-56C5-44F1F3D583A4}"/>
+              </a:ext>
+            </a:extLst>
+          </p:cNvPr>
+          <p:cNvSpPr/>
+          <p:nvPr/>
+        </p:nvSpPr>
+        <p:spPr>
+          <a:xfrm>
+            <a:off x="5146745" y="1776156"/>
+            <a:ext cx="1397497" cy="604966"/>
+          </a:xfrm>
+          <a:prstGeom prst="flowChartPredefinedProcess">
+            <a:avLst/>
+          </a:prstGeom>
+        </p:spPr>
+        <p:style>
+          <a:lnRef idx="2">
+            <a:schemeClr val="accent1">
+              <a:shade val="15000"/>
+            </a:schemeClr>
+          </a:lnRef>
+          <a:fillRef idx="1">
+            <a:schemeClr val="accent1"/>
+          </a:fillRef>
+          <a:effectRef idx="0">
+            <a:schemeClr val="accent1"/>
+          </a:effectRef>
+          <a:fontRef idx="minor">
+            <a:schemeClr val="lt1"/>
+          </a:fontRef>
+        </p:style>
+        <p:txBody>
+          <a:bodyPr rtlCol="0" anchor="ctr"/>
+          <a:lstStyle/>
+          <a:p>
+            <a:pPr algn="ctr"/>
+            <a:r>
+              <a:rPr lang="en-US" sz="1400" dirty="0"/>
+              <a:t>Ingest Data Store</a:t>
+            </a:r>
+          </a:p>
+        </p:txBody>
+      </p:sp>
+      <p:sp>
+        <p:nvSpPr>
+          <p:cNvPr id="59" name="Cylinder 58">
+            <a:extLst>
+              <a:ext uri="{FF2B5EF4-FFF2-40B4-BE49-F238E27FC236}">
+                <a16:creationId xmlns:a16="http://schemas.microsoft.com/office/drawing/2014/main" id="{70A3C7FF-455D-A742-5B75-EC70E5BF6667}"/>
+              </a:ext>
+            </a:extLst>
+          </p:cNvPr>
+          <p:cNvSpPr/>
+          <p:nvPr/>
+        </p:nvSpPr>
+        <p:spPr>
+          <a:xfrm>
+            <a:off x="7349848" y="3017357"/>
+            <a:ext cx="1038687" cy="1023151"/>
+          </a:xfrm>
+          <a:prstGeom prst="can">
+            <a:avLst/>
+          </a:prstGeom>
           <a:solidFill>
-            <a:schemeClr val="accent4">
+            <a:schemeClr val="accent2">
               <a:lumMod val="75000"/>
             </a:schemeClr>
           </a:solidFill>
@@ -5377,58 +4337,30 @@
           </a:fontRef>
         </p:style>
         <p:txBody>
-          <a:bodyPr rtlCol="0" anchor="t"/>
-          <a:lstStyle/>
-          <a:p>
-            <a:r>
-              <a:rPr lang="en-US" sz="1400" dirty="0" err="1"/>
-              <a:t>DimPollInfo</a:t>
-            </a:r>
-            <a:r>
-              <a:rPr lang="en-US" sz="1400" dirty="0"/>
-              <a:t> Gold</a:t>
-            </a:r>
-          </a:p>
-          <a:p>
-            <a:r>
-              <a:rPr lang="en-US" sz="1000" dirty="0"/>
-              <a:t>Format: Delta Table</a:t>
-            </a:r>
-          </a:p>
-          <a:p>
-            <a:endParaRPr lang="en-US" sz="1000" dirty="0"/>
-          </a:p>
-          <a:p>
-            <a:r>
-              <a:rPr lang="en-US" sz="1000" dirty="0"/>
-              <a:t>Id: UUID</a:t>
-            </a:r>
-          </a:p>
-          <a:p>
-            <a:r>
-              <a:rPr lang="en-US" sz="1000" dirty="0"/>
-              <a:t>Time: </a:t>
-            </a:r>
-            <a:r>
-              <a:rPr lang="en-US" sz="1000" dirty="0" err="1"/>
-              <a:t>DateTime</a:t>
-            </a:r>
-            <a:endParaRPr lang="en-US" sz="1000" dirty="0"/>
-          </a:p>
-          <a:p>
-            <a:r>
-              <a:rPr lang="en-US" sz="1000" dirty="0"/>
-              <a:t>Sequence: Number</a:t>
-            </a:r>
-          </a:p>
-        </p:txBody>
-      </p:sp>
-      <p:sp>
-        <p:nvSpPr>
-          <p:cNvPr id="11" name="Rectangle 10">
-            <a:extLst>
-              <a:ext uri="{FF2B5EF4-FFF2-40B4-BE49-F238E27FC236}">
-                <a16:creationId xmlns:a16="http://schemas.microsoft.com/office/drawing/2014/main" id="{CC847FE6-75E2-0C5C-7831-B53BE0CDDAF2}"/>
+          <a:bodyPr rtlCol="0" anchor="ctr"/>
+          <a:lstStyle/>
+          <a:p>
+            <a:pPr algn="ctr"/>
+            <a:r>
+              <a:rPr lang="en-US" sz="1100" dirty="0"/>
+              <a:t>Load Ingested Data</a:t>
+            </a:r>
+          </a:p>
+          <a:p>
+            <a:pPr algn="ctr"/>
+            <a:r>
+              <a:rPr lang="en-US" sz="1100" dirty="0"/>
+              <a:t>(Bronze)</a:t>
+            </a:r>
+          </a:p>
+        </p:txBody>
+      </p:sp>
+      <p:sp>
+        <p:nvSpPr>
+          <p:cNvPr id="60" name="Cylinder 59">
+            <a:extLst>
+              <a:ext uri="{FF2B5EF4-FFF2-40B4-BE49-F238E27FC236}">
+                <a16:creationId xmlns:a16="http://schemas.microsoft.com/office/drawing/2014/main" id="{EDF03022-CB38-C32E-209B-BB34A008DA2E}"/>
               </a:ext>
             </a:extLst>
           </p:cNvPr>
@@ -5437,15 +4369,16 @@
         </p:nvSpPr>
         <p:spPr>
           <a:xfrm>
-            <a:off x="9645285" y="1357093"/>
-            <a:ext cx="2238914" cy="3458187"/>
-          </a:xfrm>
-          <a:prstGeom prst="rect">
+            <a:off x="9000313" y="3008968"/>
+            <a:ext cx="1038687" cy="1031540"/>
+          </a:xfrm>
+          <a:prstGeom prst="can">
             <a:avLst/>
           </a:prstGeom>
           <a:solidFill>
-            <a:schemeClr val="accent4">
-              <a:lumMod val="75000"/>
+            <a:schemeClr val="accent3">
+              <a:lumMod val="60000"/>
+              <a:lumOff val="40000"/>
             </a:schemeClr>
           </a:solidFill>
         </p:spPr>
@@ -5466,136 +4399,530 @@
           </a:fontRef>
         </p:style>
         <p:txBody>
-          <a:bodyPr rtlCol="0" anchor="t"/>
-          <a:lstStyle/>
-          <a:p>
-            <a:r>
-              <a:rPr lang="en-US" dirty="0" err="1"/>
-              <a:t>RunningAggregates</a:t>
-            </a:r>
-            <a:r>
-              <a:rPr lang="en-US" sz="1200" dirty="0"/>
-              <a:t> Gold</a:t>
-            </a:r>
-            <a:endParaRPr lang="en-US" dirty="0"/>
-          </a:p>
-          <a:p>
-            <a:r>
-              <a:rPr lang="en-US" sz="1100" dirty="0"/>
-              <a:t>Format: Delta Table (Aggregate)</a:t>
-            </a:r>
-          </a:p>
-          <a:p>
-            <a:endParaRPr lang="en-US" sz="1100" dirty="0"/>
-          </a:p>
-          <a:p>
-            <a:r>
-              <a:rPr lang="en-US" sz="1100" dirty="0"/>
-              <a:t>Exchange: String</a:t>
-            </a:r>
-          </a:p>
-          <a:p>
-            <a:r>
-              <a:rPr lang="en-US" sz="1100" dirty="0"/>
-              <a:t>Product: String</a:t>
-            </a:r>
-          </a:p>
-          <a:p>
-            <a:r>
-              <a:rPr lang="en-US" sz="1100" dirty="0" err="1"/>
-              <a:t>OrderType</a:t>
-            </a:r>
-            <a:r>
-              <a:rPr lang="en-US" sz="1100" dirty="0"/>
-              <a:t>: String</a:t>
-            </a:r>
-          </a:p>
-          <a:p>
-            <a:r>
-              <a:rPr lang="en-US" sz="1100" dirty="0"/>
-              <a:t>Time: </a:t>
-            </a:r>
-            <a:r>
-              <a:rPr lang="en-US" sz="1100" dirty="0" err="1"/>
-              <a:t>DateTime</a:t>
-            </a:r>
-            <a:endParaRPr lang="en-US" sz="1100" dirty="0"/>
-          </a:p>
-          <a:p>
-            <a:r>
-              <a:rPr lang="en-US" sz="1100" dirty="0"/>
-              <a:t>Price: Number</a:t>
-            </a:r>
-          </a:p>
-          <a:p>
-            <a:r>
-              <a:rPr lang="en-US" sz="1100" dirty="0" err="1"/>
-              <a:t>TotalQty</a:t>
-            </a:r>
-            <a:r>
-              <a:rPr lang="en-US" sz="1100" dirty="0"/>
-              <a:t>: Number</a:t>
-            </a:r>
-          </a:p>
-          <a:p>
-            <a:r>
-              <a:rPr lang="en-US" sz="1100" dirty="0" err="1"/>
-              <a:t>NumOrders</a:t>
-            </a:r>
-            <a:r>
-              <a:rPr lang="en-US" sz="1100" dirty="0"/>
-              <a:t>: Number</a:t>
-            </a:r>
-          </a:p>
-          <a:p>
-            <a:r>
-              <a:rPr lang="en-US" sz="1100" dirty="0" err="1"/>
-              <a:t>AvgPrice</a:t>
-            </a:r>
-            <a:r>
-              <a:rPr lang="en-US" sz="1100" dirty="0"/>
-              <a:t>: Number</a:t>
-            </a:r>
-          </a:p>
-          <a:p>
-            <a:r>
-              <a:rPr lang="en-US" sz="1100" dirty="0" err="1"/>
-              <a:t>CumulativeTotalQty</a:t>
-            </a:r>
-            <a:r>
-              <a:rPr lang="en-US" sz="1100" dirty="0"/>
-              <a:t>: Number</a:t>
-            </a:r>
-          </a:p>
-          <a:p>
-            <a:r>
-              <a:rPr lang="en-US" sz="1100" dirty="0" err="1"/>
-              <a:t>CumulativeNumOrders</a:t>
-            </a:r>
-            <a:r>
-              <a:rPr lang="en-US" sz="1100" dirty="0"/>
-              <a:t>: Number</a:t>
-            </a:r>
-          </a:p>
-          <a:p>
-            <a:r>
-              <a:rPr lang="en-US" sz="1100" dirty="0" err="1"/>
-              <a:t>CumulativeAmount</a:t>
-            </a:r>
-            <a:r>
-              <a:rPr lang="en-US" sz="1100" dirty="0"/>
-              <a:t>: Number</a:t>
-            </a:r>
-          </a:p>
-          <a:p>
-            <a:endParaRPr lang="en-US" sz="1100" dirty="0"/>
-          </a:p>
-        </p:txBody>
-      </p:sp>
+          <a:bodyPr rtlCol="0" anchor="ctr"/>
+          <a:lstStyle/>
+          <a:p>
+            <a:pPr algn="ctr"/>
+            <a:r>
+              <a:rPr lang="en-US" sz="1100" dirty="0">
+                <a:solidFill>
+                  <a:schemeClr val="tx1"/>
+                </a:solidFill>
+              </a:rPr>
+              <a:t>Clean, Transform Data</a:t>
+            </a:r>
+          </a:p>
+          <a:p>
+            <a:pPr algn="ctr"/>
+            <a:r>
+              <a:rPr lang="en-US" sz="1100" dirty="0">
+                <a:solidFill>
+                  <a:schemeClr val="tx1"/>
+                </a:solidFill>
+              </a:rPr>
+              <a:t>(Silver) </a:t>
+            </a:r>
+          </a:p>
+        </p:txBody>
+      </p:sp>
+      <p:sp>
+        <p:nvSpPr>
+          <p:cNvPr id="61" name="Cylinder 60">
+            <a:extLst>
+              <a:ext uri="{FF2B5EF4-FFF2-40B4-BE49-F238E27FC236}">
+                <a16:creationId xmlns:a16="http://schemas.microsoft.com/office/drawing/2014/main" id="{6F037509-FD5A-049E-6C4E-D34BB1F5A774}"/>
+              </a:ext>
+            </a:extLst>
+          </p:cNvPr>
+          <p:cNvSpPr/>
+          <p:nvPr/>
+        </p:nvSpPr>
+        <p:spPr>
+          <a:xfrm>
+            <a:off x="10667214" y="2964955"/>
+            <a:ext cx="1038687" cy="1075553"/>
+          </a:xfrm>
+          <a:prstGeom prst="can">
+            <a:avLst/>
+          </a:prstGeom>
+          <a:solidFill>
+            <a:schemeClr val="accent4">
+              <a:lumMod val="60000"/>
+              <a:lumOff val="40000"/>
+            </a:schemeClr>
+          </a:solidFill>
+        </p:spPr>
+        <p:style>
+          <a:lnRef idx="2">
+            <a:schemeClr val="accent1">
+              <a:shade val="50000"/>
+            </a:schemeClr>
+          </a:lnRef>
+          <a:fillRef idx="1">
+            <a:schemeClr val="accent1"/>
+          </a:fillRef>
+          <a:effectRef idx="0">
+            <a:schemeClr val="accent1"/>
+          </a:effectRef>
+          <a:fontRef idx="minor">
+            <a:schemeClr val="lt1"/>
+          </a:fontRef>
+        </p:style>
+        <p:txBody>
+          <a:bodyPr rtlCol="0" anchor="ctr"/>
+          <a:lstStyle/>
+          <a:p>
+            <a:pPr algn="ctr"/>
+            <a:r>
+              <a:rPr lang="en-US" sz="1100" dirty="0">
+                <a:solidFill>
+                  <a:schemeClr val="tx1"/>
+                </a:solidFill>
+              </a:rPr>
+              <a:t>Star Schema</a:t>
+            </a:r>
+          </a:p>
+          <a:p>
+            <a:pPr algn="ctr"/>
+            <a:r>
+              <a:rPr lang="en-US" sz="1100" dirty="0">
+                <a:solidFill>
+                  <a:schemeClr val="tx1"/>
+                </a:solidFill>
+              </a:rPr>
+              <a:t>Aggregates</a:t>
+            </a:r>
+          </a:p>
+          <a:p>
+            <a:pPr algn="ctr"/>
+            <a:r>
+              <a:rPr lang="en-US" sz="1100" dirty="0">
+                <a:solidFill>
+                  <a:schemeClr val="tx1"/>
+                </a:solidFill>
+              </a:rPr>
+              <a:t>(Gold)</a:t>
+            </a:r>
+          </a:p>
+        </p:txBody>
+      </p:sp>
+      <p:sp>
+        <p:nvSpPr>
+          <p:cNvPr id="35" name="Rectangle 34">
+            <a:extLst>
+              <a:ext uri="{FF2B5EF4-FFF2-40B4-BE49-F238E27FC236}">
+                <a16:creationId xmlns:a16="http://schemas.microsoft.com/office/drawing/2014/main" id="{15036C42-9471-B550-8AA9-E3112E9F8E80}"/>
+              </a:ext>
+            </a:extLst>
+          </p:cNvPr>
+          <p:cNvSpPr/>
+          <p:nvPr/>
+        </p:nvSpPr>
+        <p:spPr>
+          <a:xfrm>
+            <a:off x="8832126" y="1651600"/>
+            <a:ext cx="1180594" cy="915102"/>
+          </a:xfrm>
+          <a:prstGeom prst="rect">
+            <a:avLst/>
+          </a:prstGeom>
+        </p:spPr>
+        <p:style>
+          <a:lnRef idx="2">
+            <a:schemeClr val="accent1">
+              <a:shade val="50000"/>
+            </a:schemeClr>
+          </a:lnRef>
+          <a:fillRef idx="1">
+            <a:schemeClr val="accent1"/>
+          </a:fillRef>
+          <a:effectRef idx="0">
+            <a:schemeClr val="accent1"/>
+          </a:effectRef>
+          <a:fontRef idx="minor">
+            <a:schemeClr val="lt1"/>
+          </a:fontRef>
+        </p:style>
+        <p:txBody>
+          <a:bodyPr rtlCol="0" anchor="ctr"/>
+          <a:lstStyle/>
+          <a:p>
+            <a:pPr algn="ctr"/>
+            <a:r>
+              <a:rPr lang="en-US" sz="1400" dirty="0"/>
+              <a:t>Transform</a:t>
+            </a:r>
+          </a:p>
+        </p:txBody>
+      </p:sp>
+      <p:sp>
+        <p:nvSpPr>
+          <p:cNvPr id="44" name="Rectangle 43">
+            <a:extLst>
+              <a:ext uri="{FF2B5EF4-FFF2-40B4-BE49-F238E27FC236}">
+                <a16:creationId xmlns:a16="http://schemas.microsoft.com/office/drawing/2014/main" id="{D83D413A-AE2C-27FB-057C-BF32470F1452}"/>
+              </a:ext>
+            </a:extLst>
+          </p:cNvPr>
+          <p:cNvSpPr/>
+          <p:nvPr/>
+        </p:nvSpPr>
+        <p:spPr>
+          <a:xfrm>
+            <a:off x="10393137" y="1649634"/>
+            <a:ext cx="1358284" cy="915102"/>
+          </a:xfrm>
+          <a:prstGeom prst="rect">
+            <a:avLst/>
+          </a:prstGeom>
+        </p:spPr>
+        <p:style>
+          <a:lnRef idx="2">
+            <a:schemeClr val="accent1">
+              <a:shade val="50000"/>
+            </a:schemeClr>
+          </a:lnRef>
+          <a:fillRef idx="1">
+            <a:schemeClr val="accent1"/>
+          </a:fillRef>
+          <a:effectRef idx="0">
+            <a:schemeClr val="accent1"/>
+          </a:effectRef>
+          <a:fontRef idx="minor">
+            <a:schemeClr val="lt1"/>
+          </a:fontRef>
+        </p:style>
+        <p:txBody>
+          <a:bodyPr rtlCol="0" anchor="ctr"/>
+          <a:lstStyle/>
+          <a:p>
+            <a:pPr algn="ctr"/>
+            <a:r>
+              <a:rPr lang="en-US" sz="1400" dirty="0"/>
+              <a:t>Transform</a:t>
+            </a:r>
+          </a:p>
+        </p:txBody>
+      </p:sp>
+      <p:cxnSp>
+        <p:nvCxnSpPr>
+          <p:cNvPr id="50" name="Connector: Elbow 49">
+            <a:extLst>
+              <a:ext uri="{FF2B5EF4-FFF2-40B4-BE49-F238E27FC236}">
+                <a16:creationId xmlns:a16="http://schemas.microsoft.com/office/drawing/2014/main" id="{BD3B004F-477A-50E2-2D7B-93A0D5F3712E}"/>
+              </a:ext>
+            </a:extLst>
+          </p:cNvPr>
+          <p:cNvCxnSpPr>
+            <a:cxnSpLocks/>
+            <a:stCxn id="59" idx="4"/>
+            <a:endCxn id="35" idx="1"/>
+          </p:cNvCxnSpPr>
+          <p:nvPr/>
+        </p:nvCxnSpPr>
+        <p:spPr>
+          <a:xfrm flipV="1">
+            <a:off x="8388535" y="2109151"/>
+            <a:ext cx="443591" cy="1419782"/>
+          </a:xfrm>
+          <a:prstGeom prst="bentConnector3">
+            <a:avLst>
+              <a:gd name="adj1" fmla="val 50000"/>
+            </a:avLst>
+          </a:prstGeom>
+          <a:ln>
+            <a:tailEnd type="triangle"/>
+          </a:ln>
+        </p:spPr>
+        <p:style>
+          <a:lnRef idx="1">
+            <a:schemeClr val="accent1"/>
+          </a:lnRef>
+          <a:fillRef idx="0">
+            <a:schemeClr val="accent1"/>
+          </a:fillRef>
+          <a:effectRef idx="0">
+            <a:schemeClr val="accent1"/>
+          </a:effectRef>
+          <a:fontRef idx="minor">
+            <a:schemeClr val="tx1"/>
+          </a:fontRef>
+        </p:style>
+      </p:cxnSp>
+      <p:cxnSp>
+        <p:nvCxnSpPr>
+          <p:cNvPr id="53" name="Connector: Elbow 52">
+            <a:extLst>
+              <a:ext uri="{FF2B5EF4-FFF2-40B4-BE49-F238E27FC236}">
+                <a16:creationId xmlns:a16="http://schemas.microsoft.com/office/drawing/2014/main" id="{2B6AF1CB-B629-C757-C512-304E0AF88A19}"/>
+              </a:ext>
+            </a:extLst>
+          </p:cNvPr>
+          <p:cNvCxnSpPr>
+            <a:cxnSpLocks/>
+            <a:stCxn id="35" idx="2"/>
+            <a:endCxn id="60" idx="1"/>
+          </p:cNvCxnSpPr>
+          <p:nvPr/>
+        </p:nvCxnSpPr>
+        <p:spPr>
+          <a:xfrm rot="16200000" flipH="1">
+            <a:off x="9249907" y="2739218"/>
+            <a:ext cx="442266" cy="97234"/>
+          </a:xfrm>
+          <a:prstGeom prst="bentConnector3">
+            <a:avLst>
+              <a:gd name="adj1" fmla="val 50000"/>
+            </a:avLst>
+          </a:prstGeom>
+          <a:ln>
+            <a:tailEnd type="triangle"/>
+          </a:ln>
+        </p:spPr>
+        <p:style>
+          <a:lnRef idx="1">
+            <a:schemeClr val="accent1"/>
+          </a:lnRef>
+          <a:fillRef idx="0">
+            <a:schemeClr val="accent1"/>
+          </a:fillRef>
+          <a:effectRef idx="0">
+            <a:schemeClr val="accent1"/>
+          </a:effectRef>
+          <a:fontRef idx="minor">
+            <a:schemeClr val="tx1"/>
+          </a:fontRef>
+        </p:style>
+      </p:cxnSp>
+      <p:cxnSp>
+        <p:nvCxnSpPr>
+          <p:cNvPr id="56" name="Connector: Elbow 55">
+            <a:extLst>
+              <a:ext uri="{FF2B5EF4-FFF2-40B4-BE49-F238E27FC236}">
+                <a16:creationId xmlns:a16="http://schemas.microsoft.com/office/drawing/2014/main" id="{EF475445-41EB-846D-AF3F-004FF87E2ECF}"/>
+              </a:ext>
+            </a:extLst>
+          </p:cNvPr>
+          <p:cNvCxnSpPr>
+            <a:cxnSpLocks/>
+            <a:stCxn id="60" idx="4"/>
+            <a:endCxn id="44" idx="1"/>
+          </p:cNvCxnSpPr>
+          <p:nvPr/>
+        </p:nvCxnSpPr>
+        <p:spPr>
+          <a:xfrm flipV="1">
+            <a:off x="10039000" y="2107185"/>
+            <a:ext cx="354137" cy="1417553"/>
+          </a:xfrm>
+          <a:prstGeom prst="bentConnector3">
+            <a:avLst>
+              <a:gd name="adj1" fmla="val 50000"/>
+            </a:avLst>
+          </a:prstGeom>
+          <a:ln>
+            <a:tailEnd type="triangle"/>
+          </a:ln>
+        </p:spPr>
+        <p:style>
+          <a:lnRef idx="1">
+            <a:schemeClr val="accent1"/>
+          </a:lnRef>
+          <a:fillRef idx="0">
+            <a:schemeClr val="accent1"/>
+          </a:fillRef>
+          <a:effectRef idx="0">
+            <a:schemeClr val="accent1"/>
+          </a:effectRef>
+          <a:fontRef idx="minor">
+            <a:schemeClr val="tx1"/>
+          </a:fontRef>
+        </p:style>
+      </p:cxnSp>
+      <p:cxnSp>
+        <p:nvCxnSpPr>
+          <p:cNvPr id="65" name="Connector: Elbow 64">
+            <a:extLst>
+              <a:ext uri="{FF2B5EF4-FFF2-40B4-BE49-F238E27FC236}">
+                <a16:creationId xmlns:a16="http://schemas.microsoft.com/office/drawing/2014/main" id="{AB3DB5C1-71C2-B576-B4CE-BE63253BB4C9}"/>
+              </a:ext>
+            </a:extLst>
+          </p:cNvPr>
+          <p:cNvCxnSpPr>
+            <a:cxnSpLocks/>
+            <a:stCxn id="44" idx="2"/>
+            <a:endCxn id="61" idx="1"/>
+          </p:cNvCxnSpPr>
+          <p:nvPr/>
+        </p:nvCxnSpPr>
+        <p:spPr>
+          <a:xfrm rot="16200000" flipH="1">
+            <a:off x="10929309" y="2707705"/>
+            <a:ext cx="400219" cy="114279"/>
+          </a:xfrm>
+          <a:prstGeom prst="bentConnector3">
+            <a:avLst>
+              <a:gd name="adj1" fmla="val 50000"/>
+            </a:avLst>
+          </a:prstGeom>
+          <a:ln>
+            <a:tailEnd type="triangle"/>
+          </a:ln>
+        </p:spPr>
+        <p:style>
+          <a:lnRef idx="1">
+            <a:schemeClr val="accent1"/>
+          </a:lnRef>
+          <a:fillRef idx="0">
+            <a:schemeClr val="accent1"/>
+          </a:fillRef>
+          <a:effectRef idx="0">
+            <a:schemeClr val="accent1"/>
+          </a:effectRef>
+          <a:fontRef idx="minor">
+            <a:schemeClr val="tx1"/>
+          </a:fontRef>
+        </p:style>
+      </p:cxnSp>
+      <p:cxnSp>
+        <p:nvCxnSpPr>
+          <p:cNvPr id="79" name="Connector: Elbow 78">
+            <a:extLst>
+              <a:ext uri="{FF2B5EF4-FFF2-40B4-BE49-F238E27FC236}">
+                <a16:creationId xmlns:a16="http://schemas.microsoft.com/office/drawing/2014/main" id="{B0EEFD3A-B08E-AB6A-2F50-79CF98D69F04}"/>
+              </a:ext>
+            </a:extLst>
+          </p:cNvPr>
+          <p:cNvCxnSpPr>
+            <a:cxnSpLocks/>
+            <a:stCxn id="4" idx="3"/>
+          </p:cNvCxnSpPr>
+          <p:nvPr/>
+        </p:nvCxnSpPr>
+        <p:spPr>
+          <a:xfrm>
+            <a:off x="1926454" y="1890944"/>
+            <a:ext cx="1409581" cy="1035855"/>
+          </a:xfrm>
+          <a:prstGeom prst="bentConnector3">
+            <a:avLst>
+              <a:gd name="adj1" fmla="val 50000"/>
+            </a:avLst>
+          </a:prstGeom>
+          <a:ln>
+            <a:headEnd type="triangle"/>
+            <a:tailEnd type="triangle"/>
+          </a:ln>
+        </p:spPr>
+        <p:style>
+          <a:lnRef idx="1">
+            <a:schemeClr val="accent1"/>
+          </a:lnRef>
+          <a:fillRef idx="0">
+            <a:schemeClr val="accent1"/>
+          </a:fillRef>
+          <a:effectRef idx="0">
+            <a:schemeClr val="accent1"/>
+          </a:effectRef>
+          <a:fontRef idx="minor">
+            <a:schemeClr val="tx1"/>
+          </a:fontRef>
+        </p:style>
+      </p:cxnSp>
+      <p:cxnSp>
+        <p:nvCxnSpPr>
+          <p:cNvPr id="82" name="Connector: Elbow 81">
+            <a:extLst>
+              <a:ext uri="{FF2B5EF4-FFF2-40B4-BE49-F238E27FC236}">
+                <a16:creationId xmlns:a16="http://schemas.microsoft.com/office/drawing/2014/main" id="{7CD8F39C-9E61-0479-DFB9-24EE70DC3861}"/>
+              </a:ext>
+            </a:extLst>
+          </p:cNvPr>
+          <p:cNvCxnSpPr>
+            <a:cxnSpLocks/>
+            <a:stCxn id="18" idx="3"/>
+          </p:cNvCxnSpPr>
+          <p:nvPr/>
+        </p:nvCxnSpPr>
+        <p:spPr>
+          <a:xfrm>
+            <a:off x="1920536" y="2964956"/>
+            <a:ext cx="1470304" cy="12700"/>
+          </a:xfrm>
+          <a:prstGeom prst="bentConnector3">
+            <a:avLst>
+              <a:gd name="adj1" fmla="val 50000"/>
+            </a:avLst>
+          </a:prstGeom>
+          <a:ln>
+            <a:headEnd type="triangle"/>
+            <a:tailEnd type="triangle"/>
+          </a:ln>
+        </p:spPr>
+        <p:style>
+          <a:lnRef idx="1">
+            <a:schemeClr val="accent1"/>
+          </a:lnRef>
+          <a:fillRef idx="0">
+            <a:schemeClr val="accent1"/>
+          </a:fillRef>
+          <a:effectRef idx="0">
+            <a:schemeClr val="accent1"/>
+          </a:effectRef>
+          <a:fontRef idx="minor">
+            <a:schemeClr val="tx1"/>
+          </a:fontRef>
+        </p:style>
+      </p:cxnSp>
+      <p:cxnSp>
+        <p:nvCxnSpPr>
+          <p:cNvPr id="85" name="Connector: Elbow 84">
+            <a:extLst>
+              <a:ext uri="{FF2B5EF4-FFF2-40B4-BE49-F238E27FC236}">
+                <a16:creationId xmlns:a16="http://schemas.microsoft.com/office/drawing/2014/main" id="{2F57B907-CAE2-3A82-531F-FC1934F13CED}"/>
+              </a:ext>
+            </a:extLst>
+          </p:cNvPr>
+          <p:cNvCxnSpPr>
+            <a:cxnSpLocks/>
+            <a:stCxn id="19" idx="3"/>
+          </p:cNvCxnSpPr>
+          <p:nvPr/>
+        </p:nvCxnSpPr>
+        <p:spPr>
+          <a:xfrm flipV="1">
+            <a:off x="1920535" y="3017357"/>
+            <a:ext cx="1415500" cy="1023151"/>
+          </a:xfrm>
+          <a:prstGeom prst="bentConnector3">
+            <a:avLst>
+              <a:gd name="adj1" fmla="val 50000"/>
+            </a:avLst>
+          </a:prstGeom>
+          <a:ln>
+            <a:headEnd type="triangle"/>
+            <a:tailEnd type="triangle"/>
+          </a:ln>
+        </p:spPr>
+        <p:style>
+          <a:lnRef idx="1">
+            <a:schemeClr val="accent1"/>
+          </a:lnRef>
+          <a:fillRef idx="0">
+            <a:schemeClr val="accent1"/>
+          </a:fillRef>
+          <a:effectRef idx="0">
+            <a:schemeClr val="accent1"/>
+          </a:effectRef>
+          <a:fontRef idx="minor">
+            <a:schemeClr val="tx1"/>
+          </a:fontRef>
+        </p:style>
+      </p:cxnSp>
     </p:spTree>
     <p:extLst>
       <p:ext uri="{BB962C8B-B14F-4D97-AF65-F5344CB8AC3E}">
-        <p14:creationId xmlns:p14="http://schemas.microsoft.com/office/powerpoint/2010/main" val="2332500908"/>
+        <p14:creationId xmlns:p14="http://schemas.microsoft.com/office/powerpoint/2010/main" val="2991249385"/>
       </p:ext>
     </p:extLst>
   </p:cSld>
@@ -5624,10 +4951,122 @@
       </p:grpSpPr>
       <p:sp>
         <p:nvSpPr>
+          <p:cNvPr id="57" name="Rectangle 56">
+            <a:extLst>
+              <a:ext uri="{FF2B5EF4-FFF2-40B4-BE49-F238E27FC236}">
+                <a16:creationId xmlns:a16="http://schemas.microsoft.com/office/drawing/2014/main" id="{F2EED402-5C28-DE14-B690-64A284C8461B}"/>
+              </a:ext>
+            </a:extLst>
+          </p:cNvPr>
+          <p:cNvSpPr/>
+          <p:nvPr/>
+        </p:nvSpPr>
+        <p:spPr>
+          <a:xfrm>
+            <a:off x="6886129" y="671120"/>
+            <a:ext cx="5093349" cy="3850546"/>
+          </a:xfrm>
+          <a:prstGeom prst="rect">
+            <a:avLst/>
+          </a:prstGeom>
+          <a:solidFill>
+            <a:schemeClr val="bg1"/>
+          </a:solidFill>
+        </p:spPr>
+        <p:style>
+          <a:lnRef idx="2">
+            <a:schemeClr val="accent1">
+              <a:shade val="15000"/>
+            </a:schemeClr>
+          </a:lnRef>
+          <a:fillRef idx="1">
+            <a:schemeClr val="accent1"/>
+          </a:fillRef>
+          <a:effectRef idx="0">
+            <a:schemeClr val="accent1"/>
+          </a:effectRef>
+          <a:fontRef idx="minor">
+            <a:schemeClr val="lt1"/>
+          </a:fontRef>
+        </p:style>
+        <p:txBody>
+          <a:bodyPr rtlCol="0" anchor="t"/>
+          <a:lstStyle/>
+          <a:p>
+            <a:pPr algn="ctr"/>
+            <a:r>
+              <a:rPr lang="en-US" dirty="0">
+                <a:solidFill>
+                  <a:schemeClr val="tx1"/>
+                </a:solidFill>
+              </a:rPr>
+              <a:t>Databricks</a:t>
+            </a:r>
+          </a:p>
+        </p:txBody>
+      </p:sp>
+      <p:sp>
+        <p:nvSpPr>
+          <p:cNvPr id="51" name="Rectangle 50">
+            <a:extLst>
+              <a:ext uri="{FF2B5EF4-FFF2-40B4-BE49-F238E27FC236}">
+                <a16:creationId xmlns:a16="http://schemas.microsoft.com/office/drawing/2014/main" id="{CB0F7DA8-CA84-F2EB-12B6-2ED550C80A15}"/>
+              </a:ext>
+            </a:extLst>
+          </p:cNvPr>
+          <p:cNvSpPr/>
+          <p:nvPr/>
+        </p:nvSpPr>
+        <p:spPr>
+          <a:xfrm>
+            <a:off x="2172749" y="1249961"/>
+            <a:ext cx="4545288" cy="2379774"/>
+          </a:xfrm>
+          <a:prstGeom prst="rect">
+            <a:avLst/>
+          </a:prstGeom>
+          <a:solidFill>
+            <a:schemeClr val="bg1"/>
+          </a:solidFill>
+        </p:spPr>
+        <p:style>
+          <a:lnRef idx="2">
+            <a:schemeClr val="accent1">
+              <a:shade val="15000"/>
+            </a:schemeClr>
+          </a:lnRef>
+          <a:fillRef idx="1">
+            <a:schemeClr val="accent1"/>
+          </a:fillRef>
+          <a:effectRef idx="0">
+            <a:schemeClr val="accent1"/>
+          </a:effectRef>
+          <a:fontRef idx="minor">
+            <a:schemeClr val="lt1"/>
+          </a:fontRef>
+        </p:style>
+        <p:txBody>
+          <a:bodyPr rtlCol="0" anchor="t"/>
+          <a:lstStyle/>
+          <a:p>
+            <a:pPr algn="ctr"/>
+            <a:r>
+              <a:rPr lang="en-US" dirty="0">
+                <a:solidFill>
+                  <a:schemeClr val="tx1"/>
+                </a:solidFill>
+              </a:rPr>
+              <a:t>AWS</a:t>
+            </a:r>
+          </a:p>
+        </p:txBody>
+      </p:sp>
+      <p:sp>
+        <p:nvSpPr>
           <p:cNvPr id="2" name="Title 1">
             <a:extLst>
               <a:ext uri="{FF2B5EF4-FFF2-40B4-BE49-F238E27FC236}">
-                <a16:creationId xmlns:a16="http://schemas.microsoft.com/office/drawing/2014/main" id="{887A007C-B446-8A49-9133-3A3144A17063}"/>
+                <a16:creationId xmlns:a16="http://schemas.microsoft.com/office/drawing/2014/main" id="{969268BA-9BB1-06CF-93B5-8B999EC4F975}"/>
               </a:ext>
             </a:extLst>
           </p:cNvPr>
@@ -5640,128 +5079,1672 @@
         </p:nvSpPr>
         <p:spPr>
           <a:xfrm>
-            <a:off x="838200" y="365125"/>
-            <a:ext cx="4782424" cy="1325563"/>
-          </a:xfrm>
-        </p:spPr>
-        <p:txBody>
-          <a:bodyPr/>
+            <a:off x="838200" y="365126"/>
+            <a:ext cx="10515600" cy="819599"/>
+          </a:xfrm>
+        </p:spPr>
+        <p:txBody>
+          <a:bodyPr>
+            <a:normAutofit/>
+          </a:bodyPr>
           <a:lstStyle/>
           <a:p>
             <a:r>
               <a:rPr lang="en-US" dirty="0"/>
-              <a:t>Tech Stack</a:t>
-            </a:r>
-          </a:p>
-        </p:txBody>
-      </p:sp>
-      <p:sp>
-        <p:nvSpPr>
-          <p:cNvPr id="3" name="Content Placeholder 2">
-            <a:extLst>
-              <a:ext uri="{FF2B5EF4-FFF2-40B4-BE49-F238E27FC236}">
-                <a16:creationId xmlns:a16="http://schemas.microsoft.com/office/drawing/2014/main" id="{84969E17-FFB7-8D15-E594-E4B6397B7EC8}"/>
-              </a:ext>
-            </a:extLst>
-          </p:cNvPr>
-          <p:cNvSpPr>
-            <a:spLocks noGrp="1"/>
-          </p:cNvSpPr>
-          <p:nvPr>
-            <p:ph idx="1"/>
-          </p:nvPr>
+              <a:t>Technical Design</a:t>
+            </a:r>
+          </a:p>
+        </p:txBody>
+      </p:sp>
+      <p:sp>
+        <p:nvSpPr>
+          <p:cNvPr id="4" name="Rectangle 3">
+            <a:extLst>
+              <a:ext uri="{FF2B5EF4-FFF2-40B4-BE49-F238E27FC236}">
+                <a16:creationId xmlns:a16="http://schemas.microsoft.com/office/drawing/2014/main" id="{5A233963-CEFE-A050-D149-05E8065CE6E1}"/>
+              </a:ext>
+            </a:extLst>
+          </p:cNvPr>
+          <p:cNvSpPr/>
+          <p:nvPr/>
         </p:nvSpPr>
         <p:spPr>
           <a:xfrm>
-            <a:off x="838199" y="1825625"/>
-            <a:ext cx="8079297" cy="4351338"/>
-          </a:xfrm>
-        </p:spPr>
-        <p:txBody>
-          <a:bodyPr>
-            <a:normAutofit lnSpcReduction="10000"/>
+            <a:off x="566147" y="1526959"/>
+            <a:ext cx="1038687" cy="727969"/>
+          </a:xfrm>
+          <a:prstGeom prst="rect">
+            <a:avLst/>
+          </a:prstGeom>
+        </p:spPr>
+        <p:style>
+          <a:lnRef idx="2">
+            <a:schemeClr val="accent1">
+              <a:shade val="50000"/>
+            </a:schemeClr>
+          </a:lnRef>
+          <a:fillRef idx="1">
+            <a:schemeClr val="accent1"/>
+          </a:fillRef>
+          <a:effectRef idx="0">
+            <a:schemeClr val="accent1"/>
+          </a:effectRef>
+          <a:fontRef idx="minor">
+            <a:schemeClr val="lt1"/>
+          </a:fontRef>
+        </p:style>
+        <p:txBody>
+          <a:bodyPr rtlCol="0" anchor="ctr"/>
+          <a:lstStyle/>
+          <a:p>
+            <a:pPr algn="ctr"/>
+            <a:r>
+              <a:rPr lang="en-US" sz="1600" dirty="0" err="1"/>
+              <a:t>CoinBase</a:t>
+            </a:r>
+            <a:r>
+              <a:rPr lang="en-US" sz="1600" dirty="0"/>
+              <a:t> Exchange</a:t>
+            </a:r>
+          </a:p>
+        </p:txBody>
+      </p:sp>
+      <p:sp>
+        <p:nvSpPr>
+          <p:cNvPr id="5" name="Rectangle 4">
+            <a:extLst>
+              <a:ext uri="{FF2B5EF4-FFF2-40B4-BE49-F238E27FC236}">
+                <a16:creationId xmlns:a16="http://schemas.microsoft.com/office/drawing/2014/main" id="{7B493DFC-DF09-C3B0-1A38-2E84D9BF50C2}"/>
+              </a:ext>
+            </a:extLst>
+          </p:cNvPr>
+          <p:cNvSpPr/>
+          <p:nvPr/>
+        </p:nvSpPr>
+        <p:spPr>
+          <a:xfrm>
+            <a:off x="3770743" y="2061975"/>
+            <a:ext cx="932293" cy="676759"/>
+          </a:xfrm>
+          <a:prstGeom prst="rect">
+            <a:avLst/>
+          </a:prstGeom>
+        </p:spPr>
+        <p:style>
+          <a:lnRef idx="2">
+            <a:schemeClr val="accent1">
+              <a:shade val="50000"/>
+            </a:schemeClr>
+          </a:lnRef>
+          <a:fillRef idx="1">
+            <a:schemeClr val="accent1"/>
+          </a:fillRef>
+          <a:effectRef idx="0">
+            <a:schemeClr val="accent1"/>
+          </a:effectRef>
+          <a:fontRef idx="minor">
+            <a:schemeClr val="lt1"/>
+          </a:fontRef>
+        </p:style>
+        <p:txBody>
+          <a:bodyPr rtlCol="0" anchor="ctr"/>
+          <a:lstStyle/>
+          <a:p>
+            <a:pPr algn="ctr"/>
+            <a:r>
+              <a:rPr lang="en-US" sz="1200" dirty="0"/>
+              <a:t>AWS Lambda</a:t>
+            </a:r>
+          </a:p>
+        </p:txBody>
+      </p:sp>
+      <p:cxnSp>
+        <p:nvCxnSpPr>
+          <p:cNvPr id="7" name="Connector: Elbow 6">
+            <a:extLst>
+              <a:ext uri="{FF2B5EF4-FFF2-40B4-BE49-F238E27FC236}">
+                <a16:creationId xmlns:a16="http://schemas.microsoft.com/office/drawing/2014/main" id="{9D350C43-3F3E-0FF9-FBC1-E6542333CE7F}"/>
+              </a:ext>
+            </a:extLst>
+          </p:cNvPr>
+          <p:cNvCxnSpPr>
+            <a:cxnSpLocks/>
+            <a:stCxn id="5" idx="3"/>
+            <a:endCxn id="47" idx="1"/>
+          </p:cNvCxnSpPr>
+          <p:nvPr/>
+        </p:nvCxnSpPr>
+        <p:spPr>
+          <a:xfrm flipV="1">
+            <a:off x="4703036" y="1895759"/>
+            <a:ext cx="375041" cy="504596"/>
+          </a:xfrm>
+          <a:prstGeom prst="bentConnector3">
+            <a:avLst>
+              <a:gd name="adj1" fmla="val 50000"/>
+            </a:avLst>
+          </a:prstGeom>
+          <a:ln>
+            <a:tailEnd type="triangle"/>
+          </a:ln>
+        </p:spPr>
+        <p:style>
+          <a:lnRef idx="1">
+            <a:schemeClr val="accent1"/>
+          </a:lnRef>
+          <a:fillRef idx="0">
+            <a:schemeClr val="accent1"/>
+          </a:fillRef>
+          <a:effectRef idx="0">
+            <a:schemeClr val="accent1"/>
+          </a:effectRef>
+          <a:fontRef idx="minor">
+            <a:schemeClr val="tx1"/>
+          </a:fontRef>
+        </p:style>
+      </p:cxnSp>
+      <p:sp>
+        <p:nvSpPr>
+          <p:cNvPr id="8" name="Rectangle 7">
+            <a:extLst>
+              <a:ext uri="{FF2B5EF4-FFF2-40B4-BE49-F238E27FC236}">
+                <a16:creationId xmlns:a16="http://schemas.microsoft.com/office/drawing/2014/main" id="{2A8D318F-C0D0-9B41-B66C-948CB973C623}"/>
+              </a:ext>
+            </a:extLst>
+          </p:cNvPr>
+          <p:cNvSpPr/>
+          <p:nvPr/>
+        </p:nvSpPr>
+        <p:spPr>
+          <a:xfrm>
+            <a:off x="7193647" y="1649634"/>
+            <a:ext cx="1358284" cy="915102"/>
+          </a:xfrm>
+          <a:prstGeom prst="rect">
+            <a:avLst/>
+          </a:prstGeom>
+        </p:spPr>
+        <p:style>
+          <a:lnRef idx="2">
+            <a:schemeClr val="accent1">
+              <a:shade val="50000"/>
+            </a:schemeClr>
+          </a:lnRef>
+          <a:fillRef idx="1">
+            <a:schemeClr val="accent1"/>
+          </a:fillRef>
+          <a:effectRef idx="0">
+            <a:schemeClr val="accent1"/>
+          </a:effectRef>
+          <a:fontRef idx="minor">
+            <a:schemeClr val="lt1"/>
+          </a:fontRef>
+        </p:style>
+        <p:txBody>
+          <a:bodyPr rtlCol="0" anchor="ctr"/>
+          <a:lstStyle/>
+          <a:p>
+            <a:pPr algn="ctr"/>
+            <a:r>
+              <a:rPr lang="en-US" sz="1400" dirty="0"/>
+              <a:t>DLT Job Scheduler Bronze</a:t>
+            </a:r>
+          </a:p>
+        </p:txBody>
+      </p:sp>
+      <p:cxnSp>
+        <p:nvCxnSpPr>
+          <p:cNvPr id="9" name="Connector: Elbow 8">
+            <a:extLst>
+              <a:ext uri="{FF2B5EF4-FFF2-40B4-BE49-F238E27FC236}">
+                <a16:creationId xmlns:a16="http://schemas.microsoft.com/office/drawing/2014/main" id="{D493452F-1E01-DE6D-6BE5-CA4536E176AB}"/>
+              </a:ext>
+            </a:extLst>
+          </p:cNvPr>
+          <p:cNvCxnSpPr>
+            <a:cxnSpLocks/>
+            <a:stCxn id="47" idx="3"/>
+            <a:endCxn id="8" idx="1"/>
+          </p:cNvCxnSpPr>
+          <p:nvPr/>
+        </p:nvCxnSpPr>
+        <p:spPr>
+          <a:xfrm>
+            <a:off x="6475574" y="1895759"/>
+            <a:ext cx="718073" cy="211426"/>
+          </a:xfrm>
+          <a:prstGeom prst="bentConnector3">
+            <a:avLst>
+              <a:gd name="adj1" fmla="val 50000"/>
+            </a:avLst>
+          </a:prstGeom>
+          <a:ln>
+            <a:tailEnd type="triangle"/>
+          </a:ln>
+        </p:spPr>
+        <p:style>
+          <a:lnRef idx="1">
+            <a:schemeClr val="accent1"/>
+          </a:lnRef>
+          <a:fillRef idx="0">
+            <a:schemeClr val="accent1"/>
+          </a:fillRef>
+          <a:effectRef idx="0">
+            <a:schemeClr val="accent1"/>
+          </a:effectRef>
+          <a:fontRef idx="minor">
+            <a:schemeClr val="tx1"/>
+          </a:fontRef>
+        </p:style>
+      </p:cxnSp>
+      <p:cxnSp>
+        <p:nvCxnSpPr>
+          <p:cNvPr id="14" name="Connector: Elbow 13">
+            <a:extLst>
+              <a:ext uri="{FF2B5EF4-FFF2-40B4-BE49-F238E27FC236}">
+                <a16:creationId xmlns:a16="http://schemas.microsoft.com/office/drawing/2014/main" id="{A85EDDA6-F05E-8565-BF10-4D83721810F9}"/>
+              </a:ext>
+            </a:extLst>
+          </p:cNvPr>
+          <p:cNvCxnSpPr>
+            <a:cxnSpLocks/>
+            <a:stCxn id="8" idx="2"/>
+            <a:endCxn id="59" idx="1"/>
+          </p:cNvCxnSpPr>
+          <p:nvPr/>
+        </p:nvCxnSpPr>
+        <p:spPr>
+          <a:xfrm rot="5400000">
+            <a:off x="7644681" y="2789248"/>
+            <a:ext cx="452621" cy="3597"/>
+          </a:xfrm>
+          <a:prstGeom prst="bentConnector3">
+            <a:avLst>
+              <a:gd name="adj1" fmla="val 50000"/>
+            </a:avLst>
+          </a:prstGeom>
+          <a:ln>
+            <a:tailEnd type="triangle"/>
+          </a:ln>
+        </p:spPr>
+        <p:style>
+          <a:lnRef idx="1">
+            <a:schemeClr val="accent1"/>
+          </a:lnRef>
+          <a:fillRef idx="0">
+            <a:schemeClr val="accent1"/>
+          </a:fillRef>
+          <a:effectRef idx="0">
+            <a:schemeClr val="accent1"/>
+          </a:effectRef>
+          <a:fontRef idx="minor">
+            <a:schemeClr val="tx1"/>
+          </a:fontRef>
+        </p:style>
+      </p:cxnSp>
+      <p:sp>
+        <p:nvSpPr>
+          <p:cNvPr id="16" name="Flowchart: Internal Storage 15">
+            <a:extLst>
+              <a:ext uri="{FF2B5EF4-FFF2-40B4-BE49-F238E27FC236}">
+                <a16:creationId xmlns:a16="http://schemas.microsoft.com/office/drawing/2014/main" id="{9B1D4DB2-EB5F-279C-6463-E11A0E64C8E9}"/>
+              </a:ext>
+            </a:extLst>
+          </p:cNvPr>
+          <p:cNvSpPr/>
+          <p:nvPr/>
+        </p:nvSpPr>
+        <p:spPr>
+          <a:xfrm>
+            <a:off x="10242958" y="4927667"/>
+            <a:ext cx="1561850" cy="798990"/>
+          </a:xfrm>
+          <a:prstGeom prst="flowChartInternalStorage">
+            <a:avLst/>
+          </a:prstGeom>
+          <a:solidFill>
+            <a:srgbClr val="7030A0"/>
+          </a:solidFill>
+        </p:spPr>
+        <p:style>
+          <a:lnRef idx="2">
+            <a:schemeClr val="accent1">
+              <a:shade val="50000"/>
+            </a:schemeClr>
+          </a:lnRef>
+          <a:fillRef idx="1">
+            <a:schemeClr val="accent1"/>
+          </a:fillRef>
+          <a:effectRef idx="0">
+            <a:schemeClr val="accent1"/>
+          </a:effectRef>
+          <a:fontRef idx="minor">
+            <a:schemeClr val="lt1"/>
+          </a:fontRef>
+        </p:style>
+        <p:txBody>
+          <a:bodyPr rtlCol="0" anchor="ctr"/>
+          <a:lstStyle/>
+          <a:p>
+            <a:pPr algn="ctr"/>
+            <a:r>
+              <a:rPr lang="en-US" dirty="0"/>
+              <a:t>Dashboards</a:t>
+            </a:r>
+          </a:p>
+        </p:txBody>
+      </p:sp>
+      <p:cxnSp>
+        <p:nvCxnSpPr>
+          <p:cNvPr id="17" name="Connector: Elbow 16">
+            <a:extLst>
+              <a:ext uri="{FF2B5EF4-FFF2-40B4-BE49-F238E27FC236}">
+                <a16:creationId xmlns:a16="http://schemas.microsoft.com/office/drawing/2014/main" id="{FE7788A9-DAD1-1584-4E4D-EA63C593E2BA}"/>
+              </a:ext>
+            </a:extLst>
+          </p:cNvPr>
+          <p:cNvCxnSpPr>
+            <a:cxnSpLocks/>
+            <a:stCxn id="61" idx="3"/>
+            <a:endCxn id="16" idx="0"/>
+          </p:cNvCxnSpPr>
+          <p:nvPr/>
+        </p:nvCxnSpPr>
+        <p:spPr>
+          <a:xfrm rot="5400000">
+            <a:off x="10661642" y="4402750"/>
+            <a:ext cx="887159" cy="162675"/>
+          </a:xfrm>
+          <a:prstGeom prst="bentConnector3">
+            <a:avLst/>
+          </a:prstGeom>
+          <a:ln>
+            <a:tailEnd type="triangle"/>
+          </a:ln>
+        </p:spPr>
+        <p:style>
+          <a:lnRef idx="1">
+            <a:schemeClr val="accent1"/>
+          </a:lnRef>
+          <a:fillRef idx="0">
+            <a:schemeClr val="accent1"/>
+          </a:fillRef>
+          <a:effectRef idx="0">
+            <a:schemeClr val="accent1"/>
+          </a:effectRef>
+          <a:fontRef idx="minor">
+            <a:schemeClr val="tx1"/>
+          </a:fontRef>
+        </p:style>
+      </p:cxnSp>
+      <p:sp>
+        <p:nvSpPr>
+          <p:cNvPr id="18" name="Rectangle 17">
+            <a:extLst>
+              <a:ext uri="{FF2B5EF4-FFF2-40B4-BE49-F238E27FC236}">
+                <a16:creationId xmlns:a16="http://schemas.microsoft.com/office/drawing/2014/main" id="{D75B32BD-E280-CA81-9F71-05C8DDC149F3}"/>
+              </a:ext>
+            </a:extLst>
+          </p:cNvPr>
+          <p:cNvSpPr/>
+          <p:nvPr/>
+        </p:nvSpPr>
+        <p:spPr>
+          <a:xfrm>
+            <a:off x="560229" y="2600971"/>
+            <a:ext cx="1038687" cy="727969"/>
+          </a:xfrm>
+          <a:prstGeom prst="rect">
+            <a:avLst/>
+          </a:prstGeom>
+        </p:spPr>
+        <p:style>
+          <a:lnRef idx="2">
+            <a:schemeClr val="accent1">
+              <a:shade val="50000"/>
+            </a:schemeClr>
+          </a:lnRef>
+          <a:fillRef idx="1">
+            <a:schemeClr val="accent1"/>
+          </a:fillRef>
+          <a:effectRef idx="0">
+            <a:schemeClr val="accent1"/>
+          </a:effectRef>
+          <a:fontRef idx="minor">
+            <a:schemeClr val="lt1"/>
+          </a:fontRef>
+        </p:style>
+        <p:txBody>
+          <a:bodyPr rtlCol="0" anchor="ctr"/>
+          <a:lstStyle/>
+          <a:p>
+            <a:pPr algn="ctr"/>
+            <a:r>
+              <a:rPr lang="en-US" sz="1600" dirty="0"/>
+              <a:t>Kraken Exchange</a:t>
+            </a:r>
+          </a:p>
+        </p:txBody>
+      </p:sp>
+      <p:sp>
+        <p:nvSpPr>
+          <p:cNvPr id="47" name="Flowchart: Predefined Process 46">
+            <a:extLst>
+              <a:ext uri="{FF2B5EF4-FFF2-40B4-BE49-F238E27FC236}">
+                <a16:creationId xmlns:a16="http://schemas.microsoft.com/office/drawing/2014/main" id="{D1A79DD2-5E1C-C851-56C5-44F1F3D583A4}"/>
+              </a:ext>
+            </a:extLst>
+          </p:cNvPr>
+          <p:cNvSpPr/>
+          <p:nvPr/>
+        </p:nvSpPr>
+        <p:spPr>
+          <a:xfrm>
+            <a:off x="5078077" y="1593276"/>
+            <a:ext cx="1397497" cy="604966"/>
+          </a:xfrm>
+          <a:prstGeom prst="flowChartPredefinedProcess">
+            <a:avLst/>
+          </a:prstGeom>
+        </p:spPr>
+        <p:style>
+          <a:lnRef idx="2">
+            <a:schemeClr val="accent1">
+              <a:shade val="15000"/>
+            </a:schemeClr>
+          </a:lnRef>
+          <a:fillRef idx="1">
+            <a:schemeClr val="accent1"/>
+          </a:fillRef>
+          <a:effectRef idx="0">
+            <a:schemeClr val="accent1"/>
+          </a:effectRef>
+          <a:fontRef idx="minor">
+            <a:schemeClr val="lt1"/>
+          </a:fontRef>
+        </p:style>
+        <p:txBody>
+          <a:bodyPr rtlCol="0" anchor="ctr"/>
+          <a:lstStyle/>
+          <a:p>
+            <a:pPr algn="ctr"/>
+            <a:r>
+              <a:rPr lang="en-US" sz="1400" dirty="0"/>
+              <a:t>AWS S3</a:t>
+            </a:r>
+          </a:p>
+        </p:txBody>
+      </p:sp>
+      <p:sp>
+        <p:nvSpPr>
+          <p:cNvPr id="59" name="Cylinder 58">
+            <a:extLst>
+              <a:ext uri="{FF2B5EF4-FFF2-40B4-BE49-F238E27FC236}">
+                <a16:creationId xmlns:a16="http://schemas.microsoft.com/office/drawing/2014/main" id="{70A3C7FF-455D-A742-5B75-EC70E5BF6667}"/>
+              </a:ext>
+            </a:extLst>
+          </p:cNvPr>
+          <p:cNvSpPr/>
+          <p:nvPr/>
+        </p:nvSpPr>
+        <p:spPr>
+          <a:xfrm>
+            <a:off x="7349848" y="3017357"/>
+            <a:ext cx="1038687" cy="1023151"/>
+          </a:xfrm>
+          <a:prstGeom prst="can">
+            <a:avLst/>
+          </a:prstGeom>
+          <a:solidFill>
+            <a:schemeClr val="accent2">
+              <a:lumMod val="75000"/>
+            </a:schemeClr>
+          </a:solidFill>
+        </p:spPr>
+        <p:style>
+          <a:lnRef idx="2">
+            <a:schemeClr val="accent1">
+              <a:shade val="50000"/>
+            </a:schemeClr>
+          </a:lnRef>
+          <a:fillRef idx="1">
+            <a:schemeClr val="accent1"/>
+          </a:fillRef>
+          <a:effectRef idx="0">
+            <a:schemeClr val="accent1"/>
+          </a:effectRef>
+          <a:fontRef idx="minor">
+            <a:schemeClr val="lt1"/>
+          </a:fontRef>
+        </p:style>
+        <p:txBody>
+          <a:bodyPr rtlCol="0" anchor="ctr"/>
+          <a:lstStyle/>
+          <a:p>
+            <a:pPr algn="ctr"/>
+            <a:r>
+              <a:rPr lang="en-US" sz="1100" dirty="0"/>
+              <a:t>Catalog</a:t>
+            </a:r>
+          </a:p>
+          <a:p>
+            <a:pPr algn="ctr"/>
+            <a:r>
+              <a:rPr lang="en-US" sz="1100" dirty="0"/>
+              <a:t>(Bronze)</a:t>
+            </a:r>
+          </a:p>
+        </p:txBody>
+      </p:sp>
+      <p:sp>
+        <p:nvSpPr>
+          <p:cNvPr id="60" name="Cylinder 59">
+            <a:extLst>
+              <a:ext uri="{FF2B5EF4-FFF2-40B4-BE49-F238E27FC236}">
+                <a16:creationId xmlns:a16="http://schemas.microsoft.com/office/drawing/2014/main" id="{EDF03022-CB38-C32E-209B-BB34A008DA2E}"/>
+              </a:ext>
+            </a:extLst>
+          </p:cNvPr>
+          <p:cNvSpPr/>
+          <p:nvPr/>
+        </p:nvSpPr>
+        <p:spPr>
+          <a:xfrm>
+            <a:off x="9000313" y="3008968"/>
+            <a:ext cx="1038687" cy="1031540"/>
+          </a:xfrm>
+          <a:prstGeom prst="can">
+            <a:avLst/>
+          </a:prstGeom>
+          <a:solidFill>
+            <a:schemeClr val="accent3">
+              <a:lumMod val="60000"/>
+              <a:lumOff val="40000"/>
+            </a:schemeClr>
+          </a:solidFill>
+        </p:spPr>
+        <p:style>
+          <a:lnRef idx="2">
+            <a:schemeClr val="accent1">
+              <a:shade val="50000"/>
+            </a:schemeClr>
+          </a:lnRef>
+          <a:fillRef idx="1">
+            <a:schemeClr val="accent1"/>
+          </a:fillRef>
+          <a:effectRef idx="0">
+            <a:schemeClr val="accent1"/>
+          </a:effectRef>
+          <a:fontRef idx="minor">
+            <a:schemeClr val="lt1"/>
+          </a:fontRef>
+        </p:style>
+        <p:txBody>
+          <a:bodyPr rtlCol="0" anchor="ctr"/>
+          <a:lstStyle/>
+          <a:p>
+            <a:pPr algn="ctr"/>
+            <a:r>
+              <a:rPr lang="en-US" sz="1100" dirty="0">
+                <a:solidFill>
+                  <a:schemeClr val="tx1"/>
+                </a:solidFill>
+              </a:rPr>
+              <a:t>Catalog</a:t>
+            </a:r>
+          </a:p>
+          <a:p>
+            <a:pPr algn="ctr"/>
+            <a:r>
+              <a:rPr lang="en-US" sz="1100" dirty="0">
+                <a:solidFill>
+                  <a:schemeClr val="tx1"/>
+                </a:solidFill>
+              </a:rPr>
+              <a:t>(Silver)</a:t>
+            </a:r>
+          </a:p>
+        </p:txBody>
+      </p:sp>
+      <p:sp>
+        <p:nvSpPr>
+          <p:cNvPr id="61" name="Cylinder 60">
+            <a:extLst>
+              <a:ext uri="{FF2B5EF4-FFF2-40B4-BE49-F238E27FC236}">
+                <a16:creationId xmlns:a16="http://schemas.microsoft.com/office/drawing/2014/main" id="{6F037509-FD5A-049E-6C4E-D34BB1F5A774}"/>
+              </a:ext>
+            </a:extLst>
+          </p:cNvPr>
+          <p:cNvSpPr/>
+          <p:nvPr/>
+        </p:nvSpPr>
+        <p:spPr>
+          <a:xfrm>
+            <a:off x="10667214" y="2964955"/>
+            <a:ext cx="1038687" cy="1075553"/>
+          </a:xfrm>
+          <a:prstGeom prst="can">
+            <a:avLst/>
+          </a:prstGeom>
+          <a:solidFill>
+            <a:schemeClr val="accent4">
+              <a:lumMod val="60000"/>
+              <a:lumOff val="40000"/>
+            </a:schemeClr>
+          </a:solidFill>
+        </p:spPr>
+        <p:style>
+          <a:lnRef idx="2">
+            <a:schemeClr val="accent1">
+              <a:shade val="50000"/>
+            </a:schemeClr>
+          </a:lnRef>
+          <a:fillRef idx="1">
+            <a:schemeClr val="accent1"/>
+          </a:fillRef>
+          <a:effectRef idx="0">
+            <a:schemeClr val="accent1"/>
+          </a:effectRef>
+          <a:fontRef idx="minor">
+            <a:schemeClr val="lt1"/>
+          </a:fontRef>
+        </p:style>
+        <p:txBody>
+          <a:bodyPr rtlCol="0" anchor="ctr"/>
+          <a:lstStyle/>
+          <a:p>
+            <a:pPr algn="ctr"/>
+            <a:r>
+              <a:rPr lang="en-US" sz="1100" dirty="0">
+                <a:solidFill>
+                  <a:schemeClr val="tx1"/>
+                </a:solidFill>
+              </a:rPr>
+              <a:t>Catalog</a:t>
+            </a:r>
+          </a:p>
+          <a:p>
+            <a:pPr algn="ctr"/>
+            <a:r>
+              <a:rPr lang="en-US" sz="1100" dirty="0">
+                <a:solidFill>
+                  <a:schemeClr val="tx1"/>
+                </a:solidFill>
+              </a:rPr>
+              <a:t>(Gold)</a:t>
+            </a:r>
+          </a:p>
+        </p:txBody>
+      </p:sp>
+      <p:sp>
+        <p:nvSpPr>
+          <p:cNvPr id="35" name="Rectangle 34">
+            <a:extLst>
+              <a:ext uri="{FF2B5EF4-FFF2-40B4-BE49-F238E27FC236}">
+                <a16:creationId xmlns:a16="http://schemas.microsoft.com/office/drawing/2014/main" id="{15036C42-9471-B550-8AA9-E3112E9F8E80}"/>
+              </a:ext>
+            </a:extLst>
+          </p:cNvPr>
+          <p:cNvSpPr/>
+          <p:nvPr/>
+        </p:nvSpPr>
+        <p:spPr>
+          <a:xfrm>
+            <a:off x="8832126" y="1651600"/>
+            <a:ext cx="1180594" cy="915102"/>
+          </a:xfrm>
+          <a:prstGeom prst="rect">
+            <a:avLst/>
+          </a:prstGeom>
+        </p:spPr>
+        <p:style>
+          <a:lnRef idx="2">
+            <a:schemeClr val="accent1">
+              <a:shade val="50000"/>
+            </a:schemeClr>
+          </a:lnRef>
+          <a:fillRef idx="1">
+            <a:schemeClr val="accent1"/>
+          </a:fillRef>
+          <a:effectRef idx="0">
+            <a:schemeClr val="accent1"/>
+          </a:effectRef>
+          <a:fontRef idx="minor">
+            <a:schemeClr val="lt1"/>
+          </a:fontRef>
+        </p:style>
+        <p:txBody>
+          <a:bodyPr rtlCol="0" anchor="ctr"/>
+          <a:lstStyle/>
+          <a:p>
+            <a:pPr algn="ctr"/>
+            <a:r>
+              <a:rPr lang="en-US" sz="1400" dirty="0"/>
+              <a:t>DLT Job Scheduler </a:t>
+            </a:r>
+          </a:p>
+          <a:p>
+            <a:pPr algn="ctr"/>
+            <a:r>
+              <a:rPr lang="en-US" sz="1400" dirty="0"/>
+              <a:t>Silver</a:t>
+            </a:r>
+          </a:p>
+        </p:txBody>
+      </p:sp>
+      <p:sp>
+        <p:nvSpPr>
+          <p:cNvPr id="44" name="Rectangle 43">
+            <a:extLst>
+              <a:ext uri="{FF2B5EF4-FFF2-40B4-BE49-F238E27FC236}">
+                <a16:creationId xmlns:a16="http://schemas.microsoft.com/office/drawing/2014/main" id="{D83D413A-AE2C-27FB-057C-BF32470F1452}"/>
+              </a:ext>
+            </a:extLst>
+          </p:cNvPr>
+          <p:cNvSpPr/>
+          <p:nvPr/>
+        </p:nvSpPr>
+        <p:spPr>
+          <a:xfrm>
+            <a:off x="10302716" y="1032237"/>
+            <a:ext cx="960663" cy="586263"/>
+          </a:xfrm>
+          <a:prstGeom prst="rect">
+            <a:avLst/>
+          </a:prstGeom>
+        </p:spPr>
+        <p:style>
+          <a:lnRef idx="2">
+            <a:schemeClr val="accent1">
+              <a:shade val="50000"/>
+            </a:schemeClr>
+          </a:lnRef>
+          <a:fillRef idx="1">
+            <a:schemeClr val="accent1"/>
+          </a:fillRef>
+          <a:effectRef idx="0">
+            <a:schemeClr val="accent1"/>
+          </a:effectRef>
+          <a:fontRef idx="minor">
+            <a:schemeClr val="lt1"/>
+          </a:fontRef>
+        </p:style>
+        <p:txBody>
+          <a:bodyPr rtlCol="0" anchor="ctr"/>
+          <a:lstStyle/>
+          <a:p>
+            <a:pPr algn="ctr"/>
+            <a:r>
+              <a:rPr lang="en-US" sz="1100" dirty="0"/>
+              <a:t>DLT Job Scheduler</a:t>
+            </a:r>
+          </a:p>
+          <a:p>
+            <a:pPr algn="ctr"/>
+            <a:r>
+              <a:rPr lang="en-US" sz="1100" dirty="0"/>
+              <a:t>Dims</a:t>
+            </a:r>
+          </a:p>
+        </p:txBody>
+      </p:sp>
+      <p:cxnSp>
+        <p:nvCxnSpPr>
+          <p:cNvPr id="50" name="Connector: Elbow 49">
+            <a:extLst>
+              <a:ext uri="{FF2B5EF4-FFF2-40B4-BE49-F238E27FC236}">
+                <a16:creationId xmlns:a16="http://schemas.microsoft.com/office/drawing/2014/main" id="{BD3B004F-477A-50E2-2D7B-93A0D5F3712E}"/>
+              </a:ext>
+            </a:extLst>
+          </p:cNvPr>
+          <p:cNvCxnSpPr>
+            <a:cxnSpLocks/>
+            <a:stCxn id="59" idx="4"/>
+            <a:endCxn id="35" idx="1"/>
+          </p:cNvCxnSpPr>
+          <p:nvPr/>
+        </p:nvCxnSpPr>
+        <p:spPr>
+          <a:xfrm flipV="1">
+            <a:off x="8388535" y="2109151"/>
+            <a:ext cx="443591" cy="1419782"/>
+          </a:xfrm>
+          <a:prstGeom prst="bentConnector3">
+            <a:avLst>
+              <a:gd name="adj1" fmla="val 50000"/>
+            </a:avLst>
+          </a:prstGeom>
+          <a:ln>
+            <a:tailEnd type="triangle"/>
+          </a:ln>
+        </p:spPr>
+        <p:style>
+          <a:lnRef idx="1">
+            <a:schemeClr val="accent1"/>
+          </a:lnRef>
+          <a:fillRef idx="0">
+            <a:schemeClr val="accent1"/>
+          </a:fillRef>
+          <a:effectRef idx="0">
+            <a:schemeClr val="accent1"/>
+          </a:effectRef>
+          <a:fontRef idx="minor">
+            <a:schemeClr val="tx1"/>
+          </a:fontRef>
+        </p:style>
+      </p:cxnSp>
+      <p:cxnSp>
+        <p:nvCxnSpPr>
+          <p:cNvPr id="53" name="Connector: Elbow 52">
+            <a:extLst>
+              <a:ext uri="{FF2B5EF4-FFF2-40B4-BE49-F238E27FC236}">
+                <a16:creationId xmlns:a16="http://schemas.microsoft.com/office/drawing/2014/main" id="{2B6AF1CB-B629-C757-C512-304E0AF88A19}"/>
+              </a:ext>
+            </a:extLst>
+          </p:cNvPr>
+          <p:cNvCxnSpPr>
+            <a:cxnSpLocks/>
+            <a:stCxn id="35" idx="2"/>
+            <a:endCxn id="60" idx="1"/>
+          </p:cNvCxnSpPr>
+          <p:nvPr/>
+        </p:nvCxnSpPr>
+        <p:spPr>
+          <a:xfrm rot="16200000" flipH="1">
+            <a:off x="9249907" y="2739218"/>
+            <a:ext cx="442266" cy="97234"/>
+          </a:xfrm>
+          <a:prstGeom prst="bentConnector3">
+            <a:avLst>
+              <a:gd name="adj1" fmla="val 50000"/>
+            </a:avLst>
+          </a:prstGeom>
+          <a:ln>
+            <a:tailEnd type="triangle"/>
+          </a:ln>
+        </p:spPr>
+        <p:style>
+          <a:lnRef idx="1">
+            <a:schemeClr val="accent1"/>
+          </a:lnRef>
+          <a:fillRef idx="0">
+            <a:schemeClr val="accent1"/>
+          </a:fillRef>
+          <a:effectRef idx="0">
+            <a:schemeClr val="accent1"/>
+          </a:effectRef>
+          <a:fontRef idx="minor">
+            <a:schemeClr val="tx1"/>
+          </a:fontRef>
+        </p:style>
+      </p:cxnSp>
+      <p:cxnSp>
+        <p:nvCxnSpPr>
+          <p:cNvPr id="56" name="Connector: Elbow 55">
+            <a:extLst>
+              <a:ext uri="{FF2B5EF4-FFF2-40B4-BE49-F238E27FC236}">
+                <a16:creationId xmlns:a16="http://schemas.microsoft.com/office/drawing/2014/main" id="{EF475445-41EB-846D-AF3F-004FF87E2ECF}"/>
+              </a:ext>
+            </a:extLst>
+          </p:cNvPr>
+          <p:cNvCxnSpPr>
+            <a:cxnSpLocks/>
+            <a:stCxn id="60" idx="4"/>
+            <a:endCxn id="44" idx="1"/>
+          </p:cNvCxnSpPr>
+          <p:nvPr/>
+        </p:nvCxnSpPr>
+        <p:spPr>
+          <a:xfrm flipV="1">
+            <a:off x="10039000" y="1325369"/>
+            <a:ext cx="263716" cy="2199369"/>
+          </a:xfrm>
+          <a:prstGeom prst="bentConnector3">
+            <a:avLst>
+              <a:gd name="adj1" fmla="val 50000"/>
+            </a:avLst>
+          </a:prstGeom>
+          <a:ln>
+            <a:tailEnd type="triangle"/>
+          </a:ln>
+        </p:spPr>
+        <p:style>
+          <a:lnRef idx="1">
+            <a:schemeClr val="accent1"/>
+          </a:lnRef>
+          <a:fillRef idx="0">
+            <a:schemeClr val="accent1"/>
+          </a:fillRef>
+          <a:effectRef idx="0">
+            <a:schemeClr val="accent1"/>
+          </a:effectRef>
+          <a:fontRef idx="minor">
+            <a:schemeClr val="tx1"/>
+          </a:fontRef>
+        </p:style>
+      </p:cxnSp>
+      <p:cxnSp>
+        <p:nvCxnSpPr>
+          <p:cNvPr id="65" name="Connector: Elbow 64">
+            <a:extLst>
+              <a:ext uri="{FF2B5EF4-FFF2-40B4-BE49-F238E27FC236}">
+                <a16:creationId xmlns:a16="http://schemas.microsoft.com/office/drawing/2014/main" id="{AB3DB5C1-71C2-B576-B4CE-BE63253BB4C9}"/>
+              </a:ext>
+            </a:extLst>
+          </p:cNvPr>
+          <p:cNvCxnSpPr>
+            <a:cxnSpLocks/>
+            <a:stCxn id="44" idx="2"/>
+            <a:endCxn id="61" idx="1"/>
+          </p:cNvCxnSpPr>
+          <p:nvPr/>
+        </p:nvCxnSpPr>
+        <p:spPr>
+          <a:xfrm rot="16200000" flipH="1">
+            <a:off x="10311576" y="2089972"/>
+            <a:ext cx="1346455" cy="403510"/>
+          </a:xfrm>
+          <a:prstGeom prst="bentConnector3">
+            <a:avLst>
+              <a:gd name="adj1" fmla="val 50000"/>
+            </a:avLst>
+          </a:prstGeom>
+          <a:ln>
+            <a:tailEnd type="triangle"/>
+          </a:ln>
+        </p:spPr>
+        <p:style>
+          <a:lnRef idx="1">
+            <a:schemeClr val="accent1"/>
+          </a:lnRef>
+          <a:fillRef idx="0">
+            <a:schemeClr val="accent1"/>
+          </a:fillRef>
+          <a:effectRef idx="0">
+            <a:schemeClr val="accent1"/>
+          </a:effectRef>
+          <a:fontRef idx="minor">
+            <a:schemeClr val="tx1"/>
+          </a:fontRef>
+        </p:style>
+      </p:cxnSp>
+      <p:cxnSp>
+        <p:nvCxnSpPr>
+          <p:cNvPr id="6" name="Connector: Elbow 5">
+            <a:extLst>
+              <a:ext uri="{FF2B5EF4-FFF2-40B4-BE49-F238E27FC236}">
+                <a16:creationId xmlns:a16="http://schemas.microsoft.com/office/drawing/2014/main" id="{AC917C68-D142-FE06-4AB5-52DFF01B17BA}"/>
+              </a:ext>
+            </a:extLst>
+          </p:cNvPr>
+          <p:cNvCxnSpPr>
+            <a:cxnSpLocks/>
+            <a:stCxn id="4" idx="3"/>
+            <a:endCxn id="29" idx="1"/>
+          </p:cNvCxnSpPr>
+          <p:nvPr/>
+        </p:nvCxnSpPr>
+        <p:spPr>
+          <a:xfrm>
+            <a:off x="1604834" y="1890944"/>
+            <a:ext cx="767677" cy="19477"/>
+          </a:xfrm>
+          <a:prstGeom prst="bentConnector3">
+            <a:avLst>
+              <a:gd name="adj1" fmla="val 50000"/>
+            </a:avLst>
+          </a:prstGeom>
+          <a:ln>
+            <a:headEnd type="triangle"/>
+            <a:tailEnd type="triangle"/>
+          </a:ln>
+        </p:spPr>
+        <p:style>
+          <a:lnRef idx="1">
+            <a:schemeClr val="accent1"/>
+          </a:lnRef>
+          <a:fillRef idx="0">
+            <a:schemeClr val="accent1"/>
+          </a:fillRef>
+          <a:effectRef idx="0">
+            <a:schemeClr val="accent1"/>
+          </a:effectRef>
+          <a:fontRef idx="minor">
+            <a:schemeClr val="tx1"/>
+          </a:fontRef>
+        </p:style>
+      </p:cxnSp>
+      <p:cxnSp>
+        <p:nvCxnSpPr>
+          <p:cNvPr id="13" name="Connector: Elbow 12">
+            <a:extLst>
+              <a:ext uri="{FF2B5EF4-FFF2-40B4-BE49-F238E27FC236}">
+                <a16:creationId xmlns:a16="http://schemas.microsoft.com/office/drawing/2014/main" id="{316C20D6-F472-6570-D304-4632AA4D4694}"/>
+              </a:ext>
+            </a:extLst>
+          </p:cNvPr>
+          <p:cNvCxnSpPr>
+            <a:cxnSpLocks/>
+            <a:stCxn id="18" idx="3"/>
+            <a:endCxn id="32" idx="1"/>
+          </p:cNvCxnSpPr>
+          <p:nvPr/>
+        </p:nvCxnSpPr>
+        <p:spPr>
+          <a:xfrm flipV="1">
+            <a:off x="1598916" y="2955154"/>
+            <a:ext cx="750297" cy="9802"/>
+          </a:xfrm>
+          <a:prstGeom prst="bentConnector3">
+            <a:avLst>
+              <a:gd name="adj1" fmla="val 50000"/>
+            </a:avLst>
+          </a:prstGeom>
+          <a:ln>
+            <a:headEnd type="triangle"/>
+            <a:tailEnd type="triangle"/>
+          </a:ln>
+        </p:spPr>
+        <p:style>
+          <a:lnRef idx="1">
+            <a:schemeClr val="accent1"/>
+          </a:lnRef>
+          <a:fillRef idx="0">
+            <a:schemeClr val="accent1"/>
+          </a:fillRef>
+          <a:effectRef idx="0">
+            <a:schemeClr val="accent1"/>
+          </a:effectRef>
+          <a:fontRef idx="minor">
+            <a:schemeClr val="tx1"/>
+          </a:fontRef>
+        </p:style>
+      </p:cxnSp>
+      <p:sp>
+        <p:nvSpPr>
+          <p:cNvPr id="29" name="Rectangle 28">
+            <a:extLst>
+              <a:ext uri="{FF2B5EF4-FFF2-40B4-BE49-F238E27FC236}">
+                <a16:creationId xmlns:a16="http://schemas.microsoft.com/office/drawing/2014/main" id="{EAC9D6AD-C387-47F2-08BB-2D565842C2B2}"/>
+              </a:ext>
+            </a:extLst>
+          </p:cNvPr>
+          <p:cNvSpPr/>
+          <p:nvPr/>
+        </p:nvSpPr>
+        <p:spPr>
+          <a:xfrm>
+            <a:off x="2372511" y="1584944"/>
+            <a:ext cx="1038687" cy="650953"/>
+          </a:xfrm>
+          <a:prstGeom prst="rect">
+            <a:avLst/>
+          </a:prstGeom>
+        </p:spPr>
+        <p:style>
+          <a:lnRef idx="2">
+            <a:schemeClr val="accent1">
+              <a:shade val="50000"/>
+            </a:schemeClr>
+          </a:lnRef>
+          <a:fillRef idx="1">
+            <a:schemeClr val="accent1"/>
+          </a:fillRef>
+          <a:effectRef idx="0">
+            <a:schemeClr val="accent1"/>
+          </a:effectRef>
+          <a:fontRef idx="minor">
+            <a:schemeClr val="lt1"/>
+          </a:fontRef>
+        </p:style>
+        <p:txBody>
+          <a:bodyPr rtlCol="0" anchor="ctr"/>
+          <a:lstStyle/>
+          <a:p>
+            <a:pPr algn="ctr"/>
+            <a:r>
+              <a:rPr lang="en-US" sz="1200" dirty="0"/>
+              <a:t>AWS </a:t>
+            </a:r>
+            <a:r>
+              <a:rPr lang="en-US" sz="1200" dirty="0" err="1"/>
+              <a:t>EventBridge</a:t>
+            </a:r>
+            <a:r>
+              <a:rPr lang="en-US" sz="1200" dirty="0"/>
+              <a:t> Scheduler</a:t>
+            </a:r>
+          </a:p>
+        </p:txBody>
+      </p:sp>
+      <p:sp>
+        <p:nvSpPr>
+          <p:cNvPr id="32" name="Rectangle 31">
+            <a:extLst>
+              <a:ext uri="{FF2B5EF4-FFF2-40B4-BE49-F238E27FC236}">
+                <a16:creationId xmlns:a16="http://schemas.microsoft.com/office/drawing/2014/main" id="{561E9D7B-FEDA-55F7-51E8-7D33FE484948}"/>
+              </a:ext>
+            </a:extLst>
+          </p:cNvPr>
+          <p:cNvSpPr/>
+          <p:nvPr/>
+        </p:nvSpPr>
+        <p:spPr>
+          <a:xfrm>
+            <a:off x="2349213" y="2629677"/>
+            <a:ext cx="1038687" cy="650953"/>
+          </a:xfrm>
+          <a:prstGeom prst="rect">
+            <a:avLst/>
+          </a:prstGeom>
+        </p:spPr>
+        <p:style>
+          <a:lnRef idx="2">
+            <a:schemeClr val="accent1">
+              <a:shade val="50000"/>
+            </a:schemeClr>
+          </a:lnRef>
+          <a:fillRef idx="1">
+            <a:schemeClr val="accent1"/>
+          </a:fillRef>
+          <a:effectRef idx="0">
+            <a:schemeClr val="accent1"/>
+          </a:effectRef>
+          <a:fontRef idx="minor">
+            <a:schemeClr val="lt1"/>
+          </a:fontRef>
+        </p:style>
+        <p:txBody>
+          <a:bodyPr rtlCol="0" anchor="ctr"/>
+          <a:lstStyle/>
+          <a:p>
+            <a:pPr algn="ctr"/>
+            <a:r>
+              <a:rPr lang="en-US" sz="1200" dirty="0"/>
+              <a:t>AWS </a:t>
+            </a:r>
+            <a:r>
+              <a:rPr lang="en-US" sz="1200" dirty="0" err="1"/>
+              <a:t>EventBridge</a:t>
+            </a:r>
+            <a:r>
+              <a:rPr lang="en-US" sz="1200" dirty="0"/>
+              <a:t> Scheduler</a:t>
+            </a:r>
+          </a:p>
+        </p:txBody>
+      </p:sp>
+      <p:cxnSp>
+        <p:nvCxnSpPr>
+          <p:cNvPr id="40" name="Connector: Elbow 39">
+            <a:extLst>
+              <a:ext uri="{FF2B5EF4-FFF2-40B4-BE49-F238E27FC236}">
+                <a16:creationId xmlns:a16="http://schemas.microsoft.com/office/drawing/2014/main" id="{1F3562BB-90C4-9138-068D-11D636F13A39}"/>
+              </a:ext>
+            </a:extLst>
+          </p:cNvPr>
+          <p:cNvCxnSpPr>
+            <a:cxnSpLocks/>
+            <a:stCxn id="29" idx="3"/>
+            <a:endCxn id="5" idx="0"/>
+          </p:cNvCxnSpPr>
+          <p:nvPr/>
+        </p:nvCxnSpPr>
+        <p:spPr>
+          <a:xfrm>
+            <a:off x="3411198" y="1910421"/>
+            <a:ext cx="825692" cy="151554"/>
+          </a:xfrm>
+          <a:prstGeom prst="bentConnector2">
+            <a:avLst/>
+          </a:prstGeom>
+          <a:ln>
+            <a:tailEnd type="triangle"/>
+          </a:ln>
+        </p:spPr>
+        <p:style>
+          <a:lnRef idx="1">
+            <a:schemeClr val="accent1"/>
+          </a:lnRef>
+          <a:fillRef idx="0">
+            <a:schemeClr val="accent1"/>
+          </a:fillRef>
+          <a:effectRef idx="0">
+            <a:schemeClr val="accent1"/>
+          </a:effectRef>
+          <a:fontRef idx="minor">
+            <a:schemeClr val="tx1"/>
+          </a:fontRef>
+        </p:style>
+      </p:cxnSp>
+      <p:cxnSp>
+        <p:nvCxnSpPr>
+          <p:cNvPr id="43" name="Connector: Elbow 42">
+            <a:extLst>
+              <a:ext uri="{FF2B5EF4-FFF2-40B4-BE49-F238E27FC236}">
+                <a16:creationId xmlns:a16="http://schemas.microsoft.com/office/drawing/2014/main" id="{DE062134-25F3-1454-5259-BE2743D778E4}"/>
+              </a:ext>
+            </a:extLst>
+          </p:cNvPr>
+          <p:cNvCxnSpPr>
+            <a:cxnSpLocks/>
+            <a:stCxn id="32" idx="3"/>
+            <a:endCxn id="5" idx="2"/>
+          </p:cNvCxnSpPr>
+          <p:nvPr/>
+        </p:nvCxnSpPr>
+        <p:spPr>
+          <a:xfrm flipV="1">
+            <a:off x="3387900" y="2738734"/>
+            <a:ext cx="848990" cy="216420"/>
+          </a:xfrm>
+          <a:prstGeom prst="bentConnector2">
+            <a:avLst/>
+          </a:prstGeom>
+          <a:ln>
+            <a:tailEnd type="triangle"/>
+          </a:ln>
+        </p:spPr>
+        <p:style>
+          <a:lnRef idx="1">
+            <a:schemeClr val="accent1"/>
+          </a:lnRef>
+          <a:fillRef idx="0">
+            <a:schemeClr val="accent1"/>
+          </a:fillRef>
+          <a:effectRef idx="0">
+            <a:schemeClr val="accent1"/>
+          </a:effectRef>
+          <a:fontRef idx="minor">
+            <a:schemeClr val="tx1"/>
+          </a:fontRef>
+        </p:style>
+      </p:cxnSp>
+      <p:sp>
+        <p:nvSpPr>
+          <p:cNvPr id="52" name="TextBox 51">
+            <a:extLst>
+              <a:ext uri="{FF2B5EF4-FFF2-40B4-BE49-F238E27FC236}">
+                <a16:creationId xmlns:a16="http://schemas.microsoft.com/office/drawing/2014/main" id="{F754F059-E859-36CE-33ED-9BB2C77022F7}"/>
+              </a:ext>
+            </a:extLst>
+          </p:cNvPr>
+          <p:cNvSpPr txBox="1"/>
+          <p:nvPr/>
+        </p:nvSpPr>
+        <p:spPr>
+          <a:xfrm>
+            <a:off x="1686069" y="1768266"/>
+            <a:ext cx="526106" cy="215444"/>
+          </a:xfrm>
+          <a:prstGeom prst="rect">
+            <a:avLst/>
+          </a:prstGeom>
+          <a:noFill/>
+        </p:spPr>
+        <p:txBody>
+          <a:bodyPr wrap="none" rtlCol="0">
+            <a:spAutoFit/>
           </a:bodyPr>
           <a:lstStyle/>
           <a:p>
-            <a:pPr algn="l"/>
-            <a:r>
-              <a:rPr lang="en-US" dirty="0"/>
-              <a:t>Ingestion</a:t>
-            </a:r>
-          </a:p>
-          <a:p>
-            <a:pPr lvl="1"/>
-            <a:r>
-              <a:rPr lang="en-US" dirty="0"/>
-              <a:t>NestJS, Typescript Handler</a:t>
-            </a:r>
-          </a:p>
-          <a:p>
-            <a:pPr lvl="1"/>
-            <a:r>
-              <a:rPr lang="en-US" dirty="0"/>
-              <a:t>AWS Lambda</a:t>
-            </a:r>
-          </a:p>
-          <a:p>
-            <a:pPr lvl="1"/>
-            <a:r>
-              <a:rPr lang="en-US" dirty="0"/>
-              <a:t>AWS </a:t>
-            </a:r>
-            <a:r>
-              <a:rPr lang="en-US" dirty="0" err="1"/>
-              <a:t>EventBridge</a:t>
-            </a:r>
-            <a:r>
-              <a:rPr lang="en-US" dirty="0"/>
-              <a:t> Scheduler</a:t>
-            </a:r>
-          </a:p>
-          <a:p>
-            <a:pPr algn="l"/>
-            <a:r>
-              <a:rPr lang="en-US" dirty="0"/>
-              <a:t>ELT</a:t>
-            </a:r>
-          </a:p>
-          <a:p>
-            <a:pPr lvl="1"/>
-            <a:r>
-              <a:rPr lang="en-US" dirty="0"/>
-              <a:t>Databricks</a:t>
-            </a:r>
-          </a:p>
-          <a:p>
-            <a:pPr lvl="1"/>
-            <a:r>
-              <a:rPr lang="en-US" dirty="0"/>
-              <a:t>Delta Live Tables</a:t>
-            </a:r>
-          </a:p>
-          <a:p>
-            <a:pPr lvl="2"/>
-            <a:r>
-              <a:rPr lang="en-US" dirty="0"/>
-              <a:t>Framework to build reliable, automated declarative ETL pipelines.</a:t>
-            </a:r>
-          </a:p>
-          <a:p>
-            <a:pPr algn="l"/>
-            <a:r>
-              <a:rPr lang="en-US" dirty="0"/>
-              <a:t>Visualization</a:t>
-            </a:r>
-          </a:p>
-          <a:p>
-            <a:pPr lvl="1"/>
-            <a:r>
-              <a:rPr lang="en-US" dirty="0"/>
-              <a:t>Tableau</a:t>
-            </a:r>
-            <a:endParaRPr lang="en-US" sz="2400" dirty="0"/>
-          </a:p>
-          <a:p>
+            <a:r>
+              <a:rPr lang="en-US" sz="800" dirty="0"/>
+              <a:t>Rest API</a:t>
+            </a:r>
+            <a:endParaRPr lang="en-US" dirty="0"/>
+          </a:p>
+        </p:txBody>
+      </p:sp>
+      <p:sp>
+        <p:nvSpPr>
+          <p:cNvPr id="54" name="TextBox 53">
+            <a:extLst>
+              <a:ext uri="{FF2B5EF4-FFF2-40B4-BE49-F238E27FC236}">
+                <a16:creationId xmlns:a16="http://schemas.microsoft.com/office/drawing/2014/main" id="{E74704A1-B85B-1F7C-E5C8-F0E1E45FDE45}"/>
+              </a:ext>
+            </a:extLst>
+          </p:cNvPr>
+          <p:cNvSpPr txBox="1"/>
+          <p:nvPr/>
+        </p:nvSpPr>
+        <p:spPr>
+          <a:xfrm>
+            <a:off x="1686069" y="2794922"/>
+            <a:ext cx="526106" cy="215444"/>
+          </a:xfrm>
+          <a:prstGeom prst="rect">
+            <a:avLst/>
+          </a:prstGeom>
+          <a:noFill/>
+        </p:spPr>
+        <p:txBody>
+          <a:bodyPr wrap="none" rtlCol="0">
+            <a:spAutoFit/>
+          </a:bodyPr>
+          <a:lstStyle/>
+          <a:p>
+            <a:r>
+              <a:rPr lang="en-US" sz="800" dirty="0"/>
+              <a:t>Rest API</a:t>
+            </a:r>
+            <a:endParaRPr lang="en-US" dirty="0"/>
+          </a:p>
+        </p:txBody>
+      </p:sp>
+      <p:sp>
+        <p:nvSpPr>
+          <p:cNvPr id="55" name="TextBox 54">
+            <a:extLst>
+              <a:ext uri="{FF2B5EF4-FFF2-40B4-BE49-F238E27FC236}">
+                <a16:creationId xmlns:a16="http://schemas.microsoft.com/office/drawing/2014/main" id="{FD281CB0-971F-5A1D-7C0B-5FF6534D94B5}"/>
+              </a:ext>
+            </a:extLst>
+          </p:cNvPr>
+          <p:cNvSpPr txBox="1"/>
+          <p:nvPr/>
+        </p:nvSpPr>
+        <p:spPr>
+          <a:xfrm>
+            <a:off x="5162505" y="2224404"/>
+            <a:ext cx="1241045" cy="215444"/>
+          </a:xfrm>
+          <a:prstGeom prst="rect">
+            <a:avLst/>
+          </a:prstGeom>
+          <a:noFill/>
+        </p:spPr>
+        <p:txBody>
+          <a:bodyPr wrap="none" rtlCol="0">
+            <a:spAutoFit/>
+          </a:bodyPr>
+          <a:lstStyle/>
+          <a:p>
+            <a:r>
+              <a:rPr lang="en-US" sz="800" dirty="0"/>
+              <a:t>Raw Response Data JSON</a:t>
+            </a:r>
+            <a:endParaRPr lang="en-US" dirty="0"/>
+          </a:p>
+        </p:txBody>
+      </p:sp>
+      <p:sp>
+        <p:nvSpPr>
+          <p:cNvPr id="58" name="TextBox 57">
+            <a:extLst>
+              <a:ext uri="{FF2B5EF4-FFF2-40B4-BE49-F238E27FC236}">
+                <a16:creationId xmlns:a16="http://schemas.microsoft.com/office/drawing/2014/main" id="{4126AE16-CB5C-D311-8972-F143218972C3}"/>
+              </a:ext>
+            </a:extLst>
+          </p:cNvPr>
+          <p:cNvSpPr txBox="1"/>
+          <p:nvPr/>
+        </p:nvSpPr>
+        <p:spPr>
+          <a:xfrm>
+            <a:off x="7285952" y="2561183"/>
+            <a:ext cx="1039067" cy="461665"/>
+          </a:xfrm>
+          <a:prstGeom prst="rect">
+            <a:avLst/>
+          </a:prstGeom>
+          <a:noFill/>
+        </p:spPr>
+        <p:txBody>
+          <a:bodyPr wrap="none" rtlCol="0">
+            <a:spAutoFit/>
+          </a:bodyPr>
+          <a:lstStyle/>
+          <a:p>
+            <a:r>
+              <a:rPr lang="en-US" sz="800" dirty="0"/>
+              <a:t>Enhanced Raw </a:t>
+            </a:r>
+          </a:p>
+          <a:p>
+            <a:r>
+              <a:rPr lang="en-US" sz="800" dirty="0"/>
+              <a:t>Response Data JSON</a:t>
+            </a:r>
+          </a:p>
+          <a:p>
+            <a:r>
+              <a:rPr lang="en-US" sz="800" dirty="0"/>
+              <a:t>1 row per poll</a:t>
+            </a:r>
+            <a:endParaRPr lang="en-US" dirty="0"/>
+          </a:p>
+        </p:txBody>
+      </p:sp>
+      <p:sp>
+        <p:nvSpPr>
+          <p:cNvPr id="67" name="Rectangle 66">
+            <a:extLst>
+              <a:ext uri="{FF2B5EF4-FFF2-40B4-BE49-F238E27FC236}">
+                <a16:creationId xmlns:a16="http://schemas.microsoft.com/office/drawing/2014/main" id="{34DE75C0-A235-288C-DD25-3EC8E3F3C6C9}"/>
+              </a:ext>
+            </a:extLst>
+          </p:cNvPr>
+          <p:cNvSpPr/>
+          <p:nvPr/>
+        </p:nvSpPr>
+        <p:spPr>
+          <a:xfrm>
+            <a:off x="10753765" y="1563080"/>
+            <a:ext cx="960663" cy="586263"/>
+          </a:xfrm>
+          <a:prstGeom prst="rect">
+            <a:avLst/>
+          </a:prstGeom>
+        </p:spPr>
+        <p:style>
+          <a:lnRef idx="2">
+            <a:schemeClr val="accent1">
+              <a:shade val="50000"/>
+            </a:schemeClr>
+          </a:lnRef>
+          <a:fillRef idx="1">
+            <a:schemeClr val="accent1"/>
+          </a:fillRef>
+          <a:effectRef idx="0">
+            <a:schemeClr val="accent1"/>
+          </a:effectRef>
+          <a:fontRef idx="minor">
+            <a:schemeClr val="lt1"/>
+          </a:fontRef>
+        </p:style>
+        <p:txBody>
+          <a:bodyPr rtlCol="0" anchor="ctr"/>
+          <a:lstStyle/>
+          <a:p>
+            <a:pPr algn="ctr"/>
+            <a:r>
+              <a:rPr lang="en-US" sz="1100" dirty="0"/>
+              <a:t>DLT Job Scheduler</a:t>
+            </a:r>
+          </a:p>
+          <a:p>
+            <a:pPr algn="ctr"/>
+            <a:r>
+              <a:rPr lang="en-US" sz="1100" dirty="0"/>
+              <a:t>Facts</a:t>
+            </a:r>
+          </a:p>
+        </p:txBody>
+      </p:sp>
+      <p:sp>
+        <p:nvSpPr>
+          <p:cNvPr id="68" name="Rectangle 67">
+            <a:extLst>
+              <a:ext uri="{FF2B5EF4-FFF2-40B4-BE49-F238E27FC236}">
+                <a16:creationId xmlns:a16="http://schemas.microsoft.com/office/drawing/2014/main" id="{7F93F58D-352D-4B32-7052-6AAAE76A060D}"/>
+              </a:ext>
+            </a:extLst>
+          </p:cNvPr>
+          <p:cNvSpPr/>
+          <p:nvPr/>
+        </p:nvSpPr>
+        <p:spPr>
+          <a:xfrm>
+            <a:off x="10954599" y="2088784"/>
+            <a:ext cx="960663" cy="586263"/>
+          </a:xfrm>
+          <a:prstGeom prst="rect">
+            <a:avLst/>
+          </a:prstGeom>
+        </p:spPr>
+        <p:style>
+          <a:lnRef idx="2">
+            <a:schemeClr val="accent1">
+              <a:shade val="50000"/>
+            </a:schemeClr>
+          </a:lnRef>
+          <a:fillRef idx="1">
+            <a:schemeClr val="accent1"/>
+          </a:fillRef>
+          <a:effectRef idx="0">
+            <a:schemeClr val="accent1"/>
+          </a:effectRef>
+          <a:fontRef idx="minor">
+            <a:schemeClr val="lt1"/>
+          </a:fontRef>
+        </p:style>
+        <p:txBody>
+          <a:bodyPr rtlCol="0" anchor="ctr"/>
+          <a:lstStyle/>
+          <a:p>
+            <a:pPr algn="ctr"/>
+            <a:r>
+              <a:rPr lang="en-US" sz="1100" dirty="0"/>
+              <a:t>DLT Job Scheduler</a:t>
+            </a:r>
+          </a:p>
+          <a:p>
+            <a:pPr algn="ctr"/>
+            <a:r>
+              <a:rPr lang="en-US" sz="1100" dirty="0"/>
+              <a:t>Aggregates</a:t>
+            </a:r>
+          </a:p>
+        </p:txBody>
+      </p:sp>
+      <p:sp>
+        <p:nvSpPr>
+          <p:cNvPr id="77" name="TextBox 76">
+            <a:extLst>
+              <a:ext uri="{FF2B5EF4-FFF2-40B4-BE49-F238E27FC236}">
+                <a16:creationId xmlns:a16="http://schemas.microsoft.com/office/drawing/2014/main" id="{E1BB76F3-6881-99E5-6262-A6CD4168F265}"/>
+              </a:ext>
+            </a:extLst>
+          </p:cNvPr>
+          <p:cNvSpPr txBox="1"/>
+          <p:nvPr/>
+        </p:nvSpPr>
+        <p:spPr>
+          <a:xfrm>
+            <a:off x="8895642" y="2618558"/>
+            <a:ext cx="1039067" cy="338554"/>
+          </a:xfrm>
+          <a:prstGeom prst="rect">
+            <a:avLst/>
+          </a:prstGeom>
+          <a:noFill/>
+        </p:spPr>
+        <p:txBody>
+          <a:bodyPr wrap="none" rtlCol="0">
+            <a:spAutoFit/>
+          </a:bodyPr>
+          <a:lstStyle/>
+          <a:p>
+            <a:r>
+              <a:rPr lang="en-US" sz="800" dirty="0"/>
+              <a:t>Transformed data</a:t>
+            </a:r>
+          </a:p>
+          <a:p>
+            <a:r>
+              <a:rPr lang="en-US" sz="800" dirty="0"/>
+              <a:t>One row per ask/bid</a:t>
+            </a:r>
+            <a:endParaRPr lang="en-US" dirty="0"/>
+          </a:p>
+        </p:txBody>
+      </p:sp>
+      <p:sp>
+        <p:nvSpPr>
+          <p:cNvPr id="78" name="TextBox 77">
+            <a:extLst>
+              <a:ext uri="{FF2B5EF4-FFF2-40B4-BE49-F238E27FC236}">
+                <a16:creationId xmlns:a16="http://schemas.microsoft.com/office/drawing/2014/main" id="{AD8AC990-27BC-49AF-4C24-2D86B190A2A8}"/>
+              </a:ext>
+            </a:extLst>
+          </p:cNvPr>
+          <p:cNvSpPr txBox="1"/>
+          <p:nvPr/>
+        </p:nvSpPr>
+        <p:spPr>
+          <a:xfrm>
+            <a:off x="10318111" y="2704236"/>
+            <a:ext cx="1249060" cy="215444"/>
+          </a:xfrm>
+          <a:prstGeom prst="rect">
+            <a:avLst/>
+          </a:prstGeom>
+          <a:noFill/>
+        </p:spPr>
+        <p:txBody>
+          <a:bodyPr wrap="none" rtlCol="0">
+            <a:spAutoFit/>
+          </a:bodyPr>
+          <a:lstStyle/>
+          <a:p>
+            <a:r>
+              <a:rPr lang="en-US" sz="800" dirty="0"/>
+              <a:t>Star Schema / Aggregates</a:t>
+            </a:r>
+          </a:p>
+        </p:txBody>
+      </p:sp>
+      <p:sp>
+        <p:nvSpPr>
+          <p:cNvPr id="79" name="TextBox 78">
+            <a:extLst>
+              <a:ext uri="{FF2B5EF4-FFF2-40B4-BE49-F238E27FC236}">
+                <a16:creationId xmlns:a16="http://schemas.microsoft.com/office/drawing/2014/main" id="{7A6B618D-843D-7D23-D35C-7A695D865083}"/>
+              </a:ext>
+            </a:extLst>
+          </p:cNvPr>
+          <p:cNvSpPr txBox="1"/>
+          <p:nvPr/>
+        </p:nvSpPr>
+        <p:spPr>
+          <a:xfrm>
+            <a:off x="3616366" y="2768512"/>
+            <a:ext cx="1436612" cy="215444"/>
+          </a:xfrm>
+          <a:prstGeom prst="rect">
+            <a:avLst/>
+          </a:prstGeom>
+          <a:noFill/>
+        </p:spPr>
+        <p:txBody>
+          <a:bodyPr wrap="none" rtlCol="0">
+            <a:spAutoFit/>
+          </a:bodyPr>
+          <a:lstStyle/>
+          <a:p>
+            <a:r>
+              <a:rPr lang="en-US" sz="800" dirty="0"/>
+              <a:t>Invoke </a:t>
+            </a:r>
+            <a:r>
+              <a:rPr lang="en-US" sz="800" dirty="0" err="1"/>
+              <a:t>api</a:t>
+            </a:r>
+            <a:r>
+              <a:rPr lang="en-US" sz="800" dirty="0"/>
+              <a:t> and store response</a:t>
+            </a:r>
             <a:endParaRPr lang="en-US" dirty="0"/>
           </a:p>
         </p:txBody>
@@ -5769,7 +6752,7 @@
     </p:spTree>
     <p:extLst>
       <p:ext uri="{BB962C8B-B14F-4D97-AF65-F5344CB8AC3E}">
-        <p14:creationId xmlns:p14="http://schemas.microsoft.com/office/powerpoint/2010/main" val="3726950466"/>
+        <p14:creationId xmlns:p14="http://schemas.microsoft.com/office/powerpoint/2010/main" val="329968169"/>
       </p:ext>
     </p:extLst>
   </p:cSld>
@@ -5801,7 +6784,7 @@
           <p:cNvPr id="2" name="Title 1">
             <a:extLst>
               <a:ext uri="{FF2B5EF4-FFF2-40B4-BE49-F238E27FC236}">
-                <a16:creationId xmlns:a16="http://schemas.microsoft.com/office/drawing/2014/main" id="{F001CD00-8105-88BA-CC44-93B860304EB7}"/>
+                <a16:creationId xmlns:a16="http://schemas.microsoft.com/office/drawing/2014/main" id="{F313DD48-008B-1A9C-AAC8-5F15F3F9B8B1}"/>
               </a:ext>
             </a:extLst>
           </p:cNvPr>
@@ -5819,82 +6802,1015 @@
           <a:p>
             <a:r>
               <a:rPr lang="en-US" dirty="0"/>
-              <a:t>Considerations</a:t>
-            </a:r>
-          </a:p>
-        </p:txBody>
-      </p:sp>
-      <p:sp>
-        <p:nvSpPr>
-          <p:cNvPr id="3" name="Content Placeholder 2">
-            <a:extLst>
-              <a:ext uri="{FF2B5EF4-FFF2-40B4-BE49-F238E27FC236}">
-                <a16:creationId xmlns:a16="http://schemas.microsoft.com/office/drawing/2014/main" id="{CCE2C36C-5C16-A321-5FFA-51E0E6C858D9}"/>
-              </a:ext>
-            </a:extLst>
-          </p:cNvPr>
-          <p:cNvSpPr>
-            <a:spLocks noGrp="1"/>
-          </p:cNvSpPr>
-          <p:nvPr>
-            <p:ph idx="1"/>
-          </p:nvPr>
-        </p:nvSpPr>
-        <p:spPr/>
-        <p:txBody>
-          <a:bodyPr/>
-          <a:lstStyle/>
-          <a:p>
-            <a:pPr lvl="1" algn="l"/>
-            <a:r>
-              <a:rPr lang="en-US" sz="2800" dirty="0"/>
-              <a:t>Scalability</a:t>
-            </a:r>
-          </a:p>
-          <a:p>
-            <a:pPr lvl="1" algn="l"/>
-            <a:r>
-              <a:rPr lang="en-US" sz="2800" dirty="0"/>
-              <a:t>Security</a:t>
-            </a:r>
-          </a:p>
-          <a:p>
-            <a:pPr lvl="1" algn="l"/>
-            <a:r>
-              <a:rPr lang="en-US" sz="2800" dirty="0"/>
-              <a:t>Privacy</a:t>
-            </a:r>
-          </a:p>
-          <a:p>
-            <a:pPr lvl="1" algn="l"/>
-            <a:r>
-              <a:rPr lang="en-US" sz="2800" dirty="0"/>
-              <a:t>CI/CD</a:t>
-            </a:r>
-          </a:p>
-          <a:p>
-            <a:pPr lvl="1" algn="l"/>
-            <a:r>
-              <a:rPr lang="en-US" sz="2800" dirty="0"/>
-              <a:t>Automated Testing</a:t>
-            </a:r>
-          </a:p>
-          <a:p>
-            <a:pPr lvl="1" algn="l"/>
-            <a:r>
-              <a:rPr lang="en-US" sz="2800" dirty="0"/>
-              <a:t>Monitoring</a:t>
-            </a:r>
-          </a:p>
-          <a:p>
+              <a:t>Data Model </a:t>
+            </a:r>
+            <a:r>
+              <a:rPr lang="en-US" sz="1800" dirty="0"/>
+              <a:t>(Medallion arch)</a:t>
+            </a:r>
             <a:endParaRPr lang="en-US" dirty="0"/>
+          </a:p>
+        </p:txBody>
+      </p:sp>
+      <p:sp>
+        <p:nvSpPr>
+          <p:cNvPr id="5" name="Rectangle 4">
+            <a:extLst>
+              <a:ext uri="{FF2B5EF4-FFF2-40B4-BE49-F238E27FC236}">
+                <a16:creationId xmlns:a16="http://schemas.microsoft.com/office/drawing/2014/main" id="{A8770932-899B-8090-FB41-0DE9B9E7CF0A}"/>
+              </a:ext>
+            </a:extLst>
+          </p:cNvPr>
+          <p:cNvSpPr/>
+          <p:nvPr/>
+        </p:nvSpPr>
+        <p:spPr>
+          <a:xfrm>
+            <a:off x="3230503" y="1411710"/>
+            <a:ext cx="2584918" cy="2522726"/>
+          </a:xfrm>
+          <a:prstGeom prst="rect">
+            <a:avLst/>
+          </a:prstGeom>
+          <a:solidFill>
+            <a:schemeClr val="tx2">
+              <a:lumMod val="40000"/>
+              <a:lumOff val="60000"/>
+            </a:schemeClr>
+          </a:solidFill>
+        </p:spPr>
+        <p:style>
+          <a:lnRef idx="2">
+            <a:schemeClr val="accent1">
+              <a:shade val="50000"/>
+            </a:schemeClr>
+          </a:lnRef>
+          <a:fillRef idx="1">
+            <a:schemeClr val="accent1"/>
+          </a:fillRef>
+          <a:effectRef idx="0">
+            <a:schemeClr val="accent1"/>
+          </a:effectRef>
+          <a:fontRef idx="minor">
+            <a:schemeClr val="lt1"/>
+          </a:fontRef>
+        </p:style>
+        <p:txBody>
+          <a:bodyPr rtlCol="0" anchor="t"/>
+          <a:lstStyle/>
+          <a:p>
+            <a:r>
+              <a:rPr lang="en-US" dirty="0">
+                <a:solidFill>
+                  <a:schemeClr val="tx1"/>
+                </a:solidFill>
+              </a:rPr>
+              <a:t>Order Book Silver</a:t>
+            </a:r>
+          </a:p>
+          <a:p>
+            <a:r>
+              <a:rPr lang="en-US" sz="1100" dirty="0">
+                <a:solidFill>
+                  <a:schemeClr val="tx1"/>
+                </a:solidFill>
+              </a:rPr>
+              <a:t>Format: Delta Table (Structured/Cleaned/Normalized)</a:t>
+            </a:r>
+          </a:p>
+          <a:p>
+            <a:endParaRPr lang="en-US" sz="1100" dirty="0">
+              <a:solidFill>
+                <a:schemeClr val="tx1"/>
+              </a:solidFill>
+            </a:endParaRPr>
+          </a:p>
+          <a:p>
+            <a:r>
+              <a:rPr lang="en-US" sz="1100" dirty="0">
+                <a:solidFill>
+                  <a:schemeClr val="tx1"/>
+                </a:solidFill>
+              </a:rPr>
+              <a:t>Exchange: String</a:t>
+            </a:r>
+          </a:p>
+          <a:p>
+            <a:r>
+              <a:rPr lang="en-US" sz="1100" dirty="0">
+                <a:solidFill>
+                  <a:schemeClr val="tx1"/>
+                </a:solidFill>
+              </a:rPr>
+              <a:t>Product: String</a:t>
+            </a:r>
+          </a:p>
+          <a:p>
+            <a:r>
+              <a:rPr lang="en-US" sz="1100" dirty="0">
+                <a:solidFill>
+                  <a:schemeClr val="tx1"/>
+                </a:solidFill>
+              </a:rPr>
+              <a:t>Time: </a:t>
+            </a:r>
+            <a:r>
+              <a:rPr lang="en-US" sz="1100" dirty="0" err="1">
+                <a:solidFill>
+                  <a:schemeClr val="tx1"/>
+                </a:solidFill>
+              </a:rPr>
+              <a:t>DateTime</a:t>
+            </a:r>
+            <a:endParaRPr lang="en-US" sz="1100" dirty="0">
+              <a:solidFill>
+                <a:schemeClr val="tx1"/>
+              </a:solidFill>
+            </a:endParaRPr>
+          </a:p>
+          <a:p>
+            <a:r>
+              <a:rPr lang="en-US" sz="1100" dirty="0">
+                <a:solidFill>
+                  <a:schemeClr val="tx1"/>
+                </a:solidFill>
+              </a:rPr>
+              <a:t>Bids: Array of</a:t>
+            </a:r>
+            <a:r>
+              <a:rPr lang="en-US" sz="1000" dirty="0">
+                <a:solidFill>
+                  <a:schemeClr val="tx1"/>
+                </a:solidFill>
+              </a:rPr>
+              <a:t> [Price, </a:t>
+            </a:r>
+            <a:r>
+              <a:rPr lang="en-US" sz="1000" dirty="0" err="1">
+                <a:solidFill>
+                  <a:schemeClr val="tx1"/>
+                </a:solidFill>
+              </a:rPr>
+              <a:t>TotalQty</a:t>
+            </a:r>
+            <a:r>
+              <a:rPr lang="en-US" sz="1000" dirty="0">
+                <a:solidFill>
+                  <a:schemeClr val="tx1"/>
+                </a:solidFill>
+              </a:rPr>
+              <a:t>, </a:t>
+            </a:r>
+            <a:r>
+              <a:rPr lang="en-US" sz="1000" dirty="0" err="1">
+                <a:solidFill>
+                  <a:schemeClr val="tx1"/>
+                </a:solidFill>
+              </a:rPr>
+              <a:t>NumOrders</a:t>
+            </a:r>
+            <a:r>
+              <a:rPr lang="en-US" sz="1000" dirty="0">
+                <a:solidFill>
+                  <a:schemeClr val="tx1"/>
+                </a:solidFill>
+              </a:rPr>
+              <a:t>]</a:t>
+            </a:r>
+            <a:endParaRPr lang="en-US" sz="1100" dirty="0">
+              <a:solidFill>
+                <a:schemeClr val="tx1"/>
+              </a:solidFill>
+            </a:endParaRPr>
+          </a:p>
+          <a:p>
+            <a:r>
+              <a:rPr lang="en-US" sz="1100" dirty="0">
+                <a:solidFill>
+                  <a:schemeClr val="tx1"/>
+                </a:solidFill>
+              </a:rPr>
+              <a:t>Asks: Array of</a:t>
+            </a:r>
+            <a:r>
+              <a:rPr lang="en-US" sz="1000" dirty="0">
+                <a:solidFill>
+                  <a:schemeClr val="tx1"/>
+                </a:solidFill>
+              </a:rPr>
+              <a:t> [Price, </a:t>
+            </a:r>
+            <a:r>
+              <a:rPr lang="en-US" sz="1000" dirty="0" err="1">
+                <a:solidFill>
+                  <a:schemeClr val="tx1"/>
+                </a:solidFill>
+              </a:rPr>
+              <a:t>TotalQty</a:t>
+            </a:r>
+            <a:r>
+              <a:rPr lang="en-US" sz="1000" dirty="0">
+                <a:solidFill>
+                  <a:schemeClr val="tx1"/>
+                </a:solidFill>
+              </a:rPr>
+              <a:t>, </a:t>
+            </a:r>
+            <a:r>
+              <a:rPr lang="en-US" sz="1000" dirty="0" err="1">
+                <a:solidFill>
+                  <a:schemeClr val="tx1"/>
+                </a:solidFill>
+              </a:rPr>
+              <a:t>NumOrders</a:t>
+            </a:r>
+            <a:r>
+              <a:rPr lang="en-US" sz="1000" dirty="0">
+                <a:solidFill>
+                  <a:schemeClr val="tx1"/>
+                </a:solidFill>
+              </a:rPr>
+              <a:t>]</a:t>
+            </a:r>
+            <a:endParaRPr lang="en-US" sz="1100" dirty="0">
+              <a:solidFill>
+                <a:schemeClr val="tx1"/>
+              </a:solidFill>
+            </a:endParaRPr>
+          </a:p>
+          <a:p>
+            <a:r>
+              <a:rPr lang="en-US" sz="1100" dirty="0">
+                <a:solidFill>
+                  <a:schemeClr val="tx1"/>
+                </a:solidFill>
+              </a:rPr>
+              <a:t>Sequence: Number</a:t>
+            </a:r>
+          </a:p>
+          <a:p>
+            <a:endParaRPr lang="en-US" sz="1100" dirty="0"/>
+          </a:p>
+        </p:txBody>
+      </p:sp>
+      <p:sp>
+        <p:nvSpPr>
+          <p:cNvPr id="6" name="Rectangle 5">
+            <a:extLst>
+              <a:ext uri="{FF2B5EF4-FFF2-40B4-BE49-F238E27FC236}">
+                <a16:creationId xmlns:a16="http://schemas.microsoft.com/office/drawing/2014/main" id="{D3E4DC4E-F724-C494-22E7-141EEB5B1BBE}"/>
+              </a:ext>
+            </a:extLst>
+          </p:cNvPr>
+          <p:cNvSpPr/>
+          <p:nvPr/>
+        </p:nvSpPr>
+        <p:spPr>
+          <a:xfrm>
+            <a:off x="6215112" y="1429013"/>
+            <a:ext cx="2238914" cy="2522726"/>
+          </a:xfrm>
+          <a:prstGeom prst="rect">
+            <a:avLst/>
+          </a:prstGeom>
+          <a:solidFill>
+            <a:schemeClr val="accent4">
+              <a:lumMod val="75000"/>
+            </a:schemeClr>
+          </a:solidFill>
+        </p:spPr>
+        <p:style>
+          <a:lnRef idx="2">
+            <a:schemeClr val="accent1">
+              <a:shade val="50000"/>
+            </a:schemeClr>
+          </a:lnRef>
+          <a:fillRef idx="1">
+            <a:schemeClr val="accent1"/>
+          </a:fillRef>
+          <a:effectRef idx="0">
+            <a:schemeClr val="accent1"/>
+          </a:effectRef>
+          <a:fontRef idx="minor">
+            <a:schemeClr val="lt1"/>
+          </a:fontRef>
+        </p:style>
+        <p:txBody>
+          <a:bodyPr rtlCol="0" anchor="t"/>
+          <a:lstStyle/>
+          <a:p>
+            <a:r>
+              <a:rPr lang="en-US" dirty="0"/>
+              <a:t>Fact Order Book Gold</a:t>
+            </a:r>
+          </a:p>
+          <a:p>
+            <a:r>
+              <a:rPr lang="en-US" sz="1100" dirty="0"/>
+              <a:t>Format: Delta Table (Structured/Cleaned/Expanded)</a:t>
+            </a:r>
+          </a:p>
+          <a:p>
+            <a:endParaRPr lang="en-US" sz="1100" dirty="0"/>
+          </a:p>
+          <a:p>
+            <a:r>
+              <a:rPr lang="en-US" sz="1100" dirty="0" err="1"/>
+              <a:t>ExchangeId</a:t>
+            </a:r>
+            <a:r>
+              <a:rPr lang="en-US" sz="1100" dirty="0"/>
+              <a:t>: UUID</a:t>
+            </a:r>
+          </a:p>
+          <a:p>
+            <a:r>
+              <a:rPr lang="en-US" sz="1100" dirty="0" err="1"/>
+              <a:t>ProductId</a:t>
+            </a:r>
+            <a:r>
+              <a:rPr lang="en-US" sz="1100" dirty="0"/>
+              <a:t>: UUID</a:t>
+            </a:r>
+          </a:p>
+          <a:p>
+            <a:r>
+              <a:rPr lang="en-US" sz="1100" dirty="0" err="1"/>
+              <a:t>OrderTypeId</a:t>
+            </a:r>
+            <a:r>
+              <a:rPr lang="en-US" sz="1100" dirty="0"/>
+              <a:t>: UUID </a:t>
+            </a:r>
+          </a:p>
+          <a:p>
+            <a:r>
+              <a:rPr lang="en-US" sz="1100" dirty="0" err="1"/>
+              <a:t>PollId</a:t>
+            </a:r>
+            <a:r>
+              <a:rPr lang="en-US" sz="1100" dirty="0"/>
+              <a:t>: UUID </a:t>
+            </a:r>
+          </a:p>
+          <a:p>
+            <a:r>
+              <a:rPr lang="en-US" sz="1100" dirty="0"/>
+              <a:t>Price: Number</a:t>
+            </a:r>
+          </a:p>
+          <a:p>
+            <a:r>
+              <a:rPr lang="en-US" sz="1100" dirty="0" err="1"/>
+              <a:t>TotalQty</a:t>
+            </a:r>
+            <a:r>
+              <a:rPr lang="en-US" sz="1100" dirty="0"/>
+              <a:t>: Number</a:t>
+            </a:r>
+          </a:p>
+          <a:p>
+            <a:r>
+              <a:rPr lang="en-US" sz="1100" dirty="0" err="1"/>
+              <a:t>NumOrders</a:t>
+            </a:r>
+            <a:r>
+              <a:rPr lang="en-US" sz="1100" dirty="0"/>
+              <a:t>: Number</a:t>
+            </a:r>
+          </a:p>
+        </p:txBody>
+      </p:sp>
+      <p:sp>
+        <p:nvSpPr>
+          <p:cNvPr id="3" name="Rectangle 2">
+            <a:extLst>
+              <a:ext uri="{FF2B5EF4-FFF2-40B4-BE49-F238E27FC236}">
+                <a16:creationId xmlns:a16="http://schemas.microsoft.com/office/drawing/2014/main" id="{31770DE5-0A0C-1ABC-8099-3FF089C400DC}"/>
+              </a:ext>
+            </a:extLst>
+          </p:cNvPr>
+          <p:cNvSpPr/>
+          <p:nvPr/>
+        </p:nvSpPr>
+        <p:spPr>
+          <a:xfrm>
+            <a:off x="838200" y="1411711"/>
+            <a:ext cx="2030835" cy="2522726"/>
+          </a:xfrm>
+          <a:prstGeom prst="rect">
+            <a:avLst/>
+          </a:prstGeom>
+          <a:solidFill>
+            <a:schemeClr val="accent2"/>
+          </a:solidFill>
+        </p:spPr>
+        <p:style>
+          <a:lnRef idx="2">
+            <a:schemeClr val="accent1">
+              <a:shade val="50000"/>
+            </a:schemeClr>
+          </a:lnRef>
+          <a:fillRef idx="1">
+            <a:schemeClr val="accent1"/>
+          </a:fillRef>
+          <a:effectRef idx="0">
+            <a:schemeClr val="accent1"/>
+          </a:effectRef>
+          <a:fontRef idx="minor">
+            <a:schemeClr val="lt1"/>
+          </a:fontRef>
+        </p:style>
+        <p:txBody>
+          <a:bodyPr rtlCol="0" anchor="t"/>
+          <a:lstStyle/>
+          <a:p>
+            <a:r>
+              <a:rPr lang="en-US" dirty="0"/>
+              <a:t>Order Book Bronze</a:t>
+            </a:r>
+          </a:p>
+          <a:p>
+            <a:r>
+              <a:rPr lang="en-US" sz="1100" dirty="0"/>
+              <a:t>Format: Delta Table (JSON)</a:t>
+            </a:r>
+          </a:p>
+          <a:p>
+            <a:endParaRPr lang="en-US" sz="1100" dirty="0"/>
+          </a:p>
+          <a:p>
+            <a:r>
+              <a:rPr lang="en-US" sz="1100" dirty="0"/>
+              <a:t>Exchange: String</a:t>
+            </a:r>
+          </a:p>
+          <a:p>
+            <a:r>
+              <a:rPr lang="en-US" sz="1100" dirty="0"/>
+              <a:t>Product: String</a:t>
+            </a:r>
+          </a:p>
+          <a:p>
+            <a:r>
+              <a:rPr lang="en-US" sz="1100" dirty="0"/>
+              <a:t>Asks: String (</a:t>
+            </a:r>
+            <a:r>
+              <a:rPr lang="en-US" sz="1100" dirty="0" err="1"/>
+              <a:t>json</a:t>
+            </a:r>
+            <a:r>
+              <a:rPr lang="en-US" sz="1100" dirty="0"/>
+              <a:t> array)</a:t>
+            </a:r>
+          </a:p>
+          <a:p>
+            <a:r>
+              <a:rPr lang="en-US" sz="1100" dirty="0"/>
+              <a:t>Auction: String</a:t>
+            </a:r>
+          </a:p>
+          <a:p>
+            <a:r>
+              <a:rPr lang="en-US" sz="1100" dirty="0" err="1"/>
+              <a:t>Auction_mode</a:t>
+            </a:r>
+            <a:r>
+              <a:rPr lang="en-US" sz="1100" dirty="0"/>
+              <a:t>: String</a:t>
+            </a:r>
+          </a:p>
+          <a:p>
+            <a:r>
+              <a:rPr lang="en-US" sz="1100" dirty="0"/>
+              <a:t>Bids: String (</a:t>
+            </a:r>
+            <a:r>
+              <a:rPr lang="en-US" sz="1100" dirty="0" err="1"/>
+              <a:t>json</a:t>
+            </a:r>
+            <a:r>
+              <a:rPr lang="en-US" sz="1100" dirty="0"/>
+              <a:t> array)</a:t>
+            </a:r>
+          </a:p>
+          <a:p>
+            <a:r>
+              <a:rPr lang="en-US" sz="1100" dirty="0"/>
+              <a:t>Sequence: String</a:t>
+            </a:r>
+          </a:p>
+          <a:p>
+            <a:r>
+              <a:rPr lang="en-US" sz="1100" dirty="0"/>
+              <a:t>Time: String</a:t>
+            </a:r>
+          </a:p>
+        </p:txBody>
+      </p:sp>
+      <p:sp>
+        <p:nvSpPr>
+          <p:cNvPr id="7" name="Rectangle 6">
+            <a:extLst>
+              <a:ext uri="{FF2B5EF4-FFF2-40B4-BE49-F238E27FC236}">
+                <a16:creationId xmlns:a16="http://schemas.microsoft.com/office/drawing/2014/main" id="{8EEB9D9B-4B3F-3DD7-94D6-262EDB1B844C}"/>
+              </a:ext>
+            </a:extLst>
+          </p:cNvPr>
+          <p:cNvSpPr/>
+          <p:nvPr/>
+        </p:nvSpPr>
+        <p:spPr>
+          <a:xfrm>
+            <a:off x="5815421" y="4043494"/>
+            <a:ext cx="1519148" cy="972133"/>
+          </a:xfrm>
+          <a:prstGeom prst="rect">
+            <a:avLst/>
+          </a:prstGeom>
+          <a:solidFill>
+            <a:schemeClr val="accent4">
+              <a:lumMod val="75000"/>
+            </a:schemeClr>
+          </a:solidFill>
+        </p:spPr>
+        <p:style>
+          <a:lnRef idx="2">
+            <a:schemeClr val="accent1">
+              <a:shade val="50000"/>
+            </a:schemeClr>
+          </a:lnRef>
+          <a:fillRef idx="1">
+            <a:schemeClr val="accent1"/>
+          </a:fillRef>
+          <a:effectRef idx="0">
+            <a:schemeClr val="accent1"/>
+          </a:effectRef>
+          <a:fontRef idx="minor">
+            <a:schemeClr val="lt1"/>
+          </a:fontRef>
+        </p:style>
+        <p:txBody>
+          <a:bodyPr rtlCol="0" anchor="t"/>
+          <a:lstStyle/>
+          <a:p>
+            <a:r>
+              <a:rPr lang="en-US" sz="1200" dirty="0" err="1"/>
+              <a:t>DimExchange</a:t>
+            </a:r>
+            <a:r>
+              <a:rPr lang="en-US" sz="1200" dirty="0"/>
+              <a:t> Gold</a:t>
+            </a:r>
+          </a:p>
+          <a:p>
+            <a:r>
+              <a:rPr lang="en-US" sz="1000" dirty="0"/>
+              <a:t>Format: Delta Table</a:t>
+            </a:r>
+          </a:p>
+          <a:p>
+            <a:endParaRPr lang="en-US" sz="1000" dirty="0"/>
+          </a:p>
+          <a:p>
+            <a:r>
+              <a:rPr lang="en-US" sz="1000" dirty="0"/>
+              <a:t>Id: UUID</a:t>
+            </a:r>
+          </a:p>
+          <a:p>
+            <a:r>
+              <a:rPr lang="en-US" sz="1000" dirty="0"/>
+              <a:t>Name: String</a:t>
+            </a:r>
+          </a:p>
+        </p:txBody>
+      </p:sp>
+      <p:sp>
+        <p:nvSpPr>
+          <p:cNvPr id="8" name="Rectangle 7">
+            <a:extLst>
+              <a:ext uri="{FF2B5EF4-FFF2-40B4-BE49-F238E27FC236}">
+                <a16:creationId xmlns:a16="http://schemas.microsoft.com/office/drawing/2014/main" id="{CF3827E0-34B9-0197-F6C9-4AC1F183DFF4}"/>
+              </a:ext>
+            </a:extLst>
+          </p:cNvPr>
+          <p:cNvSpPr/>
+          <p:nvPr/>
+        </p:nvSpPr>
+        <p:spPr>
+          <a:xfrm>
+            <a:off x="7638918" y="4043494"/>
+            <a:ext cx="1488304" cy="972133"/>
+          </a:xfrm>
+          <a:prstGeom prst="rect">
+            <a:avLst/>
+          </a:prstGeom>
+          <a:solidFill>
+            <a:schemeClr val="accent4">
+              <a:lumMod val="75000"/>
+            </a:schemeClr>
+          </a:solidFill>
+        </p:spPr>
+        <p:style>
+          <a:lnRef idx="2">
+            <a:schemeClr val="accent1">
+              <a:shade val="50000"/>
+            </a:schemeClr>
+          </a:lnRef>
+          <a:fillRef idx="1">
+            <a:schemeClr val="accent1"/>
+          </a:fillRef>
+          <a:effectRef idx="0">
+            <a:schemeClr val="accent1"/>
+          </a:effectRef>
+          <a:fontRef idx="minor">
+            <a:schemeClr val="lt1"/>
+          </a:fontRef>
+        </p:style>
+        <p:txBody>
+          <a:bodyPr rtlCol="0" anchor="t"/>
+          <a:lstStyle/>
+          <a:p>
+            <a:r>
+              <a:rPr lang="en-US" sz="1400" dirty="0" err="1"/>
+              <a:t>DimProduct</a:t>
+            </a:r>
+            <a:r>
+              <a:rPr lang="en-US" sz="1400" dirty="0"/>
+              <a:t> Gold</a:t>
+            </a:r>
+          </a:p>
+          <a:p>
+            <a:r>
+              <a:rPr lang="en-US" sz="1000" dirty="0"/>
+              <a:t>Format: Delta Table</a:t>
+            </a:r>
+          </a:p>
+          <a:p>
+            <a:endParaRPr lang="en-US" sz="1000" dirty="0"/>
+          </a:p>
+          <a:p>
+            <a:r>
+              <a:rPr lang="en-US" sz="1000" dirty="0"/>
+              <a:t>Id: UUID</a:t>
+            </a:r>
+          </a:p>
+          <a:p>
+            <a:r>
+              <a:rPr lang="en-US" sz="1000" dirty="0"/>
+              <a:t>Name: String</a:t>
+            </a:r>
+          </a:p>
+        </p:txBody>
+      </p:sp>
+      <p:sp>
+        <p:nvSpPr>
+          <p:cNvPr id="9" name="Rectangle 8">
+            <a:extLst>
+              <a:ext uri="{FF2B5EF4-FFF2-40B4-BE49-F238E27FC236}">
+                <a16:creationId xmlns:a16="http://schemas.microsoft.com/office/drawing/2014/main" id="{70F88471-3460-0B34-0284-27928EBAB2FD}"/>
+              </a:ext>
+            </a:extLst>
+          </p:cNvPr>
+          <p:cNvSpPr/>
+          <p:nvPr/>
+        </p:nvSpPr>
+        <p:spPr>
+          <a:xfrm>
+            <a:off x="5815421" y="5124685"/>
+            <a:ext cx="1519148" cy="1088529"/>
+          </a:xfrm>
+          <a:prstGeom prst="rect">
+            <a:avLst/>
+          </a:prstGeom>
+          <a:solidFill>
+            <a:schemeClr val="accent4">
+              <a:lumMod val="75000"/>
+            </a:schemeClr>
+          </a:solidFill>
+        </p:spPr>
+        <p:style>
+          <a:lnRef idx="2">
+            <a:schemeClr val="accent1">
+              <a:shade val="50000"/>
+            </a:schemeClr>
+          </a:lnRef>
+          <a:fillRef idx="1">
+            <a:schemeClr val="accent1"/>
+          </a:fillRef>
+          <a:effectRef idx="0">
+            <a:schemeClr val="accent1"/>
+          </a:effectRef>
+          <a:fontRef idx="minor">
+            <a:schemeClr val="lt1"/>
+          </a:fontRef>
+        </p:style>
+        <p:txBody>
+          <a:bodyPr rtlCol="0" anchor="t"/>
+          <a:lstStyle/>
+          <a:p>
+            <a:r>
+              <a:rPr lang="en-US" sz="1200" dirty="0" err="1"/>
+              <a:t>DimOrderType</a:t>
+            </a:r>
+            <a:r>
+              <a:rPr lang="en-US" sz="1200" dirty="0"/>
+              <a:t> Gold</a:t>
+            </a:r>
+          </a:p>
+          <a:p>
+            <a:r>
+              <a:rPr lang="en-US" sz="1000" dirty="0"/>
+              <a:t>Format: Delta Table</a:t>
+            </a:r>
+          </a:p>
+          <a:p>
+            <a:r>
+              <a:rPr lang="en-US" sz="1000" dirty="0"/>
+              <a:t>(Bid/Ask)</a:t>
+            </a:r>
+          </a:p>
+          <a:p>
+            <a:endParaRPr lang="en-US" sz="1000" dirty="0"/>
+          </a:p>
+          <a:p>
+            <a:r>
+              <a:rPr lang="en-US" sz="1000" dirty="0"/>
+              <a:t>Id: UUID</a:t>
+            </a:r>
+          </a:p>
+          <a:p>
+            <a:r>
+              <a:rPr lang="en-US" sz="1000" dirty="0"/>
+              <a:t>Type: String</a:t>
+            </a:r>
+          </a:p>
+        </p:txBody>
+      </p:sp>
+      <p:sp>
+        <p:nvSpPr>
+          <p:cNvPr id="10" name="Rectangle 9">
+            <a:extLst>
+              <a:ext uri="{FF2B5EF4-FFF2-40B4-BE49-F238E27FC236}">
+                <a16:creationId xmlns:a16="http://schemas.microsoft.com/office/drawing/2014/main" id="{0991B8DD-8BEA-BC0A-4000-947F2AC7CA15}"/>
+              </a:ext>
+            </a:extLst>
+          </p:cNvPr>
+          <p:cNvSpPr/>
+          <p:nvPr/>
+        </p:nvSpPr>
+        <p:spPr>
+          <a:xfrm>
+            <a:off x="7638918" y="5134384"/>
+            <a:ext cx="1488304" cy="1078830"/>
+          </a:xfrm>
+          <a:prstGeom prst="rect">
+            <a:avLst/>
+          </a:prstGeom>
+          <a:solidFill>
+            <a:schemeClr val="accent4">
+              <a:lumMod val="75000"/>
+            </a:schemeClr>
+          </a:solidFill>
+        </p:spPr>
+        <p:style>
+          <a:lnRef idx="2">
+            <a:schemeClr val="accent1">
+              <a:shade val="50000"/>
+            </a:schemeClr>
+          </a:lnRef>
+          <a:fillRef idx="1">
+            <a:schemeClr val="accent1"/>
+          </a:fillRef>
+          <a:effectRef idx="0">
+            <a:schemeClr val="accent1"/>
+          </a:effectRef>
+          <a:fontRef idx="minor">
+            <a:schemeClr val="lt1"/>
+          </a:fontRef>
+        </p:style>
+        <p:txBody>
+          <a:bodyPr rtlCol="0" anchor="t"/>
+          <a:lstStyle/>
+          <a:p>
+            <a:r>
+              <a:rPr lang="en-US" sz="1400" dirty="0" err="1"/>
+              <a:t>DimPollInfo</a:t>
+            </a:r>
+            <a:r>
+              <a:rPr lang="en-US" sz="1400" dirty="0"/>
+              <a:t> Gold</a:t>
+            </a:r>
+          </a:p>
+          <a:p>
+            <a:r>
+              <a:rPr lang="en-US" sz="1000" dirty="0"/>
+              <a:t>Format: Delta Table</a:t>
+            </a:r>
+          </a:p>
+          <a:p>
+            <a:endParaRPr lang="en-US" sz="1000" dirty="0"/>
+          </a:p>
+          <a:p>
+            <a:r>
+              <a:rPr lang="en-US" sz="1000" dirty="0"/>
+              <a:t>Id: UUID</a:t>
+            </a:r>
+          </a:p>
+          <a:p>
+            <a:r>
+              <a:rPr lang="en-US" sz="1000" dirty="0"/>
+              <a:t>Time: </a:t>
+            </a:r>
+            <a:r>
+              <a:rPr lang="en-US" sz="1000" dirty="0" err="1"/>
+              <a:t>DateTime</a:t>
+            </a:r>
+            <a:endParaRPr lang="en-US" sz="1000" dirty="0"/>
+          </a:p>
+          <a:p>
+            <a:r>
+              <a:rPr lang="en-US" sz="1000" dirty="0"/>
+              <a:t>Sequence: Number</a:t>
+            </a:r>
+          </a:p>
+        </p:txBody>
+      </p:sp>
+      <p:sp>
+        <p:nvSpPr>
+          <p:cNvPr id="11" name="Rectangle 10">
+            <a:extLst>
+              <a:ext uri="{FF2B5EF4-FFF2-40B4-BE49-F238E27FC236}">
+                <a16:creationId xmlns:a16="http://schemas.microsoft.com/office/drawing/2014/main" id="{CC847FE6-75E2-0C5C-7831-B53BE0CDDAF2}"/>
+              </a:ext>
+            </a:extLst>
+          </p:cNvPr>
+          <p:cNvSpPr/>
+          <p:nvPr/>
+        </p:nvSpPr>
+        <p:spPr>
+          <a:xfrm>
+            <a:off x="9645285" y="1357093"/>
+            <a:ext cx="2238914" cy="3458187"/>
+          </a:xfrm>
+          <a:prstGeom prst="rect">
+            <a:avLst/>
+          </a:prstGeom>
+          <a:solidFill>
+            <a:schemeClr val="accent4">
+              <a:lumMod val="75000"/>
+            </a:schemeClr>
+          </a:solidFill>
+        </p:spPr>
+        <p:style>
+          <a:lnRef idx="2">
+            <a:schemeClr val="accent1">
+              <a:shade val="50000"/>
+            </a:schemeClr>
+          </a:lnRef>
+          <a:fillRef idx="1">
+            <a:schemeClr val="accent1"/>
+          </a:fillRef>
+          <a:effectRef idx="0">
+            <a:schemeClr val="accent1"/>
+          </a:effectRef>
+          <a:fontRef idx="minor">
+            <a:schemeClr val="lt1"/>
+          </a:fontRef>
+        </p:style>
+        <p:txBody>
+          <a:bodyPr rtlCol="0" anchor="t"/>
+          <a:lstStyle/>
+          <a:p>
+            <a:r>
+              <a:rPr lang="en-US" dirty="0" err="1"/>
+              <a:t>RunningAggregates</a:t>
+            </a:r>
+            <a:r>
+              <a:rPr lang="en-US" sz="1200" dirty="0"/>
+              <a:t> Gold</a:t>
+            </a:r>
+            <a:endParaRPr lang="en-US" dirty="0"/>
+          </a:p>
+          <a:p>
+            <a:r>
+              <a:rPr lang="en-US" sz="1100" dirty="0"/>
+              <a:t>Format: Delta Table (Aggregate)</a:t>
+            </a:r>
+          </a:p>
+          <a:p>
+            <a:endParaRPr lang="en-US" sz="1100" dirty="0"/>
+          </a:p>
+          <a:p>
+            <a:r>
+              <a:rPr lang="en-US" sz="1100" dirty="0"/>
+              <a:t>Exchange: String</a:t>
+            </a:r>
+          </a:p>
+          <a:p>
+            <a:r>
+              <a:rPr lang="en-US" sz="1100" dirty="0"/>
+              <a:t>Product: String</a:t>
+            </a:r>
+          </a:p>
+          <a:p>
+            <a:r>
+              <a:rPr lang="en-US" sz="1100" dirty="0" err="1"/>
+              <a:t>OrderType</a:t>
+            </a:r>
+            <a:r>
+              <a:rPr lang="en-US" sz="1100" dirty="0"/>
+              <a:t>: String</a:t>
+            </a:r>
+          </a:p>
+          <a:p>
+            <a:r>
+              <a:rPr lang="en-US" sz="1100" dirty="0"/>
+              <a:t>Time: </a:t>
+            </a:r>
+            <a:r>
+              <a:rPr lang="en-US" sz="1100" dirty="0" err="1"/>
+              <a:t>DateTime</a:t>
+            </a:r>
+            <a:endParaRPr lang="en-US" sz="1100" dirty="0"/>
+          </a:p>
+          <a:p>
+            <a:r>
+              <a:rPr lang="en-US" sz="1100" dirty="0"/>
+              <a:t>Price: Number</a:t>
+            </a:r>
+          </a:p>
+          <a:p>
+            <a:r>
+              <a:rPr lang="en-US" sz="1100" dirty="0" err="1"/>
+              <a:t>TotalQty</a:t>
+            </a:r>
+            <a:r>
+              <a:rPr lang="en-US" sz="1100" dirty="0"/>
+              <a:t>: Number</a:t>
+            </a:r>
+          </a:p>
+          <a:p>
+            <a:r>
+              <a:rPr lang="en-US" sz="1100" dirty="0" err="1"/>
+              <a:t>NumOrders</a:t>
+            </a:r>
+            <a:r>
+              <a:rPr lang="en-US" sz="1100" dirty="0"/>
+              <a:t>: Number</a:t>
+            </a:r>
+          </a:p>
+          <a:p>
+            <a:r>
+              <a:rPr lang="en-US" sz="1100" dirty="0" err="1"/>
+              <a:t>AvgPrice</a:t>
+            </a:r>
+            <a:r>
+              <a:rPr lang="en-US" sz="1100" dirty="0"/>
+              <a:t>: Number</a:t>
+            </a:r>
+          </a:p>
+          <a:p>
+            <a:r>
+              <a:rPr lang="en-US" sz="1100" dirty="0" err="1"/>
+              <a:t>CumulativeTotalQty</a:t>
+            </a:r>
+            <a:r>
+              <a:rPr lang="en-US" sz="1100" dirty="0"/>
+              <a:t>: Number</a:t>
+            </a:r>
+          </a:p>
+          <a:p>
+            <a:r>
+              <a:rPr lang="en-US" sz="1100" dirty="0" err="1"/>
+              <a:t>CumulativeNumOrders</a:t>
+            </a:r>
+            <a:r>
+              <a:rPr lang="en-US" sz="1100" dirty="0"/>
+              <a:t>: Number</a:t>
+            </a:r>
+          </a:p>
+          <a:p>
+            <a:r>
+              <a:rPr lang="en-US" sz="1100" dirty="0" err="1"/>
+              <a:t>CumulativeAmount</a:t>
+            </a:r>
+            <a:r>
+              <a:rPr lang="en-US" sz="1100" dirty="0"/>
+              <a:t>: Number</a:t>
+            </a:r>
+          </a:p>
+          <a:p>
+            <a:endParaRPr lang="en-US" sz="1100" dirty="0"/>
           </a:p>
         </p:txBody>
       </p:sp>
     </p:spTree>
     <p:extLst>
       <p:ext uri="{BB962C8B-B14F-4D97-AF65-F5344CB8AC3E}">
-        <p14:creationId xmlns:p14="http://schemas.microsoft.com/office/powerpoint/2010/main" val="2565140253"/>
+        <p14:creationId xmlns:p14="http://schemas.microsoft.com/office/powerpoint/2010/main" val="2332500908"/>
       </p:ext>
     </p:extLst>
   </p:cSld>
@@ -5926,6 +7842,305 @@
           <p:cNvPr id="2" name="Title 1">
             <a:extLst>
               <a:ext uri="{FF2B5EF4-FFF2-40B4-BE49-F238E27FC236}">
+                <a16:creationId xmlns:a16="http://schemas.microsoft.com/office/drawing/2014/main" id="{887A007C-B446-8A49-9133-3A3144A17063}"/>
+              </a:ext>
+            </a:extLst>
+          </p:cNvPr>
+          <p:cNvSpPr>
+            <a:spLocks noGrp="1"/>
+          </p:cNvSpPr>
+          <p:nvPr>
+            <p:ph type="title"/>
+          </p:nvPr>
+        </p:nvSpPr>
+        <p:spPr>
+          <a:xfrm>
+            <a:off x="838200" y="365125"/>
+            <a:ext cx="4782424" cy="1325563"/>
+          </a:xfrm>
+        </p:spPr>
+        <p:txBody>
+          <a:bodyPr/>
+          <a:lstStyle/>
+          <a:p>
+            <a:r>
+              <a:rPr lang="en-US" dirty="0"/>
+              <a:t>Tech Stack</a:t>
+            </a:r>
+          </a:p>
+        </p:txBody>
+      </p:sp>
+      <p:sp>
+        <p:nvSpPr>
+          <p:cNvPr id="3" name="Content Placeholder 2">
+            <a:extLst>
+              <a:ext uri="{FF2B5EF4-FFF2-40B4-BE49-F238E27FC236}">
+                <a16:creationId xmlns:a16="http://schemas.microsoft.com/office/drawing/2014/main" id="{84969E17-FFB7-8D15-E594-E4B6397B7EC8}"/>
+              </a:ext>
+            </a:extLst>
+          </p:cNvPr>
+          <p:cNvSpPr>
+            <a:spLocks noGrp="1"/>
+          </p:cNvSpPr>
+          <p:nvPr>
+            <p:ph idx="1"/>
+          </p:nvPr>
+        </p:nvSpPr>
+        <p:spPr>
+          <a:xfrm>
+            <a:off x="838199" y="1825625"/>
+            <a:ext cx="8079297" cy="4351338"/>
+          </a:xfrm>
+        </p:spPr>
+        <p:txBody>
+          <a:bodyPr>
+            <a:normAutofit/>
+          </a:bodyPr>
+          <a:lstStyle/>
+          <a:p>
+            <a:pPr algn="l"/>
+            <a:r>
+              <a:rPr lang="en-US" dirty="0"/>
+              <a:t>Ingestion</a:t>
+            </a:r>
+          </a:p>
+          <a:p>
+            <a:pPr lvl="1"/>
+            <a:r>
+              <a:rPr lang="en-US" dirty="0"/>
+              <a:t>AWS Lambda using NestJS, Typescript Handler</a:t>
+            </a:r>
+          </a:p>
+          <a:p>
+            <a:pPr lvl="1"/>
+            <a:r>
+              <a:rPr lang="en-US" dirty="0"/>
+              <a:t>AWS </a:t>
+            </a:r>
+            <a:r>
+              <a:rPr lang="en-US" dirty="0" err="1"/>
+              <a:t>EventBridge</a:t>
+            </a:r>
+            <a:r>
+              <a:rPr lang="en-US" dirty="0"/>
+              <a:t> Scheduler</a:t>
+            </a:r>
+          </a:p>
+          <a:p>
+            <a:pPr algn="l"/>
+            <a:r>
+              <a:rPr lang="en-US" dirty="0"/>
+              <a:t>ETL</a:t>
+            </a:r>
+          </a:p>
+          <a:p>
+            <a:pPr lvl="1"/>
+            <a:r>
+              <a:rPr lang="en-US" dirty="0"/>
+              <a:t>Databricks Compute</a:t>
+            </a:r>
+          </a:p>
+          <a:p>
+            <a:pPr lvl="1"/>
+            <a:r>
+              <a:rPr lang="en-US" dirty="0"/>
+              <a:t>Delta Live Tables</a:t>
+            </a:r>
+          </a:p>
+          <a:p>
+            <a:pPr lvl="2"/>
+            <a:r>
+              <a:rPr lang="en-US" dirty="0"/>
+              <a:t>Pipeline Scheduler</a:t>
+            </a:r>
+          </a:p>
+          <a:p>
+            <a:pPr lvl="2"/>
+            <a:r>
+              <a:rPr lang="en-US" dirty="0"/>
+              <a:t>Incremental Triggers</a:t>
+            </a:r>
+          </a:p>
+          <a:p>
+            <a:pPr algn="l"/>
+            <a:r>
+              <a:rPr lang="en-US" dirty="0"/>
+              <a:t>Visualization</a:t>
+            </a:r>
+          </a:p>
+          <a:p>
+            <a:pPr lvl="1"/>
+            <a:r>
+              <a:rPr lang="en-US" dirty="0"/>
+              <a:t>Tableau</a:t>
+            </a:r>
+            <a:endParaRPr lang="en-US" sz="2400" dirty="0"/>
+          </a:p>
+          <a:p>
+            <a:endParaRPr lang="en-US" dirty="0"/>
+          </a:p>
+        </p:txBody>
+      </p:sp>
+    </p:spTree>
+    <p:extLst>
+      <p:ext uri="{BB962C8B-B14F-4D97-AF65-F5344CB8AC3E}">
+        <p14:creationId xmlns:p14="http://schemas.microsoft.com/office/powerpoint/2010/main" val="3726950466"/>
+      </p:ext>
+    </p:extLst>
+  </p:cSld>
+  <p:clrMapOvr>
+    <a:masterClrMapping/>
+  </p:clrMapOvr>
+</p:sld>
+</file>
+
+<file path=ppt/slides/slide7.xml><?xml version="1.0" encoding="utf-8"?>
+<p:sld xmlns:a="http://schemas.openxmlformats.org/drawingml/2006/main" xmlns:r="http://schemas.openxmlformats.org/officeDocument/2006/relationships" xmlns:p="http://schemas.openxmlformats.org/presentationml/2006/main">
+  <p:cSld>
+    <p:spTree>
+      <p:nvGrpSpPr>
+        <p:cNvPr id="1" name=""/>
+        <p:cNvGrpSpPr/>
+        <p:nvPr/>
+      </p:nvGrpSpPr>
+      <p:grpSpPr>
+        <a:xfrm>
+          <a:off x="0" y="0"/>
+          <a:ext cx="0" cy="0"/>
+          <a:chOff x="0" y="0"/>
+          <a:chExt cx="0" cy="0"/>
+        </a:xfrm>
+      </p:grpSpPr>
+      <p:sp>
+        <p:nvSpPr>
+          <p:cNvPr id="2" name="Title 1">
+            <a:extLst>
+              <a:ext uri="{FF2B5EF4-FFF2-40B4-BE49-F238E27FC236}">
+                <a16:creationId xmlns:a16="http://schemas.microsoft.com/office/drawing/2014/main" id="{F001CD00-8105-88BA-CC44-93B860304EB7}"/>
+              </a:ext>
+            </a:extLst>
+          </p:cNvPr>
+          <p:cNvSpPr>
+            <a:spLocks noGrp="1"/>
+          </p:cNvSpPr>
+          <p:nvPr>
+            <p:ph type="title"/>
+          </p:nvPr>
+        </p:nvSpPr>
+        <p:spPr/>
+        <p:txBody>
+          <a:bodyPr/>
+          <a:lstStyle/>
+          <a:p>
+            <a:r>
+              <a:rPr lang="en-US" dirty="0"/>
+              <a:t>Other Options</a:t>
+            </a:r>
+          </a:p>
+        </p:txBody>
+      </p:sp>
+      <p:sp>
+        <p:nvSpPr>
+          <p:cNvPr id="3" name="Content Placeholder 2">
+            <a:extLst>
+              <a:ext uri="{FF2B5EF4-FFF2-40B4-BE49-F238E27FC236}">
+                <a16:creationId xmlns:a16="http://schemas.microsoft.com/office/drawing/2014/main" id="{CCE2C36C-5C16-A321-5FFA-51E0E6C858D9}"/>
+              </a:ext>
+            </a:extLst>
+          </p:cNvPr>
+          <p:cNvSpPr>
+            <a:spLocks noGrp="1"/>
+          </p:cNvSpPr>
+          <p:nvPr>
+            <p:ph idx="1"/>
+          </p:nvPr>
+        </p:nvSpPr>
+        <p:spPr/>
+        <p:txBody>
+          <a:bodyPr/>
+          <a:lstStyle/>
+          <a:p>
+            <a:pPr marL="0" indent="0">
+              <a:buNone/>
+            </a:pPr>
+            <a:r>
+              <a:rPr lang="en-US" dirty="0"/>
+              <a:t>Option 1: Use Web socket API instead of polling if enabled by exchange for near real-time data</a:t>
+            </a:r>
+          </a:p>
+          <a:p>
+            <a:pPr marL="0" indent="0">
+              <a:buNone/>
+            </a:pPr>
+            <a:r>
+              <a:rPr lang="en-US" dirty="0"/>
+              <a:t>Option 2: Perform the transformation dynamically in report on load.</a:t>
+            </a:r>
+          </a:p>
+          <a:p>
+            <a:pPr marL="0" indent="0">
+              <a:buNone/>
+            </a:pPr>
+            <a:r>
+              <a:rPr lang="en-US" dirty="0"/>
+              <a:t>Option 3: Hybrid model</a:t>
+            </a:r>
+          </a:p>
+          <a:p>
+            <a:pPr marL="1371600" lvl="3" indent="0">
+              <a:buNone/>
+            </a:pPr>
+            <a:r>
+              <a:rPr lang="en-US" dirty="0"/>
+              <a:t>High latency high volume pipeline for advanced analysis capability </a:t>
+            </a:r>
+          </a:p>
+          <a:p>
+            <a:pPr marL="1371600" lvl="3" indent="0">
+              <a:buNone/>
+            </a:pPr>
+            <a:r>
+              <a:rPr lang="en-US" dirty="0"/>
+              <a:t>Low latency low volume pipeline for real-time data reporting</a:t>
+            </a:r>
+          </a:p>
+        </p:txBody>
+      </p:sp>
+    </p:spTree>
+    <p:extLst>
+      <p:ext uri="{BB962C8B-B14F-4D97-AF65-F5344CB8AC3E}">
+        <p14:creationId xmlns:p14="http://schemas.microsoft.com/office/powerpoint/2010/main" val="2565140253"/>
+      </p:ext>
+    </p:extLst>
+  </p:cSld>
+  <p:clrMapOvr>
+    <a:masterClrMapping/>
+  </p:clrMapOvr>
+</p:sld>
+</file>
+
+<file path=ppt/slides/slide8.xml><?xml version="1.0" encoding="utf-8"?>
+<p:sld xmlns:a="http://schemas.openxmlformats.org/drawingml/2006/main" xmlns:r="http://schemas.openxmlformats.org/officeDocument/2006/relationships" xmlns:p="http://schemas.openxmlformats.org/presentationml/2006/main">
+  <p:cSld>
+    <p:spTree>
+      <p:nvGrpSpPr>
+        <p:cNvPr id="1" name=""/>
+        <p:cNvGrpSpPr/>
+        <p:nvPr/>
+      </p:nvGrpSpPr>
+      <p:grpSpPr>
+        <a:xfrm>
+          <a:off x="0" y="0"/>
+          <a:ext cx="0" cy="0"/>
+          <a:chOff x="0" y="0"/>
+          <a:chExt cx="0" cy="0"/>
+        </a:xfrm>
+      </p:grpSpPr>
+      <p:sp>
+        <p:nvSpPr>
+          <p:cNvPr id="2" name="Title 1">
+            <a:extLst>
+              <a:ext uri="{FF2B5EF4-FFF2-40B4-BE49-F238E27FC236}">
                 <a16:creationId xmlns:a16="http://schemas.microsoft.com/office/drawing/2014/main" id="{08B1F170-004D-CC24-75F4-9A68BB762621}"/>
               </a:ext>
             </a:extLst>
@@ -6049,7 +8264,7 @@
 </p:sld>
 </file>
 
-<file path=ppt/slides/slide7.xml><?xml version="1.0" encoding="utf-8"?>
+<file path=ppt/slides/slide9.xml><?xml version="1.0" encoding="utf-8"?>
 <p:sld xmlns:a="http://schemas.openxmlformats.org/drawingml/2006/main" xmlns:r="http://schemas.openxmlformats.org/officeDocument/2006/relationships" xmlns:p="http://schemas.openxmlformats.org/presentationml/2006/main">
   <p:cSld>
     <p:spTree>
